--- a/course/Spring-Day9.pptx
+++ b/course/Spring-Day9.pptx
@@ -2,7 +2,7 @@
 <file path=ppt/presentation.xml><?xml version="1.0" encoding="utf-8"?>
 <p:presentation xmlns:a="http://schemas.openxmlformats.org/drawingml/2006/main" xmlns:r="http://schemas.openxmlformats.org/officeDocument/2006/relationships" xmlns:p="http://schemas.openxmlformats.org/presentationml/2006/main" saveSubsetFonts="1">
   <p:sldMasterIdLst>
-    <p:sldMasterId id="2147483660" r:id="rId1"/>
+    <p:sldMasterId id="2147483672" r:id="rId1"/>
   </p:sldMasterIdLst>
   <p:sldIdLst>
     <p:sldId id="256" r:id="rId2"/>
@@ -159,7 +159,7 @@
 </file>
 
 <file path=ppt/slideLayouts/slideLayout1.xml><?xml version="1.0" encoding="utf-8"?>
-<p:sldLayout xmlns:a="http://schemas.openxmlformats.org/drawingml/2006/main" xmlns:r="http://schemas.openxmlformats.org/officeDocument/2006/relationships" xmlns:p="http://schemas.openxmlformats.org/presentationml/2006/main" showMasterSp="0" type="title" preserve="1">
+<p:sldLayout xmlns:a="http://schemas.openxmlformats.org/drawingml/2006/main" xmlns:r="http://schemas.openxmlformats.org/officeDocument/2006/relationships" xmlns:p="http://schemas.openxmlformats.org/presentationml/2006/main" type="title" preserve="1">
   <p:cSld name="Title Slide">
     <p:spTree>
       <p:nvGrpSpPr>
@@ -178,22 +178,26 @@
       <p:sp>
         <p:nvSpPr>
           <p:cNvPr id="7" name="Rectangle 6"/>
-          <p:cNvSpPr/>
+          <p:cNvSpPr>
+            <a:spLocks noChangeAspect="1"/>
+          </p:cNvSpPr>
           <p:nvPr/>
         </p:nvSpPr>
         <p:spPr>
           <a:xfrm>
-            <a:off x="3175" y="6400800"/>
-            <a:ext cx="12188825" cy="457200"/>
+            <a:off x="231140" y="243840"/>
+            <a:ext cx="11724640" cy="6377939"/>
           </a:xfrm>
           <a:prstGeom prst="rect">
             <a:avLst/>
           </a:prstGeom>
           <a:solidFill>
-            <a:schemeClr val="accent2"/>
+            <a:schemeClr val="accent1"/>
           </a:solidFill>
-          <a:ln>
-            <a:noFill/>
+          <a:ln w="12700">
+            <a:solidFill>
+              <a:srgbClr val="FFFFFF"/>
+            </a:solidFill>
           </a:ln>
         </p:spPr>
         <p:style>
@@ -215,56 +219,18 @@
       </p:sp>
       <p:sp>
         <p:nvSpPr>
-          <p:cNvPr id="8" name="Rectangle 7"/>
-          <p:cNvSpPr/>
-          <p:nvPr/>
+          <p:cNvPr id="2" name="Title 1"/>
+          <p:cNvSpPr>
+            <a:spLocks noGrp="1"/>
+          </p:cNvSpPr>
+          <p:nvPr>
+            <p:ph type="ctrTitle"/>
+          </p:nvPr>
         </p:nvSpPr>
         <p:spPr>
           <a:xfrm>
-            <a:off x="15" y="6334316"/>
-            <a:ext cx="12188825" cy="64008"/>
-          </a:xfrm>
-          <a:prstGeom prst="rect">
-            <a:avLst/>
-          </a:prstGeom>
-          <a:solidFill>
-            <a:schemeClr val="accent1"/>
-          </a:solidFill>
-          <a:ln>
-            <a:noFill/>
-          </a:ln>
-        </p:spPr>
-        <p:style>
-          <a:lnRef idx="2">
-            <a:schemeClr val="accent1">
-              <a:shade val="50000"/>
-            </a:schemeClr>
-          </a:lnRef>
-          <a:fillRef idx="1">
-            <a:schemeClr val="accent1"/>
-          </a:fillRef>
-          <a:effectRef idx="0">
-            <a:schemeClr val="accent1"/>
-          </a:effectRef>
-          <a:fontRef idx="minor">
-            <a:schemeClr val="lt1"/>
-          </a:fontRef>
-        </p:style>
-      </p:sp>
-      <p:sp>
-        <p:nvSpPr>
-          <p:cNvPr id="2" name="Title 1"/>
-          <p:cNvSpPr>
-            <a:spLocks noGrp="1"/>
-          </p:cNvSpPr>
-          <p:nvPr>
-            <p:ph type="ctrTitle"/>
-          </p:nvPr>
-        </p:nvSpPr>
-        <p:spPr>
-          <a:xfrm>
-            <a:off x="1097280" y="758952"/>
-            <a:ext cx="10058400" cy="3566160"/>
+            <a:off x="1109980" y="882376"/>
+            <a:ext cx="9966960" cy="2926080"/>
           </a:xfrm>
         </p:spPr>
         <p:txBody>
@@ -272,16 +238,13 @@
             <a:normAutofit/>
           </a:bodyPr>
           <a:lstStyle>
-            <a:lvl1pPr algn="l">
+            <a:lvl1pPr algn="ctr">
               <a:lnSpc>
                 <a:spcPct val="85000"/>
               </a:lnSpc>
-              <a:defRPr sz="8000" spc="-50" baseline="0">
+              <a:defRPr sz="7200" b="1" cap="all" baseline="0">
                 <a:solidFill>
-                  <a:schemeClr val="tx1">
-                    <a:lumMod val="85000"/>
-                    <a:lumOff val="15000"/>
-                  </a:schemeClr>
+                  <a:srgbClr val="FFFFFF"/>
                 </a:solidFill>
               </a:defRPr>
             </a:lvl1pPr>
@@ -307,31 +270,30 @@
         </p:nvSpPr>
         <p:spPr>
           <a:xfrm>
-            <a:off x="1100051" y="4455620"/>
-            <a:ext cx="10058400" cy="1143000"/>
+            <a:off x="1709530" y="3869634"/>
+            <a:ext cx="8767860" cy="1388165"/>
           </a:xfrm>
         </p:spPr>
         <p:txBody>
-          <a:bodyPr lIns="91440" rIns="91440">
+          <a:bodyPr>
             <a:normAutofit/>
           </a:bodyPr>
           <a:lstStyle>
-            <a:lvl1pPr marL="0" indent="0" algn="l">
+            <a:lvl1pPr marL="0" indent="0" algn="ctr">
               <a:buNone/>
-              <a:defRPr sz="2400" cap="all" spc="200" baseline="0">
+              <a:defRPr sz="2200">
                 <a:solidFill>
-                  <a:schemeClr val="tx2"/>
+                  <a:srgbClr val="FFFFFF"/>
                 </a:solidFill>
-                <a:latin typeface="+mj-lt"/>
               </a:defRPr>
             </a:lvl1pPr>
             <a:lvl2pPr marL="457200" indent="0" algn="ctr">
               <a:buNone/>
-              <a:defRPr sz="2400"/>
+              <a:defRPr sz="2200"/>
             </a:lvl2pPr>
             <a:lvl3pPr marL="914400" indent="0" algn="ctr">
               <a:buNone/>
-              <a:defRPr sz="2400"/>
+              <a:defRPr sz="2200"/>
             </a:lvl3pPr>
             <a:lvl4pPr marL="1371600" indent="0" algn="ctr">
               <a:buNone/>
@@ -380,11 +342,19 @@
         <p:spPr/>
         <p:txBody>
           <a:bodyPr/>
-          <a:lstStyle/>
+          <a:lstStyle>
+            <a:lvl1pPr>
+              <a:defRPr>
+                <a:solidFill>
+                  <a:srgbClr val="FFFFFF"/>
+                </a:solidFill>
+              </a:defRPr>
+            </a:lvl1pPr>
+          </a:lstStyle>
           <a:p>
             <a:fld id="{55819C6C-1328-47A7-9531-77311B1A3D98}" type="datetimeFigureOut">
               <a:rPr lang="en-GB" smtClean="0"/>
-              <a:t>28/07/2016</a:t>
+              <a:t>04/08/2016</a:t>
             </a:fld>
             <a:endParaRPr lang="en-GB"/>
           </a:p>
@@ -403,7 +373,15 @@
         <p:spPr/>
         <p:txBody>
           <a:bodyPr/>
-          <a:lstStyle/>
+          <a:lstStyle>
+            <a:lvl1pPr>
+              <a:defRPr>
+                <a:solidFill>
+                  <a:srgbClr val="FFFFFF"/>
+                </a:solidFill>
+              </a:defRPr>
+            </a:lvl1pPr>
+          </a:lstStyle>
           <a:p>
             <a:endParaRPr lang="en-GB"/>
           </a:p>
@@ -422,7 +400,15 @@
         <p:spPr/>
         <p:txBody>
           <a:bodyPr/>
-          <a:lstStyle/>
+          <a:lstStyle>
+            <a:lvl1pPr>
+              <a:defRPr>
+                <a:solidFill>
+                  <a:srgbClr val="FFFFFF"/>
+                </a:solidFill>
+              </a:defRPr>
+            </a:lvl1pPr>
+          </a:lstStyle>
           <a:p>
             <a:fld id="{E9BF1494-1497-494E-A8D5-A49C36B4011A}" type="slidenum">
               <a:rPr lang="en-GB" smtClean="0"/>
@@ -434,24 +420,21 @@
       </p:sp>
       <p:cxnSp>
         <p:nvCxnSpPr>
-          <p:cNvPr id="9" name="Straight Connector 8"/>
+          <p:cNvPr id="8" name="Straight Connector 7"/>
           <p:cNvCxnSpPr/>
           <p:nvPr/>
         </p:nvCxnSpPr>
         <p:spPr>
           <a:xfrm>
-            <a:off x="1207658" y="4343400"/>
-            <a:ext cx="9875520" cy="0"/>
+            <a:off x="1978660" y="3733800"/>
+            <a:ext cx="8229601" cy="0"/>
           </a:xfrm>
           <a:prstGeom prst="line">
             <a:avLst/>
           </a:prstGeom>
-          <a:ln w="6350">
+          <a:ln>
             <a:solidFill>
-              <a:schemeClr val="tx1">
-                <a:lumMod val="50000"/>
-                <a:lumOff val="50000"/>
-              </a:schemeClr>
+              <a:srgbClr val="FFFFFF"/>
             </a:solidFill>
           </a:ln>
         </p:spPr>
@@ -473,7 +456,7 @@
     </p:spTree>
     <p:extLst>
       <p:ext uri="{BB962C8B-B14F-4D97-AF65-F5344CB8AC3E}">
-        <p14:creationId xmlns:p14="http://schemas.microsoft.com/office/powerpoint/2010/main" val="3193530234"/>
+        <p14:creationId xmlns:p14="http://schemas.microsoft.com/office/powerpoint/2010/main" val="389115226"/>
       </p:ext>
     </p:extLst>
   </p:cSld>
@@ -535,7 +518,7 @@
         </p:nvSpPr>
         <p:spPr/>
         <p:txBody>
-          <a:bodyPr vert="eaVert" lIns="45720" tIns="0" rIns="45720" bIns="0"/>
+          <a:bodyPr vert="eaVert"/>
           <a:lstStyle/>
           <a:p>
             <a:pPr lvl="0"/>
@@ -592,7 +575,7 @@
           <a:p>
             <a:fld id="{55819C6C-1328-47A7-9531-77311B1A3D98}" type="datetimeFigureOut">
               <a:rPr lang="en-GB" smtClean="0"/>
-              <a:t>28/07/2016</a:t>
+              <a:t>04/08/2016</a:t>
             </a:fld>
             <a:endParaRPr lang="en-GB"/>
           </a:p>
@@ -643,7 +626,7 @@
     </p:spTree>
     <p:extLst>
       <p:ext uri="{BB962C8B-B14F-4D97-AF65-F5344CB8AC3E}">
-        <p14:creationId xmlns:p14="http://schemas.microsoft.com/office/powerpoint/2010/main" val="1383167014"/>
+        <p14:creationId xmlns:p14="http://schemas.microsoft.com/office/powerpoint/2010/main" val="4079018167"/>
       </p:ext>
     </p:extLst>
   </p:cSld>
@@ -654,7 +637,7 @@
 </file>
 
 <file path=ppt/slideLayouts/slideLayout11.xml><?xml version="1.0" encoding="utf-8"?>
-<p:sldLayout xmlns:a="http://schemas.openxmlformats.org/drawingml/2006/main" xmlns:r="http://schemas.openxmlformats.org/officeDocument/2006/relationships" xmlns:p="http://schemas.openxmlformats.org/presentationml/2006/main" showMasterSp="0" type="vertTitleAndTx" preserve="1">
+<p:sldLayout xmlns:a="http://schemas.openxmlformats.org/drawingml/2006/main" xmlns:r="http://schemas.openxmlformats.org/officeDocument/2006/relationships" xmlns:p="http://schemas.openxmlformats.org/presentationml/2006/main" type="vertTitleAndTx" preserve="1">
   <p:cSld name="Vertical Title and Text">
     <p:spTree>
       <p:nvGrpSpPr>
@@ -672,128 +655,52 @@
       </p:grpSpPr>
       <p:sp>
         <p:nvSpPr>
-          <p:cNvPr id="7" name="Rectangle 6"/>
-          <p:cNvSpPr/>
-          <p:nvPr/>
+          <p:cNvPr id="2" name="Vertical Title 1"/>
+          <p:cNvSpPr>
+            <a:spLocks noGrp="1"/>
+          </p:cNvSpPr>
+          <p:nvPr>
+            <p:ph type="title" orient="vert"/>
+          </p:nvPr>
         </p:nvSpPr>
         <p:spPr>
           <a:xfrm>
-            <a:off x="3175" y="6400800"/>
-            <a:ext cx="12188825" cy="457200"/>
+            <a:off x="8724900" y="762000"/>
+            <a:ext cx="2324100" cy="5410200"/>
           </a:xfrm>
-          <a:prstGeom prst="rect">
-            <a:avLst/>
-          </a:prstGeom>
-          <a:solidFill>
-            <a:schemeClr val="accent2"/>
-          </a:solidFill>
-          <a:ln>
-            <a:noFill/>
-          </a:ln>
         </p:spPr>
-        <p:style>
-          <a:lnRef idx="2">
-            <a:schemeClr val="accent1">
-              <a:shade val="50000"/>
-            </a:schemeClr>
-          </a:lnRef>
-          <a:fillRef idx="1">
-            <a:schemeClr val="accent1"/>
-          </a:fillRef>
-          <a:effectRef idx="0">
-            <a:schemeClr val="accent1"/>
-          </a:effectRef>
-          <a:fontRef idx="minor">
-            <a:schemeClr val="lt1"/>
-          </a:fontRef>
-        </p:style>
-      </p:sp>
-      <p:sp>
-        <p:nvSpPr>
-          <p:cNvPr id="8" name="Rectangle 7"/>
-          <p:cNvSpPr/>
-          <p:nvPr/>
+        <p:txBody>
+          <a:bodyPr vert="eaVert"/>
+          <a:lstStyle/>
+          <a:p>
+            <a:r>
+              <a:rPr lang="en-US" smtClean="0"/>
+              <a:t>Click to edit Master title style</a:t>
+            </a:r>
+            <a:endParaRPr lang="en-US" dirty="0"/>
+          </a:p>
+        </p:txBody>
+      </p:sp>
+      <p:sp>
+        <p:nvSpPr>
+          <p:cNvPr id="3" name="Vertical Text Placeholder 2"/>
+          <p:cNvSpPr>
+            <a:spLocks noGrp="1"/>
+          </p:cNvSpPr>
+          <p:nvPr>
+            <p:ph type="body" orient="vert" idx="1"/>
+          </p:nvPr>
         </p:nvSpPr>
         <p:spPr>
           <a:xfrm>
-            <a:off x="15" y="6334316"/>
-            <a:ext cx="12188825" cy="64008"/>
-          </a:xfrm>
-          <a:prstGeom prst="rect">
-            <a:avLst/>
-          </a:prstGeom>
-          <a:solidFill>
-            <a:schemeClr val="accent1"/>
-          </a:solidFill>
-          <a:ln>
-            <a:noFill/>
-          </a:ln>
-        </p:spPr>
-        <p:style>
-          <a:lnRef idx="2">
-            <a:schemeClr val="accent1">
-              <a:shade val="50000"/>
-            </a:schemeClr>
-          </a:lnRef>
-          <a:fillRef idx="1">
-            <a:schemeClr val="accent1"/>
-          </a:fillRef>
-          <a:effectRef idx="0">
-            <a:schemeClr val="accent1"/>
-          </a:effectRef>
-          <a:fontRef idx="minor">
-            <a:schemeClr val="lt1"/>
-          </a:fontRef>
-        </p:style>
-      </p:sp>
-      <p:sp>
-        <p:nvSpPr>
-          <p:cNvPr id="2" name="Vertical Title 1"/>
-          <p:cNvSpPr>
-            <a:spLocks noGrp="1"/>
-          </p:cNvSpPr>
-          <p:nvPr>
-            <p:ph type="title" orient="vert"/>
-          </p:nvPr>
-        </p:nvSpPr>
-        <p:spPr>
-          <a:xfrm>
-            <a:off x="8724900" y="414778"/>
-            <a:ext cx="2628900" cy="5757421"/>
+            <a:off x="1143000" y="762000"/>
+            <a:ext cx="7429500" cy="5410200"/>
           </a:xfrm>
         </p:spPr>
         <p:txBody>
           <a:bodyPr vert="eaVert"/>
           <a:lstStyle/>
           <a:p>
-            <a:r>
-              <a:rPr lang="en-US" smtClean="0"/>
-              <a:t>Click to edit Master title style</a:t>
-            </a:r>
-            <a:endParaRPr lang="en-US" dirty="0"/>
-          </a:p>
-        </p:txBody>
-      </p:sp>
-      <p:sp>
-        <p:nvSpPr>
-          <p:cNvPr id="3" name="Vertical Text Placeholder 2"/>
-          <p:cNvSpPr>
-            <a:spLocks noGrp="1"/>
-          </p:cNvSpPr>
-          <p:nvPr>
-            <p:ph type="body" orient="vert" idx="1"/>
-          </p:nvPr>
-        </p:nvSpPr>
-        <p:spPr>
-          <a:xfrm>
-            <a:off x="838200" y="414778"/>
-            <a:ext cx="7734300" cy="5757422"/>
-          </a:xfrm>
-        </p:spPr>
-        <p:txBody>
-          <a:bodyPr vert="eaVert" lIns="45720" tIns="0" rIns="45720" bIns="0"/>
-          <a:lstStyle/>
-          <a:p>
             <a:pPr lvl="0"/>
             <a:r>
               <a:rPr lang="en-US" smtClean="0"/>
@@ -848,7 +755,7 @@
           <a:p>
             <a:fld id="{55819C6C-1328-47A7-9531-77311B1A3D98}" type="datetimeFigureOut">
               <a:rPr lang="en-GB" smtClean="0"/>
-              <a:t>28/07/2016</a:t>
+              <a:t>04/08/2016</a:t>
             </a:fld>
             <a:endParaRPr lang="en-GB"/>
           </a:p>
@@ -899,7 +806,7 @@
     </p:spTree>
     <p:extLst>
       <p:ext uri="{BB962C8B-B14F-4D97-AF65-F5344CB8AC3E}">
-        <p14:creationId xmlns:p14="http://schemas.microsoft.com/office/powerpoint/2010/main" val="4136403001"/>
+        <p14:creationId xmlns:p14="http://schemas.microsoft.com/office/powerpoint/2010/main" val="853919796"/>
       </p:ext>
     </p:extLst>
   </p:cSld>
@@ -939,11 +846,7 @@
         <p:spPr/>
         <p:txBody>
           <a:bodyPr/>
-          <a:lstStyle>
-            <a:lvl1pPr marL="0">
-              <a:defRPr/>
-            </a:lvl1pPr>
-          </a:lstStyle>
+          <a:lstStyle/>
           <a:p>
             <a:r>
               <a:rPr lang="en-US" smtClean="0"/>
@@ -1022,7 +925,7 @@
           <a:p>
             <a:fld id="{55819C6C-1328-47A7-9531-77311B1A3D98}" type="datetimeFigureOut">
               <a:rPr lang="en-GB" smtClean="0"/>
-              <a:t>28/07/2016</a:t>
+              <a:t>04/08/2016</a:t>
             </a:fld>
             <a:endParaRPr lang="en-GB"/>
           </a:p>
@@ -1073,7 +976,7 @@
     </p:spTree>
     <p:extLst>
       <p:ext uri="{BB962C8B-B14F-4D97-AF65-F5344CB8AC3E}">
-        <p14:creationId xmlns:p14="http://schemas.microsoft.com/office/powerpoint/2010/main" val="3279061806"/>
+        <p14:creationId xmlns:p14="http://schemas.microsoft.com/office/powerpoint/2010/main" val="740715789"/>
       </p:ext>
     </p:extLst>
   </p:cSld>
@@ -1084,16 +987,8 @@
 </file>
 
 <file path=ppt/slideLayouts/slideLayout3.xml><?xml version="1.0" encoding="utf-8"?>
-<p:sldLayout xmlns:a="http://schemas.openxmlformats.org/drawingml/2006/main" xmlns:r="http://schemas.openxmlformats.org/officeDocument/2006/relationships" xmlns:p="http://schemas.openxmlformats.org/presentationml/2006/main" showMasterSp="0" type="secHead" preserve="1">
+<p:sldLayout xmlns:a="http://schemas.openxmlformats.org/drawingml/2006/main" xmlns:r="http://schemas.openxmlformats.org/officeDocument/2006/relationships" xmlns:p="http://schemas.openxmlformats.org/presentationml/2006/main" type="secHead" preserve="1">
   <p:cSld name="Section Header">
-    <p:bg>
-      <p:bgPr>
-        <a:solidFill>
-          <a:schemeClr val="bg1"/>
-        </a:solidFill>
-        <a:effectLst/>
-      </p:bgPr>
-    </p:bg>
     <p:spTree>
       <p:nvGrpSpPr>
         <p:cNvPr id="1" name=""/>
@@ -1110,152 +1005,68 @@
       </p:grpSpPr>
       <p:sp>
         <p:nvSpPr>
-          <p:cNvPr id="7" name="Rectangle 6"/>
-          <p:cNvSpPr/>
-          <p:nvPr/>
+          <p:cNvPr id="2" name="Title 1"/>
+          <p:cNvSpPr>
+            <a:spLocks noGrp="1"/>
+          </p:cNvSpPr>
+          <p:nvPr>
+            <p:ph type="title"/>
+          </p:nvPr>
         </p:nvSpPr>
         <p:spPr>
           <a:xfrm>
-            <a:off x="3175" y="6400800"/>
-            <a:ext cx="12188825" cy="457200"/>
+            <a:off x="1106424" y="1173575"/>
+            <a:ext cx="9966960" cy="2926080"/>
           </a:xfrm>
-          <a:prstGeom prst="rect">
-            <a:avLst/>
-          </a:prstGeom>
-          <a:solidFill>
-            <a:schemeClr val="accent2"/>
-          </a:solidFill>
-          <a:ln>
-            <a:noFill/>
-          </a:ln>
         </p:spPr>
-        <p:style>
-          <a:lnRef idx="2">
-            <a:schemeClr val="accent1">
-              <a:shade val="50000"/>
-            </a:schemeClr>
-          </a:lnRef>
-          <a:fillRef idx="1">
-            <a:schemeClr val="accent1"/>
-          </a:fillRef>
-          <a:effectRef idx="0">
-            <a:schemeClr val="accent1"/>
-          </a:effectRef>
-          <a:fontRef idx="minor">
-            <a:schemeClr val="lt1"/>
-          </a:fontRef>
-        </p:style>
-      </p:sp>
-      <p:sp>
-        <p:nvSpPr>
-          <p:cNvPr id="8" name="Rectangle 7"/>
-          <p:cNvSpPr/>
-          <p:nvPr/>
+        <p:txBody>
+          <a:bodyPr anchor="b">
+            <a:noAutofit/>
+          </a:bodyPr>
+          <a:lstStyle>
+            <a:lvl1pPr algn="ctr">
+              <a:lnSpc>
+                <a:spcPct val="85000"/>
+              </a:lnSpc>
+              <a:defRPr sz="7200" b="0" cap="all" baseline="0"/>
+            </a:lvl1pPr>
+          </a:lstStyle>
+          <a:p>
+            <a:r>
+              <a:rPr lang="en-US" smtClean="0"/>
+              <a:t>Click to edit Master title style</a:t>
+            </a:r>
+            <a:endParaRPr lang="en-US" dirty="0"/>
+          </a:p>
+        </p:txBody>
+      </p:sp>
+      <p:sp>
+        <p:nvSpPr>
+          <p:cNvPr id="3" name="Text Placeholder 2"/>
+          <p:cNvSpPr>
+            <a:spLocks noGrp="1"/>
+          </p:cNvSpPr>
+          <p:nvPr>
+            <p:ph type="body" idx="1"/>
+          </p:nvPr>
         </p:nvSpPr>
         <p:spPr>
           <a:xfrm>
-            <a:off x="15" y="6334316"/>
-            <a:ext cx="12188825" cy="64008"/>
-          </a:xfrm>
-          <a:prstGeom prst="rect">
-            <a:avLst/>
-          </a:prstGeom>
-          <a:solidFill>
-            <a:schemeClr val="accent1"/>
-          </a:solidFill>
-          <a:ln>
-            <a:noFill/>
-          </a:ln>
-        </p:spPr>
-        <p:style>
-          <a:lnRef idx="2">
-            <a:schemeClr val="accent1">
-              <a:shade val="50000"/>
-            </a:schemeClr>
-          </a:lnRef>
-          <a:fillRef idx="1">
-            <a:schemeClr val="accent1"/>
-          </a:fillRef>
-          <a:effectRef idx="0">
-            <a:schemeClr val="accent1"/>
-          </a:effectRef>
-          <a:fontRef idx="minor">
-            <a:schemeClr val="lt1"/>
-          </a:fontRef>
-        </p:style>
-      </p:sp>
-      <p:sp>
-        <p:nvSpPr>
-          <p:cNvPr id="2" name="Title 1"/>
-          <p:cNvSpPr>
-            <a:spLocks noGrp="1"/>
-          </p:cNvSpPr>
-          <p:nvPr>
-            <p:ph type="title"/>
-          </p:nvPr>
-        </p:nvSpPr>
-        <p:spPr>
-          <a:xfrm>
-            <a:off x="1097280" y="758952"/>
-            <a:ext cx="10058400" cy="3566160"/>
+            <a:off x="1709928" y="4154520"/>
+            <a:ext cx="8769096" cy="1363806"/>
           </a:xfrm>
         </p:spPr>
         <p:txBody>
-          <a:bodyPr anchor="b" anchorCtr="0">
+          <a:bodyPr anchor="t">
             <a:normAutofit/>
           </a:bodyPr>
           <a:lstStyle>
-            <a:lvl1pPr>
-              <a:lnSpc>
-                <a:spcPct val="85000"/>
-              </a:lnSpc>
-              <a:defRPr sz="8000" b="0">
+            <a:lvl1pPr marL="0" indent="0" algn="ctr">
+              <a:buNone/>
+              <a:defRPr sz="2200">
                 <a:solidFill>
-                  <a:schemeClr val="tx1">
-                    <a:lumMod val="85000"/>
-                    <a:lumOff val="15000"/>
-                  </a:schemeClr>
+                  <a:schemeClr val="accent1"/>
                 </a:solidFill>
-              </a:defRPr>
-            </a:lvl1pPr>
-          </a:lstStyle>
-          <a:p>
-            <a:r>
-              <a:rPr lang="en-US" smtClean="0"/>
-              <a:t>Click to edit Master title style</a:t>
-            </a:r>
-            <a:endParaRPr lang="en-US" dirty="0"/>
-          </a:p>
-        </p:txBody>
-      </p:sp>
-      <p:sp>
-        <p:nvSpPr>
-          <p:cNvPr id="3" name="Text Placeholder 2"/>
-          <p:cNvSpPr>
-            <a:spLocks noGrp="1"/>
-          </p:cNvSpPr>
-          <p:nvPr>
-            <p:ph type="body" idx="1"/>
-          </p:nvPr>
-        </p:nvSpPr>
-        <p:spPr>
-          <a:xfrm>
-            <a:off x="1097280" y="4453128"/>
-            <a:ext cx="10058400" cy="1143000"/>
-          </a:xfrm>
-        </p:spPr>
-        <p:txBody>
-          <a:bodyPr lIns="91440" rIns="91440" anchor="t" anchorCtr="0">
-            <a:normAutofit/>
-          </a:bodyPr>
-          <a:lstStyle>
-            <a:lvl1pPr marL="0" indent="0">
-              <a:buNone/>
-              <a:defRPr sz="2400" cap="all" spc="200" baseline="0">
-                <a:solidFill>
-                  <a:schemeClr val="tx2"/>
-                </a:solidFill>
-                <a:latin typeface="+mj-lt"/>
               </a:defRPr>
             </a:lvl1pPr>
             <a:lvl2pPr marL="457200" indent="0">
@@ -1365,7 +1176,7 @@
           <a:p>
             <a:fld id="{55819C6C-1328-47A7-9531-77311B1A3D98}" type="datetimeFigureOut">
               <a:rPr lang="en-GB" smtClean="0"/>
-              <a:t>28/07/2016</a:t>
+              <a:t>04/08/2016</a:t>
             </a:fld>
             <a:endParaRPr lang="en-GB"/>
           </a:p>
@@ -1415,24 +1226,21 @@
       </p:sp>
       <p:cxnSp>
         <p:nvCxnSpPr>
-          <p:cNvPr id="9" name="Straight Connector 8"/>
+          <p:cNvPr id="7" name="Straight Connector 6"/>
           <p:cNvCxnSpPr/>
           <p:nvPr/>
         </p:nvCxnSpPr>
         <p:spPr>
           <a:xfrm>
-            <a:off x="1207658" y="4343400"/>
-            <a:ext cx="9875520" cy="0"/>
+            <a:off x="1981200" y="4020408"/>
+            <a:ext cx="8229601" cy="0"/>
           </a:xfrm>
           <a:prstGeom prst="line">
             <a:avLst/>
           </a:prstGeom>
-          <a:ln w="6350">
+          <a:ln>
             <a:solidFill>
-              <a:schemeClr val="tx1">
-                <a:lumMod val="50000"/>
-                <a:lumOff val="50000"/>
-              </a:schemeClr>
+              <a:schemeClr val="accent1"/>
             </a:solidFill>
           </a:ln>
         </p:spPr>
@@ -1454,7 +1262,7 @@
     </p:spTree>
     <p:extLst>
       <p:ext uri="{BB962C8B-B14F-4D97-AF65-F5344CB8AC3E}">
-        <p14:creationId xmlns:p14="http://schemas.microsoft.com/office/powerpoint/2010/main" val="2211781146"/>
+        <p14:creationId xmlns:p14="http://schemas.microsoft.com/office/powerpoint/2010/main" val="1158720827"/>
       </p:ext>
     </p:extLst>
   </p:cSld>
@@ -1491,19 +1299,99 @@
             <p:ph type="title"/>
           </p:nvPr>
         </p:nvSpPr>
+        <p:spPr/>
+        <p:txBody>
+          <a:bodyPr/>
+          <a:lstStyle/>
+          <a:p>
+            <a:r>
+              <a:rPr lang="en-US" smtClean="0"/>
+              <a:t>Click to edit Master title style</a:t>
+            </a:r>
+            <a:endParaRPr lang="en-US" dirty="0"/>
+          </a:p>
+        </p:txBody>
+      </p:sp>
+      <p:sp>
+        <p:nvSpPr>
+          <p:cNvPr id="3" name="Content Placeholder 2"/>
+          <p:cNvSpPr>
+            <a:spLocks noGrp="1"/>
+          </p:cNvSpPr>
+          <p:nvPr>
+            <p:ph sz="half" idx="1"/>
+          </p:nvPr>
+        </p:nvSpPr>
         <p:spPr>
           <a:xfrm>
-            <a:off x="1097280" y="286603"/>
-            <a:ext cx="10058400" cy="1450757"/>
+            <a:off x="1143000" y="2057399"/>
+            <a:ext cx="4754880" cy="4023360"/>
           </a:xfrm>
         </p:spPr>
         <p:txBody>
           <a:bodyPr/>
-          <a:lstStyle/>
-          <a:p>
+          <a:lstStyle>
+            <a:lvl1pPr>
+              <a:defRPr sz="2200"/>
+            </a:lvl1pPr>
+            <a:lvl2pPr>
+              <a:defRPr sz="2000"/>
+            </a:lvl2pPr>
+            <a:lvl3pPr>
+              <a:defRPr sz="1800"/>
+            </a:lvl3pPr>
+            <a:lvl4pPr>
+              <a:defRPr sz="1600"/>
+            </a:lvl4pPr>
+            <a:lvl5pPr>
+              <a:defRPr sz="1600"/>
+            </a:lvl5pPr>
+            <a:lvl6pPr>
+              <a:defRPr sz="1600"/>
+            </a:lvl6pPr>
+            <a:lvl7pPr>
+              <a:defRPr sz="1600"/>
+            </a:lvl7pPr>
+            <a:lvl8pPr>
+              <a:defRPr sz="1600"/>
+            </a:lvl8pPr>
+            <a:lvl9pPr>
+              <a:defRPr sz="1600"/>
+            </a:lvl9pPr>
+          </a:lstStyle>
+          <a:p>
+            <a:pPr lvl="0"/>
             <a:r>
               <a:rPr lang="en-US" smtClean="0"/>
-              <a:t>Click to edit Master title style</a:t>
+              <a:t>Click to edit Master text styles</a:t>
+            </a:r>
+          </a:p>
+          <a:p>
+            <a:pPr lvl="1"/>
+            <a:r>
+              <a:rPr lang="en-US" smtClean="0"/>
+              <a:t>Second level</a:t>
+            </a:r>
+          </a:p>
+          <a:p>
+            <a:pPr lvl="2"/>
+            <a:r>
+              <a:rPr lang="en-US" smtClean="0"/>
+              <a:t>Third level</a:t>
+            </a:r>
+          </a:p>
+          <a:p>
+            <a:pPr lvl="3"/>
+            <a:r>
+              <a:rPr lang="en-US" smtClean="0"/>
+              <a:t>Fourth level</a:t>
+            </a:r>
+          </a:p>
+          <a:p>
+            <a:pPr lvl="4"/>
+            <a:r>
+              <a:rPr lang="en-US" smtClean="0"/>
+              <a:t>Fifth level</a:t>
             </a:r>
             <a:endParaRPr lang="en-US" dirty="0"/>
           </a:p>
@@ -1511,23 +1399,51 @@
       </p:sp>
       <p:sp>
         <p:nvSpPr>
-          <p:cNvPr id="3" name="Content Placeholder 2"/>
-          <p:cNvSpPr>
-            <a:spLocks noGrp="1"/>
-          </p:cNvSpPr>
-          <p:nvPr>
-            <p:ph sz="half" idx="1"/>
+          <p:cNvPr id="4" name="Content Placeholder 3"/>
+          <p:cNvSpPr>
+            <a:spLocks noGrp="1"/>
+          </p:cNvSpPr>
+          <p:nvPr>
+            <p:ph sz="half" idx="2"/>
           </p:nvPr>
         </p:nvSpPr>
         <p:spPr>
           <a:xfrm>
-            <a:off x="1097279" y="1845734"/>
-            <a:ext cx="4937760" cy="4023360"/>
+            <a:off x="6267612" y="2057400"/>
+            <a:ext cx="4754880" cy="4023360"/>
           </a:xfrm>
         </p:spPr>
         <p:txBody>
           <a:bodyPr/>
-          <a:lstStyle/>
+          <a:lstStyle>
+            <a:lvl1pPr>
+              <a:defRPr sz="2200"/>
+            </a:lvl1pPr>
+            <a:lvl2pPr>
+              <a:defRPr sz="2000"/>
+            </a:lvl2pPr>
+            <a:lvl3pPr>
+              <a:defRPr sz="1800"/>
+            </a:lvl3pPr>
+            <a:lvl4pPr>
+              <a:defRPr sz="1600"/>
+            </a:lvl4pPr>
+            <a:lvl5pPr>
+              <a:defRPr sz="1600"/>
+            </a:lvl5pPr>
+            <a:lvl6pPr>
+              <a:defRPr sz="1600"/>
+            </a:lvl6pPr>
+            <a:lvl7pPr>
+              <a:defRPr sz="1600"/>
+            </a:lvl7pPr>
+            <a:lvl8pPr>
+              <a:defRPr sz="1600"/>
+            </a:lvl8pPr>
+            <a:lvl9pPr>
+              <a:defRPr sz="1600"/>
+            </a:lvl9pPr>
+          </a:lstStyle>
           <a:p>
             <a:pPr lvl="0"/>
             <a:r>
@@ -1568,63 +1484,6 @@
       </p:sp>
       <p:sp>
         <p:nvSpPr>
-          <p:cNvPr id="4" name="Content Placeholder 3"/>
-          <p:cNvSpPr>
-            <a:spLocks noGrp="1"/>
-          </p:cNvSpPr>
-          <p:nvPr>
-            <p:ph sz="half" idx="2"/>
-          </p:nvPr>
-        </p:nvSpPr>
-        <p:spPr>
-          <a:xfrm>
-            <a:off x="6217920" y="1845735"/>
-            <a:ext cx="4937760" cy="4023360"/>
-          </a:xfrm>
-        </p:spPr>
-        <p:txBody>
-          <a:bodyPr/>
-          <a:lstStyle/>
-          <a:p>
-            <a:pPr lvl="0"/>
-            <a:r>
-              <a:rPr lang="en-US" smtClean="0"/>
-              <a:t>Click to edit Master text styles</a:t>
-            </a:r>
-          </a:p>
-          <a:p>
-            <a:pPr lvl="1"/>
-            <a:r>
-              <a:rPr lang="en-US" smtClean="0"/>
-              <a:t>Second level</a:t>
-            </a:r>
-          </a:p>
-          <a:p>
-            <a:pPr lvl="2"/>
-            <a:r>
-              <a:rPr lang="en-US" smtClean="0"/>
-              <a:t>Third level</a:t>
-            </a:r>
-          </a:p>
-          <a:p>
-            <a:pPr lvl="3"/>
-            <a:r>
-              <a:rPr lang="en-US" smtClean="0"/>
-              <a:t>Fourth level</a:t>
-            </a:r>
-          </a:p>
-          <a:p>
-            <a:pPr lvl="4"/>
-            <a:r>
-              <a:rPr lang="en-US" smtClean="0"/>
-              <a:t>Fifth level</a:t>
-            </a:r>
-            <a:endParaRPr lang="en-US" dirty="0"/>
-          </a:p>
-        </p:txBody>
-      </p:sp>
-      <p:sp>
-        <p:nvSpPr>
           <p:cNvPr id="5" name="Date Placeholder 4"/>
           <p:cNvSpPr>
             <a:spLocks noGrp="1"/>
@@ -1640,7 +1499,7 @@
           <a:p>
             <a:fld id="{55819C6C-1328-47A7-9531-77311B1A3D98}" type="datetimeFigureOut">
               <a:rPr lang="en-GB" smtClean="0"/>
-              <a:t>28/07/2016</a:t>
+              <a:t>04/08/2016</a:t>
             </a:fld>
             <a:endParaRPr lang="en-GB"/>
           </a:p>
@@ -1691,7 +1550,7 @@
     </p:spTree>
     <p:extLst>
       <p:ext uri="{BB962C8B-B14F-4D97-AF65-F5344CB8AC3E}">
-        <p14:creationId xmlns:p14="http://schemas.microsoft.com/office/powerpoint/2010/main" val="334029101"/>
+        <p14:creationId xmlns:p14="http://schemas.microsoft.com/office/powerpoint/2010/main" val="43002312"/>
       </p:ext>
     </p:extLst>
   </p:cSld>
@@ -1728,52 +1587,44 @@
             <p:ph type="title"/>
           </p:nvPr>
         </p:nvSpPr>
+        <p:spPr/>
+        <p:txBody>
+          <a:bodyPr/>
+          <a:lstStyle/>
+          <a:p>
+            <a:r>
+              <a:rPr lang="en-US" smtClean="0"/>
+              <a:t>Click to edit Master title style</a:t>
+            </a:r>
+            <a:endParaRPr lang="en-US" dirty="0"/>
+          </a:p>
+        </p:txBody>
+      </p:sp>
+      <p:sp>
+        <p:nvSpPr>
+          <p:cNvPr id="3" name="Text Placeholder 2"/>
+          <p:cNvSpPr>
+            <a:spLocks noGrp="1"/>
+          </p:cNvSpPr>
+          <p:nvPr>
+            <p:ph type="body" idx="1"/>
+          </p:nvPr>
+        </p:nvSpPr>
         <p:spPr>
           <a:xfrm>
-            <a:off x="1097280" y="286603"/>
-            <a:ext cx="10058400" cy="1450757"/>
+            <a:off x="1143000" y="2001511"/>
+            <a:ext cx="4754880" cy="777240"/>
           </a:xfrm>
         </p:spPr>
         <p:txBody>
-          <a:bodyPr/>
-          <a:lstStyle/>
-          <a:p>
-            <a:r>
-              <a:rPr lang="en-US" smtClean="0"/>
-              <a:t>Click to edit Master title style</a:t>
-            </a:r>
-            <a:endParaRPr lang="en-US" dirty="0"/>
-          </a:p>
-        </p:txBody>
-      </p:sp>
-      <p:sp>
-        <p:nvSpPr>
-          <p:cNvPr id="3" name="Text Placeholder 2"/>
-          <p:cNvSpPr>
-            <a:spLocks noGrp="1"/>
-          </p:cNvSpPr>
-          <p:nvPr>
-            <p:ph type="body" idx="1"/>
-          </p:nvPr>
-        </p:nvSpPr>
-        <p:spPr>
-          <a:xfrm>
-            <a:off x="1097280" y="1846052"/>
-            <a:ext cx="4937760" cy="736282"/>
-          </a:xfrm>
-        </p:spPr>
-        <p:txBody>
-          <a:bodyPr lIns="91440" rIns="91440" anchor="ctr">
-            <a:normAutofit/>
-          </a:bodyPr>
+          <a:bodyPr anchor="ctr"/>
           <a:lstStyle>
             <a:lvl1pPr marL="0" indent="0">
+              <a:spcBef>
+                <a:spcPts val="0"/>
+              </a:spcBef>
               <a:buNone/>
-              <a:defRPr sz="2000" b="0" cap="all" baseline="0">
-                <a:solidFill>
-                  <a:schemeClr val="tx2"/>
-                </a:solidFill>
-              </a:defRPr>
+              <a:defRPr sz="2400" b="1"/>
             </a:lvl1pPr>
             <a:lvl2pPr marL="457200" indent="0">
               <a:buNone/>
@@ -1829,13 +1680,41 @@
         </p:nvSpPr>
         <p:spPr>
           <a:xfrm>
-            <a:off x="1097280" y="2582334"/>
-            <a:ext cx="4937760" cy="3378200"/>
+            <a:off x="1143000" y="2721483"/>
+            <a:ext cx="4754880" cy="3383280"/>
           </a:xfrm>
         </p:spPr>
         <p:txBody>
           <a:bodyPr/>
-          <a:lstStyle/>
+          <a:lstStyle>
+            <a:lvl1pPr>
+              <a:defRPr sz="2200"/>
+            </a:lvl1pPr>
+            <a:lvl2pPr>
+              <a:defRPr sz="2000"/>
+            </a:lvl2pPr>
+            <a:lvl3pPr>
+              <a:defRPr sz="1800"/>
+            </a:lvl3pPr>
+            <a:lvl4pPr>
+              <a:defRPr sz="1600"/>
+            </a:lvl4pPr>
+            <a:lvl5pPr>
+              <a:defRPr sz="1600"/>
+            </a:lvl5pPr>
+            <a:lvl6pPr>
+              <a:defRPr sz="1600"/>
+            </a:lvl6pPr>
+            <a:lvl7pPr>
+              <a:defRPr sz="1600"/>
+            </a:lvl7pPr>
+            <a:lvl8pPr>
+              <a:defRPr sz="1600"/>
+            </a:lvl8pPr>
+            <a:lvl9pPr>
+              <a:defRPr sz="1600"/>
+            </a:lvl9pPr>
+          </a:lstStyle>
           <a:p>
             <a:pPr lvl="0"/>
             <a:r>
@@ -1886,22 +1765,19 @@
         </p:nvSpPr>
         <p:spPr>
           <a:xfrm>
-            <a:off x="6217920" y="1846052"/>
-            <a:ext cx="4937760" cy="736282"/>
+            <a:off x="6269173" y="1999032"/>
+            <a:ext cx="4754880" cy="777240"/>
           </a:xfrm>
         </p:spPr>
         <p:txBody>
-          <a:bodyPr lIns="91440" rIns="91440" anchor="ctr">
-            <a:normAutofit/>
-          </a:bodyPr>
+          <a:bodyPr anchor="ctr"/>
           <a:lstStyle>
             <a:lvl1pPr marL="0" indent="0">
+              <a:spcBef>
+                <a:spcPts val="0"/>
+              </a:spcBef>
               <a:buNone/>
-              <a:defRPr sz="2000" b="0" cap="all" baseline="0">
-                <a:solidFill>
-                  <a:schemeClr val="tx2"/>
-                </a:solidFill>
-              </a:defRPr>
+              <a:defRPr sz="2400" b="1"/>
             </a:lvl1pPr>
             <a:lvl2pPr marL="457200" indent="0">
               <a:buNone/>
@@ -1957,13 +1833,41 @@
         </p:nvSpPr>
         <p:spPr>
           <a:xfrm>
-            <a:off x="6217920" y="2582334"/>
-            <a:ext cx="4937760" cy="3378200"/>
+            <a:off x="6269173" y="2719322"/>
+            <a:ext cx="4754880" cy="3383280"/>
           </a:xfrm>
         </p:spPr>
         <p:txBody>
           <a:bodyPr/>
-          <a:lstStyle/>
+          <a:lstStyle>
+            <a:lvl1pPr>
+              <a:defRPr sz="2200"/>
+            </a:lvl1pPr>
+            <a:lvl2pPr>
+              <a:defRPr sz="2000"/>
+            </a:lvl2pPr>
+            <a:lvl3pPr>
+              <a:defRPr sz="1800"/>
+            </a:lvl3pPr>
+            <a:lvl4pPr>
+              <a:defRPr sz="1600"/>
+            </a:lvl4pPr>
+            <a:lvl5pPr>
+              <a:defRPr sz="1600"/>
+            </a:lvl5pPr>
+            <a:lvl6pPr>
+              <a:defRPr sz="1600"/>
+            </a:lvl6pPr>
+            <a:lvl7pPr>
+              <a:defRPr sz="1600"/>
+            </a:lvl7pPr>
+            <a:lvl8pPr>
+              <a:defRPr sz="1600"/>
+            </a:lvl8pPr>
+            <a:lvl9pPr>
+              <a:defRPr sz="1600"/>
+            </a:lvl9pPr>
+          </a:lstStyle>
           <a:p>
             <a:pPr lvl="0"/>
             <a:r>
@@ -2019,7 +1923,7 @@
           <a:p>
             <a:fld id="{55819C6C-1328-47A7-9531-77311B1A3D98}" type="datetimeFigureOut">
               <a:rPr lang="en-GB" smtClean="0"/>
-              <a:t>28/07/2016</a:t>
+              <a:t>04/08/2016</a:t>
             </a:fld>
             <a:endParaRPr lang="en-GB"/>
           </a:p>
@@ -2070,7 +1974,7 @@
     </p:spTree>
     <p:extLst>
       <p:ext uri="{BB962C8B-B14F-4D97-AF65-F5344CB8AC3E}">
-        <p14:creationId xmlns:p14="http://schemas.microsoft.com/office/powerpoint/2010/main" val="1011434308"/>
+        <p14:creationId xmlns:p14="http://schemas.microsoft.com/office/powerpoint/2010/main" val="4225723700"/>
       </p:ext>
     </p:extLst>
   </p:cSld>
@@ -2137,7 +2041,7 @@
           <a:p>
             <a:fld id="{55819C6C-1328-47A7-9531-77311B1A3D98}" type="datetimeFigureOut">
               <a:rPr lang="en-GB" smtClean="0"/>
-              <a:t>28/07/2016</a:t>
+              <a:t>04/08/2016</a:t>
             </a:fld>
             <a:endParaRPr lang="en-GB"/>
           </a:p>
@@ -2188,7 +2092,7 @@
     </p:spTree>
     <p:extLst>
       <p:ext uri="{BB962C8B-B14F-4D97-AF65-F5344CB8AC3E}">
-        <p14:creationId xmlns:p14="http://schemas.microsoft.com/office/powerpoint/2010/main" val="4170705758"/>
+        <p14:creationId xmlns:p14="http://schemas.microsoft.com/office/powerpoint/2010/main" val="669429471"/>
       </p:ext>
     </p:extLst>
   </p:cSld>
@@ -2199,7 +2103,7 @@
 </file>
 
 <file path=ppt/slideLayouts/slideLayout7.xml><?xml version="1.0" encoding="utf-8"?>
-<p:sldLayout xmlns:a="http://schemas.openxmlformats.org/drawingml/2006/main" xmlns:r="http://schemas.openxmlformats.org/officeDocument/2006/relationships" xmlns:p="http://schemas.openxmlformats.org/presentationml/2006/main" showMasterSp="0" type="blank" preserve="1">
+<p:sldLayout xmlns:a="http://schemas.openxmlformats.org/drawingml/2006/main" xmlns:r="http://schemas.openxmlformats.org/officeDocument/2006/relationships" xmlns:p="http://schemas.openxmlformats.org/presentationml/2006/main" type="blank" preserve="1">
   <p:cSld name="Blank">
     <p:spTree>
       <p:nvGrpSpPr>
@@ -2217,83 +2121,7 @@
       </p:grpSpPr>
       <p:sp>
         <p:nvSpPr>
-          <p:cNvPr id="5" name="Rectangle 4"/>
-          <p:cNvSpPr/>
-          <p:nvPr/>
-        </p:nvSpPr>
-        <p:spPr>
-          <a:xfrm>
-            <a:off x="3175" y="6400800"/>
-            <a:ext cx="12188825" cy="457200"/>
-          </a:xfrm>
-          <a:prstGeom prst="rect">
-            <a:avLst/>
-          </a:prstGeom>
-          <a:solidFill>
-            <a:schemeClr val="accent2"/>
-          </a:solidFill>
-          <a:ln>
-            <a:noFill/>
-          </a:ln>
-        </p:spPr>
-        <p:style>
-          <a:lnRef idx="2">
-            <a:schemeClr val="accent1">
-              <a:shade val="50000"/>
-            </a:schemeClr>
-          </a:lnRef>
-          <a:fillRef idx="1">
-            <a:schemeClr val="accent1"/>
-          </a:fillRef>
-          <a:effectRef idx="0">
-            <a:schemeClr val="accent1"/>
-          </a:effectRef>
-          <a:fontRef idx="minor">
-            <a:schemeClr val="lt1"/>
-          </a:fontRef>
-        </p:style>
-      </p:sp>
-      <p:sp>
-        <p:nvSpPr>
-          <p:cNvPr id="6" name="Rectangle 5"/>
-          <p:cNvSpPr/>
-          <p:nvPr/>
-        </p:nvSpPr>
-        <p:spPr>
-          <a:xfrm>
-            <a:off x="15" y="6334316"/>
-            <a:ext cx="12188825" cy="64008"/>
-          </a:xfrm>
-          <a:prstGeom prst="rect">
-            <a:avLst/>
-          </a:prstGeom>
-          <a:solidFill>
-            <a:schemeClr val="accent1"/>
-          </a:solidFill>
-          <a:ln>
-            <a:noFill/>
-          </a:ln>
-        </p:spPr>
-        <p:style>
-          <a:lnRef idx="2">
-            <a:schemeClr val="accent1">
-              <a:shade val="50000"/>
-            </a:schemeClr>
-          </a:lnRef>
-          <a:fillRef idx="1">
-            <a:schemeClr val="accent1"/>
-          </a:fillRef>
-          <a:effectRef idx="0">
-            <a:schemeClr val="accent1"/>
-          </a:effectRef>
-          <a:fontRef idx="minor">
-            <a:schemeClr val="lt1"/>
-          </a:fontRef>
-        </p:style>
-      </p:sp>
-      <p:sp>
-        <p:nvSpPr>
-          <p:cNvPr id="7" name="Date Placeholder 6"/>
+          <p:cNvPr id="2" name="Date Placeholder 1"/>
           <p:cNvSpPr>
             <a:spLocks noGrp="1"/>
           </p:cNvSpPr>
@@ -2308,7 +2136,7 @@
           <a:p>
             <a:fld id="{55819C6C-1328-47A7-9531-77311B1A3D98}" type="datetimeFigureOut">
               <a:rPr lang="en-GB" smtClean="0"/>
-              <a:t>28/07/2016</a:t>
+              <a:t>04/08/2016</a:t>
             </a:fld>
             <a:endParaRPr lang="en-GB"/>
           </a:p>
@@ -2316,7 +2144,7 @@
       </p:sp>
       <p:sp>
         <p:nvSpPr>
-          <p:cNvPr id="8" name="Footer Placeholder 7"/>
+          <p:cNvPr id="3" name="Footer Placeholder 2"/>
           <p:cNvSpPr>
             <a:spLocks noGrp="1"/>
           </p:cNvSpPr>
@@ -2327,15 +2155,7 @@
         <p:spPr/>
         <p:txBody>
           <a:bodyPr/>
-          <a:lstStyle>
-            <a:lvl1pPr>
-              <a:defRPr>
-                <a:solidFill>
-                  <a:srgbClr val="FFFFFF"/>
-                </a:solidFill>
-              </a:defRPr>
-            </a:lvl1pPr>
-          </a:lstStyle>
+          <a:lstStyle/>
           <a:p>
             <a:endParaRPr lang="en-GB"/>
           </a:p>
@@ -2343,7 +2163,7 @@
       </p:sp>
       <p:sp>
         <p:nvSpPr>
-          <p:cNvPr id="9" name="Slide Number Placeholder 8"/>
+          <p:cNvPr id="4" name="Slide Number Placeholder 3"/>
           <p:cNvSpPr>
             <a:spLocks noGrp="1"/>
           </p:cNvSpPr>
@@ -2367,7 +2187,7 @@
     </p:spTree>
     <p:extLst>
       <p:ext uri="{BB962C8B-B14F-4D97-AF65-F5344CB8AC3E}">
-        <p14:creationId xmlns:p14="http://schemas.microsoft.com/office/powerpoint/2010/main" val="3950731992"/>
+        <p14:creationId xmlns:p14="http://schemas.microsoft.com/office/powerpoint/2010/main" val="3040731607"/>
       </p:ext>
     </p:extLst>
   </p:cSld>
@@ -2378,7 +2198,7 @@
 </file>
 
 <file path=ppt/slideLayouts/slideLayout8.xml><?xml version="1.0" encoding="utf-8"?>
-<p:sldLayout xmlns:a="http://schemas.openxmlformats.org/drawingml/2006/main" xmlns:r="http://schemas.openxmlformats.org/officeDocument/2006/relationships" xmlns:p="http://schemas.openxmlformats.org/presentationml/2006/main" showMasterSp="0" type="objTx" preserve="1">
+<p:sldLayout xmlns:a="http://schemas.openxmlformats.org/drawingml/2006/main" xmlns:r="http://schemas.openxmlformats.org/officeDocument/2006/relationships" xmlns:p="http://schemas.openxmlformats.org/presentationml/2006/main" type="objTx" preserve="1">
   <p:cSld name="Content with Caption">
     <p:spTree>
       <p:nvGrpSpPr>
@@ -2396,107 +2216,30 @@
       </p:grpSpPr>
       <p:sp>
         <p:nvSpPr>
-          <p:cNvPr id="8" name="Rectangle 7"/>
-          <p:cNvSpPr/>
-          <p:nvPr/>
+          <p:cNvPr id="2" name="Title 1"/>
+          <p:cNvSpPr>
+            <a:spLocks noGrp="1"/>
+          </p:cNvSpPr>
+          <p:nvPr>
+            <p:ph type="title"/>
+          </p:nvPr>
         </p:nvSpPr>
         <p:spPr>
           <a:xfrm>
-            <a:off x="16" y="0"/>
-            <a:ext cx="4050791" cy="6858000"/>
-          </a:xfrm>
-          <a:prstGeom prst="rect">
-            <a:avLst/>
-          </a:prstGeom>
-          <a:solidFill>
-            <a:schemeClr val="accent2"/>
-          </a:solidFill>
-          <a:ln>
-            <a:noFill/>
-          </a:ln>
-        </p:spPr>
-        <p:style>
-          <a:lnRef idx="2">
-            <a:schemeClr val="accent1">
-              <a:shade val="50000"/>
-            </a:schemeClr>
-          </a:lnRef>
-          <a:fillRef idx="1">
-            <a:schemeClr val="accent1"/>
-          </a:fillRef>
-          <a:effectRef idx="0">
-            <a:schemeClr val="accent1"/>
-          </a:effectRef>
-          <a:fontRef idx="minor">
-            <a:schemeClr val="lt1"/>
-          </a:fontRef>
-        </p:style>
-      </p:sp>
-      <p:sp>
-        <p:nvSpPr>
-          <p:cNvPr id="9" name="Rectangle 8"/>
-          <p:cNvSpPr/>
-          <p:nvPr/>
-        </p:nvSpPr>
-        <p:spPr>
-          <a:xfrm>
-            <a:off x="4040071" y="0"/>
-            <a:ext cx="64008" cy="6858000"/>
-          </a:xfrm>
-          <a:prstGeom prst="rect">
-            <a:avLst/>
-          </a:prstGeom>
-          <a:solidFill>
-            <a:schemeClr val="accent1"/>
-          </a:solidFill>
-          <a:ln>
-            <a:noFill/>
-          </a:ln>
-        </p:spPr>
-        <p:style>
-          <a:lnRef idx="2">
-            <a:schemeClr val="accent1">
-              <a:shade val="50000"/>
-            </a:schemeClr>
-          </a:lnRef>
-          <a:fillRef idx="1">
-            <a:schemeClr val="accent1"/>
-          </a:fillRef>
-          <a:effectRef idx="0">
-            <a:schemeClr val="accent1"/>
-          </a:effectRef>
-          <a:fontRef idx="minor">
-            <a:schemeClr val="lt1"/>
-          </a:fontRef>
-        </p:style>
-      </p:sp>
-      <p:sp>
-        <p:nvSpPr>
-          <p:cNvPr id="2" name="Title 1"/>
-          <p:cNvSpPr>
-            <a:spLocks noGrp="1"/>
-          </p:cNvSpPr>
-          <p:nvPr>
-            <p:ph type="title"/>
-          </p:nvPr>
-        </p:nvSpPr>
-        <p:spPr>
-          <a:xfrm>
-            <a:off x="457200" y="594359"/>
-            <a:ext cx="3200400" cy="2286000"/>
+            <a:off x="1143000" y="1097280"/>
+            <a:ext cx="3931920" cy="1737360"/>
           </a:xfrm>
         </p:spPr>
         <p:txBody>
           <a:bodyPr anchor="b">
-            <a:normAutofit/>
+            <a:noAutofit/>
           </a:bodyPr>
           <a:lstStyle>
             <a:lvl1pPr>
-              <a:defRPr sz="3600" b="0">
-                <a:solidFill>
-                  <a:srgbClr val="FFFFFF"/>
-                </a:solidFill>
-              </a:defRPr>
+              <a:lnSpc>
+                <a:spcPct val="90000"/>
+              </a:lnSpc>
+              <a:defRPr sz="4000" b="0"/>
             </a:lvl1pPr>
           </a:lstStyle>
           <a:p>
@@ -2520,13 +2263,41 @@
         </p:nvSpPr>
         <p:spPr>
           <a:xfrm>
-            <a:off x="4800600" y="731520"/>
-            <a:ext cx="6492240" cy="5257800"/>
+            <a:off x="5852159" y="1097280"/>
+            <a:ext cx="5212080" cy="4663440"/>
           </a:xfrm>
         </p:spPr>
         <p:txBody>
           <a:bodyPr/>
-          <a:lstStyle/>
+          <a:lstStyle>
+            <a:lvl1pPr>
+              <a:defRPr sz="3200"/>
+            </a:lvl1pPr>
+            <a:lvl2pPr>
+              <a:defRPr sz="2800"/>
+            </a:lvl2pPr>
+            <a:lvl3pPr>
+              <a:defRPr sz="2400"/>
+            </a:lvl3pPr>
+            <a:lvl4pPr>
+              <a:defRPr sz="2000"/>
+            </a:lvl4pPr>
+            <a:lvl5pPr>
+              <a:defRPr sz="2000"/>
+            </a:lvl5pPr>
+            <a:lvl6pPr>
+              <a:defRPr sz="2000"/>
+            </a:lvl6pPr>
+            <a:lvl7pPr>
+              <a:defRPr sz="2000"/>
+            </a:lvl7pPr>
+            <a:lvl8pPr>
+              <a:defRPr sz="2000"/>
+            </a:lvl8pPr>
+            <a:lvl9pPr>
+              <a:defRPr sz="2000"/>
+            </a:lvl9pPr>
+          </a:lstStyle>
           <a:p>
             <a:pPr lvl="0"/>
             <a:r>
@@ -2577,22 +2348,24 @@
         </p:nvSpPr>
         <p:spPr>
           <a:xfrm>
-            <a:off x="457200" y="2926080"/>
-            <a:ext cx="3200400" cy="3379124"/>
+            <a:off x="1143000" y="2834640"/>
+            <a:ext cx="3931920" cy="3017520"/>
           </a:xfrm>
         </p:spPr>
         <p:txBody>
-          <a:bodyPr lIns="91440" rIns="91440">
+          <a:bodyPr>
             <a:normAutofit/>
           </a:bodyPr>
           <a:lstStyle>
             <a:lvl1pPr marL="0" indent="0">
+              <a:lnSpc>
+                <a:spcPct val="100000"/>
+              </a:lnSpc>
+              <a:spcBef>
+                <a:spcPts val="1000"/>
+              </a:spcBef>
               <a:buNone/>
-              <a:defRPr sz="1500">
-                <a:solidFill>
-                  <a:srgbClr val="FFFFFF"/>
-                </a:solidFill>
-              </a:defRPr>
+              <a:defRPr sz="1700"/>
             </a:lvl1pPr>
             <a:lvl2pPr marL="457200" indent="0">
               <a:buNone/>
@@ -2646,23 +2419,14 @@
             <p:ph type="dt" sz="half" idx="10"/>
           </p:nvPr>
         </p:nvSpPr>
-        <p:spPr>
-          <a:xfrm>
-            <a:off x="465512" y="6459785"/>
-            <a:ext cx="2618510" cy="365125"/>
-          </a:xfrm>
-        </p:spPr>
-        <p:txBody>
-          <a:bodyPr/>
-          <a:lstStyle>
-            <a:lvl1pPr algn="l">
-              <a:defRPr/>
-            </a:lvl1pPr>
-          </a:lstStyle>
+        <p:spPr/>
+        <p:txBody>
+          <a:bodyPr/>
+          <a:lstStyle/>
           <a:p>
             <a:fld id="{55819C6C-1328-47A7-9531-77311B1A3D98}" type="datetimeFigureOut">
               <a:rPr lang="en-GB" smtClean="0"/>
-              <a:t>28/07/2016</a:t>
+              <a:t>04/08/2016</a:t>
             </a:fld>
             <a:endParaRPr lang="en-GB"/>
           </a:p>
@@ -2678,23 +2442,10 @@
             <p:ph type="ftr" sz="quarter" idx="11"/>
           </p:nvPr>
         </p:nvSpPr>
-        <p:spPr>
-          <a:xfrm>
-            <a:off x="4800600" y="6459785"/>
-            <a:ext cx="4648200" cy="365125"/>
-          </a:xfrm>
-        </p:spPr>
-        <p:txBody>
-          <a:bodyPr/>
-          <a:lstStyle>
-            <a:lvl1pPr algn="l">
-              <a:defRPr>
-                <a:solidFill>
-                  <a:schemeClr val="tx2"/>
-                </a:solidFill>
-              </a:defRPr>
-            </a:lvl1pPr>
-          </a:lstStyle>
+        <p:spPr/>
+        <p:txBody>
+          <a:bodyPr/>
+          <a:lstStyle/>
           <a:p>
             <a:endParaRPr lang="en-GB"/>
           </a:p>
@@ -2713,15 +2464,7 @@
         <p:spPr/>
         <p:txBody>
           <a:bodyPr/>
-          <a:lstStyle>
-            <a:lvl1pPr>
-              <a:defRPr>
-                <a:solidFill>
-                  <a:schemeClr val="tx2"/>
-                </a:solidFill>
-              </a:defRPr>
-            </a:lvl1pPr>
-          </a:lstStyle>
+          <a:lstStyle/>
           <a:p>
             <a:fld id="{E9BF1494-1497-494E-A8D5-A49C36B4011A}" type="slidenum">
               <a:rPr lang="en-GB" smtClean="0"/>
@@ -2734,7 +2477,7 @@
     </p:spTree>
     <p:extLst>
       <p:ext uri="{BB962C8B-B14F-4D97-AF65-F5344CB8AC3E}">
-        <p14:creationId xmlns:p14="http://schemas.microsoft.com/office/powerpoint/2010/main" val="3738005726"/>
+        <p14:creationId xmlns:p14="http://schemas.microsoft.com/office/powerpoint/2010/main" val="3466914748"/>
       </p:ext>
     </p:extLst>
   </p:cSld>
@@ -2745,7 +2488,7 @@
 </file>
 
 <file path=ppt/slideLayouts/slideLayout9.xml><?xml version="1.0" encoding="utf-8"?>
-<p:sldLayout xmlns:a="http://schemas.openxmlformats.org/drawingml/2006/main" xmlns:r="http://schemas.openxmlformats.org/officeDocument/2006/relationships" xmlns:p="http://schemas.openxmlformats.org/presentationml/2006/main" showMasterSp="0" type="picTx" preserve="1">
+<p:sldLayout xmlns:a="http://schemas.openxmlformats.org/drawingml/2006/main" xmlns:r="http://schemas.openxmlformats.org/officeDocument/2006/relationships" xmlns:p="http://schemas.openxmlformats.org/presentationml/2006/main" type="picTx" preserve="1">
   <p:cSld name="Picture with Caption">
     <p:spTree>
       <p:nvGrpSpPr>
@@ -2763,107 +2506,30 @@
       </p:grpSpPr>
       <p:sp>
         <p:nvSpPr>
-          <p:cNvPr id="8" name="Rectangle 7"/>
-          <p:cNvSpPr/>
-          <p:nvPr/>
+          <p:cNvPr id="2" name="Title 1"/>
+          <p:cNvSpPr>
+            <a:spLocks noGrp="1"/>
+          </p:cNvSpPr>
+          <p:nvPr>
+            <p:ph type="title"/>
+          </p:nvPr>
         </p:nvSpPr>
         <p:spPr>
           <a:xfrm>
-            <a:off x="0" y="4953000"/>
-            <a:ext cx="12188825" cy="1905000"/>
-          </a:xfrm>
-          <a:prstGeom prst="rect">
-            <a:avLst/>
-          </a:prstGeom>
-          <a:solidFill>
-            <a:schemeClr val="accent2"/>
-          </a:solidFill>
-          <a:ln>
-            <a:noFill/>
-          </a:ln>
-        </p:spPr>
-        <p:style>
-          <a:lnRef idx="2">
-            <a:schemeClr val="accent1">
-              <a:shade val="50000"/>
-            </a:schemeClr>
-          </a:lnRef>
-          <a:fillRef idx="1">
-            <a:schemeClr val="accent1"/>
-          </a:fillRef>
-          <a:effectRef idx="0">
-            <a:schemeClr val="accent1"/>
-          </a:effectRef>
-          <a:fontRef idx="minor">
-            <a:schemeClr val="lt1"/>
-          </a:fontRef>
-        </p:style>
-      </p:sp>
-      <p:sp>
-        <p:nvSpPr>
-          <p:cNvPr id="9" name="Rectangle 8"/>
-          <p:cNvSpPr/>
-          <p:nvPr/>
-        </p:nvSpPr>
-        <p:spPr>
-          <a:xfrm>
-            <a:off x="15" y="4915076"/>
-            <a:ext cx="12188825" cy="64008"/>
-          </a:xfrm>
-          <a:prstGeom prst="rect">
-            <a:avLst/>
-          </a:prstGeom>
-          <a:solidFill>
-            <a:schemeClr val="accent1"/>
-          </a:solidFill>
-          <a:ln>
-            <a:noFill/>
-          </a:ln>
-        </p:spPr>
-        <p:style>
-          <a:lnRef idx="2">
-            <a:schemeClr val="accent1">
-              <a:shade val="50000"/>
-            </a:schemeClr>
-          </a:lnRef>
-          <a:fillRef idx="1">
-            <a:schemeClr val="accent1"/>
-          </a:fillRef>
-          <a:effectRef idx="0">
-            <a:schemeClr val="accent1"/>
-          </a:effectRef>
-          <a:fontRef idx="minor">
-            <a:schemeClr val="lt1"/>
-          </a:fontRef>
-        </p:style>
-      </p:sp>
-      <p:sp>
-        <p:nvSpPr>
-          <p:cNvPr id="2" name="Title 1"/>
-          <p:cNvSpPr>
-            <a:spLocks noGrp="1"/>
-          </p:cNvSpPr>
-          <p:nvPr>
-            <p:ph type="title"/>
-          </p:nvPr>
-        </p:nvSpPr>
-        <p:spPr>
-          <a:xfrm>
-            <a:off x="1097280" y="5074920"/>
-            <a:ext cx="10113264" cy="822960"/>
+            <a:off x="1143000" y="1097280"/>
+            <a:ext cx="3931920" cy="1737360"/>
           </a:xfrm>
         </p:spPr>
         <p:txBody>
-          <a:bodyPr lIns="91440" tIns="0" rIns="91440" bIns="0" anchor="b">
+          <a:bodyPr anchor="b">
             <a:noAutofit/>
           </a:bodyPr>
           <a:lstStyle>
             <a:lvl1pPr>
-              <a:defRPr sz="3600" b="0">
-                <a:solidFill>
-                  <a:srgbClr val="FFFFFF"/>
-                </a:solidFill>
-              </a:defRPr>
+              <a:lnSpc>
+                <a:spcPct val="90000"/>
+              </a:lnSpc>
+              <a:defRPr sz="4000" b="0"/>
             </a:lvl1pPr>
           </a:lstStyle>
           <a:p>
@@ -2887,26 +2553,18 @@
         </p:nvSpPr>
         <p:spPr>
           <a:xfrm>
-            <a:off x="15" y="0"/>
-            <a:ext cx="12191985" cy="4915076"/>
+            <a:off x="5413248" y="1069847"/>
+            <a:ext cx="6099048" cy="4800600"/>
           </a:xfrm>
-          <a:blipFill>
-            <a:blip r:embed="rId2"/>
-            <a:stretch>
-              <a:fillRect/>
-            </a:stretch>
-          </a:blipFill>
         </p:spPr>
         <p:txBody>
-          <a:bodyPr lIns="457200" tIns="457200" anchor="t"/>
+          <a:bodyPr lIns="274320" tIns="182880" anchor="t">
+            <a:normAutofit/>
+          </a:bodyPr>
           <a:lstStyle>
             <a:lvl1pPr marL="0" indent="0">
               <a:buNone/>
-              <a:defRPr sz="3200">
-                <a:solidFill>
-                  <a:schemeClr val="bg1"/>
-                </a:solidFill>
-              </a:defRPr>
+              <a:defRPr sz="2800"/>
             </a:lvl1pPr>
             <a:lvl2pPr marL="457200" indent="0">
               <a:buNone/>
@@ -2962,28 +2620,24 @@
         </p:nvSpPr>
         <p:spPr>
           <a:xfrm>
-            <a:off x="1097280" y="5907023"/>
-            <a:ext cx="10113264" cy="594360"/>
+            <a:off x="1143000" y="2834640"/>
+            <a:ext cx="3931920" cy="2880360"/>
           </a:xfrm>
         </p:spPr>
         <p:txBody>
-          <a:bodyPr lIns="91440" tIns="0" rIns="91440" bIns="0">
+          <a:bodyPr>
             <a:normAutofit/>
           </a:bodyPr>
           <a:lstStyle>
             <a:lvl1pPr marL="0" indent="0">
+              <a:lnSpc>
+                <a:spcPct val="100000"/>
+              </a:lnSpc>
               <a:spcBef>
-                <a:spcPts val="0"/>
+                <a:spcPts val="1000"/>
               </a:spcBef>
-              <a:spcAft>
-                <a:spcPts val="600"/>
-              </a:spcAft>
               <a:buNone/>
-              <a:defRPr sz="1500">
-                <a:solidFill>
-                  <a:srgbClr val="FFFFFF"/>
-                </a:solidFill>
-              </a:defRPr>
+              <a:defRPr sz="1700"/>
             </a:lvl1pPr>
             <a:lvl2pPr marL="457200" indent="0">
               <a:buNone/>
@@ -3044,7 +2698,7 @@
           <a:p>
             <a:fld id="{55819C6C-1328-47A7-9531-77311B1A3D98}" type="datetimeFigureOut">
               <a:rPr lang="en-GB" smtClean="0"/>
-              <a:t>28/07/2016</a:t>
+              <a:t>04/08/2016</a:t>
             </a:fld>
             <a:endParaRPr lang="en-GB"/>
           </a:p>
@@ -3095,7 +2749,7 @@
     </p:spTree>
     <p:extLst>
       <p:ext uri="{BB962C8B-B14F-4D97-AF65-F5344CB8AC3E}">
-        <p14:creationId xmlns:p14="http://schemas.microsoft.com/office/powerpoint/2010/main" val="481677276"/>
+        <p14:creationId xmlns:p14="http://schemas.microsoft.com/office/powerpoint/2010/main" val="1248261433"/>
       </p:ext>
     </p:extLst>
   </p:cSld>
@@ -3109,9 +2763,12 @@
 <p:sldMaster xmlns:a="http://schemas.openxmlformats.org/drawingml/2006/main" xmlns:r="http://schemas.openxmlformats.org/officeDocument/2006/relationships" xmlns:p="http://schemas.openxmlformats.org/presentationml/2006/main">
   <p:cSld>
     <p:bg>
-      <p:bgRef idx="1001">
-        <a:schemeClr val="bg1"/>
-      </p:bgRef>
+      <p:bgPr>
+        <a:solidFill>
+          <a:schemeClr val="accent1"/>
+        </a:solidFill>
+        <a:effectLst/>
+      </p:bgPr>
     </p:bg>
     <p:spTree>
       <p:nvGrpSpPr>
@@ -3130,21 +2787,23 @@
       <p:sp>
         <p:nvSpPr>
           <p:cNvPr id="7" name="Rectangle 6"/>
-          <p:cNvSpPr/>
+          <p:cNvSpPr>
+            <a:spLocks noChangeAspect="1"/>
+          </p:cNvSpPr>
           <p:nvPr/>
         </p:nvSpPr>
         <p:spPr>
           <a:xfrm>
-            <a:off x="1" y="6400800"/>
-            <a:ext cx="12192000" cy="457200"/>
+            <a:off x="231140" y="243840"/>
+            <a:ext cx="11724640" cy="6377939"/>
           </a:xfrm>
           <a:prstGeom prst="rect">
             <a:avLst/>
           </a:prstGeom>
           <a:solidFill>
-            <a:schemeClr val="accent2"/>
+            <a:schemeClr val="bg1"/>
           </a:solidFill>
-          <a:ln>
+          <a:ln w="12700">
             <a:noFill/>
           </a:ln>
         </p:spPr>
@@ -3167,63 +2826,25 @@
       </p:sp>
       <p:sp>
         <p:nvSpPr>
-          <p:cNvPr id="9" name="Rectangle 8"/>
-          <p:cNvSpPr/>
-          <p:nvPr/>
+          <p:cNvPr id="2" name="Title Placeholder 1"/>
+          <p:cNvSpPr>
+            <a:spLocks noGrp="1"/>
+          </p:cNvSpPr>
+          <p:nvPr>
+            <p:ph type="title"/>
+          </p:nvPr>
         </p:nvSpPr>
         <p:spPr>
           <a:xfrm>
-            <a:off x="0" y="6334316"/>
-            <a:ext cx="12192001" cy="65998"/>
-          </a:xfrm>
-          <a:prstGeom prst="rect">
-            <a:avLst/>
-          </a:prstGeom>
-          <a:solidFill>
-            <a:schemeClr val="accent1"/>
-          </a:solidFill>
-          <a:ln>
-            <a:noFill/>
-          </a:ln>
-        </p:spPr>
-        <p:style>
-          <a:lnRef idx="2">
-            <a:schemeClr val="accent1">
-              <a:shade val="50000"/>
-            </a:schemeClr>
-          </a:lnRef>
-          <a:fillRef idx="1">
-            <a:schemeClr val="accent1"/>
-          </a:fillRef>
-          <a:effectRef idx="0">
-            <a:schemeClr val="accent1"/>
-          </a:effectRef>
-          <a:fontRef idx="minor">
-            <a:schemeClr val="lt1"/>
-          </a:fontRef>
-        </p:style>
-      </p:sp>
-      <p:sp>
-        <p:nvSpPr>
-          <p:cNvPr id="2" name="Title Placeholder 1"/>
-          <p:cNvSpPr>
-            <a:spLocks noGrp="1"/>
-          </p:cNvSpPr>
-          <p:nvPr>
-            <p:ph type="title"/>
-          </p:nvPr>
-        </p:nvSpPr>
-        <p:spPr>
-          <a:xfrm>
-            <a:off x="1097280" y="286603"/>
-            <a:ext cx="10058400" cy="1450757"/>
+            <a:off x="1143000" y="609600"/>
+            <a:ext cx="9875520" cy="1356360"/>
           </a:xfrm>
           <a:prstGeom prst="rect">
             <a:avLst/>
           </a:prstGeom>
         </p:spPr>
         <p:txBody>
-          <a:bodyPr vert="horz" lIns="91440" tIns="45720" rIns="91440" bIns="45720" rtlCol="0" anchor="b">
+          <a:bodyPr vert="horz" lIns="91440" tIns="45720" rIns="91440" bIns="45720" rtlCol="0" anchor="ctr">
             <a:normAutofit/>
           </a:bodyPr>
           <a:lstStyle/>
@@ -3248,15 +2869,15 @@
         </p:nvSpPr>
         <p:spPr>
           <a:xfrm>
-            <a:off x="1097280" y="1845734"/>
-            <a:ext cx="10058400" cy="4023360"/>
+            <a:off x="1143000" y="2057400"/>
+            <a:ext cx="9872871" cy="4038600"/>
           </a:xfrm>
           <a:prstGeom prst="rect">
             <a:avLst/>
           </a:prstGeom>
         </p:spPr>
         <p:txBody>
-          <a:bodyPr vert="horz" lIns="0" tIns="45720" rIns="0" bIns="45720" rtlCol="0">
+          <a:bodyPr vert="horz" lIns="91440" tIns="45720" rIns="91440" bIns="45720" rtlCol="0">
             <a:normAutofit/>
           </a:bodyPr>
           <a:lstStyle/>
@@ -3310,8 +2931,8 @@
         </p:nvSpPr>
         <p:spPr>
           <a:xfrm>
-            <a:off x="1097280" y="6459785"/>
-            <a:ext cx="2472271" cy="365125"/>
+            <a:off x="1142996" y="6223828"/>
+            <a:ext cx="2329074" cy="365125"/>
           </a:xfrm>
           <a:prstGeom prst="rect">
             <a:avLst/>
@@ -3321,9 +2942,9 @@
           <a:bodyPr vert="horz" lIns="91440" tIns="45720" rIns="91440" bIns="45720" rtlCol="0" anchor="ctr"/>
           <a:lstStyle>
             <a:lvl1pPr algn="l">
-              <a:defRPr sz="900">
+              <a:defRPr sz="1200">
                 <a:solidFill>
-                  <a:srgbClr val="FFFFFF"/>
+                  <a:schemeClr val="accent1"/>
                 </a:solidFill>
               </a:defRPr>
             </a:lvl1pPr>
@@ -3331,7 +2952,7 @@
           <a:p>
             <a:fld id="{55819C6C-1328-47A7-9531-77311B1A3D98}" type="datetimeFigureOut">
               <a:rPr lang="en-GB" smtClean="0"/>
-              <a:t>28/07/2016</a:t>
+              <a:t>04/08/2016</a:t>
             </a:fld>
             <a:endParaRPr lang="en-GB"/>
           </a:p>
@@ -3349,8 +2970,8 @@
         </p:nvSpPr>
         <p:spPr>
           <a:xfrm>
-            <a:off x="3686185" y="6459785"/>
-            <a:ext cx="4822804" cy="365125"/>
+            <a:off x="3949148" y="6223828"/>
+            <a:ext cx="4717774" cy="365125"/>
           </a:xfrm>
           <a:prstGeom prst="rect">
             <a:avLst/>
@@ -3360,9 +2981,9 @@
           <a:bodyPr vert="horz" lIns="91440" tIns="45720" rIns="91440" bIns="45720" rtlCol="0" anchor="ctr"/>
           <a:lstStyle>
             <a:lvl1pPr algn="ctr">
-              <a:defRPr sz="900" cap="all" baseline="0">
+              <a:defRPr sz="1200">
                 <a:solidFill>
-                  <a:srgbClr val="FFFFFF"/>
+                  <a:schemeClr val="accent1"/>
                 </a:solidFill>
               </a:defRPr>
             </a:lvl1pPr>
@@ -3384,8 +3005,8 @@
         </p:nvSpPr>
         <p:spPr>
           <a:xfrm>
-            <a:off x="9900458" y="6459785"/>
-            <a:ext cx="1312025" cy="365125"/>
+            <a:off x="9329530" y="6223828"/>
+            <a:ext cx="1706217" cy="365125"/>
           </a:xfrm>
           <a:prstGeom prst="rect">
             <a:avLst/>
@@ -3395,9 +3016,9 @@
           <a:bodyPr vert="horz" lIns="91440" tIns="45720" rIns="91440" bIns="45720" rtlCol="0" anchor="ctr"/>
           <a:lstStyle>
             <a:lvl1pPr algn="r">
-              <a:defRPr sz="1050">
+              <a:defRPr sz="1200">
                 <a:solidFill>
-                  <a:srgbClr val="FFFFFF"/>
+                  <a:schemeClr val="accent1"/>
                 </a:solidFill>
               </a:defRPr>
             </a:lvl1pPr>
@@ -3411,81 +3032,40 @@
           </a:p>
         </p:txBody>
       </p:sp>
-      <p:cxnSp>
-        <p:nvCxnSpPr>
-          <p:cNvPr id="10" name="Straight Connector 9"/>
-          <p:cNvCxnSpPr/>
-          <p:nvPr/>
-        </p:nvCxnSpPr>
-        <p:spPr>
-          <a:xfrm>
-            <a:off x="1193532" y="1737845"/>
-            <a:ext cx="9966960" cy="0"/>
-          </a:xfrm>
-          <a:prstGeom prst="line">
-            <a:avLst/>
-          </a:prstGeom>
-          <a:ln w="6350">
-            <a:solidFill>
-              <a:schemeClr val="tx1">
-                <a:lumMod val="50000"/>
-                <a:lumOff val="50000"/>
-              </a:schemeClr>
-            </a:solidFill>
-          </a:ln>
-        </p:spPr>
-        <p:style>
-          <a:lnRef idx="1">
-            <a:schemeClr val="accent1"/>
-          </a:lnRef>
-          <a:fillRef idx="0">
-            <a:schemeClr val="accent1"/>
-          </a:fillRef>
-          <a:effectRef idx="0">
-            <a:schemeClr val="accent1"/>
-          </a:effectRef>
-          <a:fontRef idx="minor">
-            <a:schemeClr val="tx1"/>
-          </a:fontRef>
-        </p:style>
-      </p:cxnSp>
     </p:spTree>
     <p:extLst>
       <p:ext uri="{BB962C8B-B14F-4D97-AF65-F5344CB8AC3E}">
-        <p14:creationId xmlns:p14="http://schemas.microsoft.com/office/powerpoint/2010/main" val="2436104808"/>
+        <p14:creationId xmlns:p14="http://schemas.microsoft.com/office/powerpoint/2010/main" val="328413424"/>
       </p:ext>
     </p:extLst>
   </p:cSld>
   <p:clrMap bg1="lt1" tx1="dk1" bg2="lt2" tx2="dk2" accent1="accent1" accent2="accent2" accent3="accent3" accent4="accent4" accent5="accent5" accent6="accent6" hlink="hlink" folHlink="folHlink"/>
   <p:sldLayoutIdLst>
-    <p:sldLayoutId id="2147483661" r:id="rId1"/>
-    <p:sldLayoutId id="2147483662" r:id="rId2"/>
-    <p:sldLayoutId id="2147483663" r:id="rId3"/>
-    <p:sldLayoutId id="2147483664" r:id="rId4"/>
-    <p:sldLayoutId id="2147483665" r:id="rId5"/>
-    <p:sldLayoutId id="2147483666" r:id="rId6"/>
-    <p:sldLayoutId id="2147483667" r:id="rId7"/>
-    <p:sldLayoutId id="2147483668" r:id="rId8"/>
-    <p:sldLayoutId id="2147483669" r:id="rId9"/>
-    <p:sldLayoutId id="2147483670" r:id="rId10"/>
-    <p:sldLayoutId id="2147483671" r:id="rId11"/>
+    <p:sldLayoutId id="2147483673" r:id="rId1"/>
+    <p:sldLayoutId id="2147483674" r:id="rId2"/>
+    <p:sldLayoutId id="2147483675" r:id="rId3"/>
+    <p:sldLayoutId id="2147483676" r:id="rId4"/>
+    <p:sldLayoutId id="2147483677" r:id="rId5"/>
+    <p:sldLayoutId id="2147483678" r:id="rId6"/>
+    <p:sldLayoutId id="2147483679" r:id="rId7"/>
+    <p:sldLayoutId id="2147483680" r:id="rId8"/>
+    <p:sldLayoutId id="2147483681" r:id="rId9"/>
+    <p:sldLayoutId id="2147483682" r:id="rId10"/>
+    <p:sldLayoutId id="2147483683" r:id="rId11"/>
   </p:sldLayoutIdLst>
   <p:txStyles>
     <p:titleStyle>
       <a:lvl1pPr algn="l" defTabSz="914400" rtl="0" eaLnBrk="1" latinLnBrk="0" hangingPunct="1">
         <a:lnSpc>
-          <a:spcPct val="85000"/>
+          <a:spcPct val="90000"/>
         </a:lnSpc>
         <a:spcBef>
           <a:spcPct val="0"/>
         </a:spcBef>
         <a:buNone/>
-        <a:defRPr sz="4800" kern="1200" spc="-50" baseline="0">
+        <a:defRPr sz="4400" kern="1200">
           <a:solidFill>
-            <a:schemeClr val="tx1">
-              <a:lumMod val="75000"/>
-              <a:lumOff val="25000"/>
-            </a:schemeClr>
+            <a:schemeClr val="accent1"/>
           </a:solidFill>
           <a:latin typeface="+mj-lt"/>
           <a:ea typeface="+mj-ea"/>
@@ -3494,35 +3074,29 @@
       </a:lvl1pPr>
     </p:titleStyle>
     <p:bodyStyle>
-      <a:lvl1pPr marL="91440" indent="-91440" algn="l" defTabSz="914400" rtl="0" eaLnBrk="1" latinLnBrk="0" hangingPunct="1">
+      <a:lvl1pPr marL="228600" indent="-182880" algn="l" defTabSz="914400" rtl="0" eaLnBrk="1" latinLnBrk="0" hangingPunct="1">
         <a:lnSpc>
           <a:spcPct val="90000"/>
         </a:lnSpc>
         <a:spcBef>
-          <a:spcPts val="1200"/>
+          <a:spcPts val="1400"/>
         </a:spcBef>
-        <a:spcAft>
-          <a:spcPts val="200"/>
-        </a:spcAft>
         <a:buClr>
           <a:schemeClr val="accent1"/>
         </a:buClr>
-        <a:buSzPct val="100000"/>
-        <a:buFont typeface="Calibri" panose="020F0502020204030204" pitchFamily="34" charset="0"/>
-        <a:buChar char=" "/>
-        <a:defRPr sz="2000" kern="1200">
+        <a:buSzPct val="80000"/>
+        <a:buFont typeface="Corbel" pitchFamily="34" charset="0"/>
+        <a:buChar char="•"/>
+        <a:defRPr sz="2200" kern="1200">
           <a:solidFill>
-            <a:schemeClr val="tx1">
-              <a:lumMod val="75000"/>
-              <a:lumOff val="25000"/>
-            </a:schemeClr>
+            <a:schemeClr val="accent1"/>
           </a:solidFill>
           <a:latin typeface="+mn-lt"/>
           <a:ea typeface="+mn-ea"/>
           <a:cs typeface="+mn-cs"/>
         </a:defRPr>
       </a:lvl1pPr>
-      <a:lvl2pPr marL="384048" indent="-182880" algn="l" defTabSz="914400" rtl="0" eaLnBrk="1" latinLnBrk="0" hangingPunct="1">
+      <a:lvl2pPr marL="457200" indent="-182880" algn="l" defTabSz="914400" rtl="0" eaLnBrk="1" latinLnBrk="0" hangingPunct="1">
         <a:lnSpc>
           <a:spcPct val="90000"/>
         </a:lnSpc>
@@ -3535,21 +3109,19 @@
         <a:buClr>
           <a:schemeClr val="accent1"/>
         </a:buClr>
-        <a:buFont typeface="Calibri" pitchFamily="34" charset="0"/>
-        <a:buChar char="◦"/>
-        <a:defRPr sz="1800" kern="1200">
+        <a:buSzPct val="80000"/>
+        <a:buFont typeface="Corbel" pitchFamily="34" charset="0"/>
+        <a:buChar char="•"/>
+        <a:defRPr sz="2000" kern="1200">
           <a:solidFill>
-            <a:schemeClr val="tx1">
-              <a:lumMod val="75000"/>
-              <a:lumOff val="25000"/>
-            </a:schemeClr>
+            <a:schemeClr val="accent1"/>
           </a:solidFill>
           <a:latin typeface="+mn-lt"/>
           <a:ea typeface="+mn-ea"/>
           <a:cs typeface="+mn-cs"/>
         </a:defRPr>
       </a:lvl2pPr>
-      <a:lvl3pPr marL="566928" indent="-182880" algn="l" defTabSz="914400" rtl="0" eaLnBrk="1" latinLnBrk="0" hangingPunct="1">
+      <a:lvl3pPr marL="731520" indent="-182880" algn="l" defTabSz="914400" rtl="0" eaLnBrk="1" latinLnBrk="0" hangingPunct="1">
         <a:lnSpc>
           <a:spcPct val="90000"/>
         </a:lnSpc>
@@ -3562,21 +3134,19 @@
         <a:buClr>
           <a:schemeClr val="accent1"/>
         </a:buClr>
-        <a:buFont typeface="Calibri" pitchFamily="34" charset="0"/>
-        <a:buChar char="◦"/>
-        <a:defRPr sz="1400" kern="1200">
+        <a:buSzPct val="80000"/>
+        <a:buFont typeface="Corbel" pitchFamily="34" charset="0"/>
+        <a:buChar char="•"/>
+        <a:defRPr sz="1800" kern="1200">
           <a:solidFill>
-            <a:schemeClr val="tx1">
-              <a:lumMod val="75000"/>
-              <a:lumOff val="25000"/>
-            </a:schemeClr>
+            <a:schemeClr val="accent1"/>
           </a:solidFill>
           <a:latin typeface="+mn-lt"/>
           <a:ea typeface="+mn-ea"/>
           <a:cs typeface="+mn-cs"/>
         </a:defRPr>
       </a:lvl3pPr>
-      <a:lvl4pPr marL="749808" indent="-182880" algn="l" defTabSz="914400" rtl="0" eaLnBrk="1" latinLnBrk="0" hangingPunct="1">
+      <a:lvl4pPr marL="1005840" indent="-182880" algn="l" defTabSz="914400" rtl="0" eaLnBrk="1" latinLnBrk="0" hangingPunct="1">
         <a:lnSpc>
           <a:spcPct val="90000"/>
         </a:lnSpc>
@@ -3589,21 +3159,19 @@
         <a:buClr>
           <a:schemeClr val="accent1"/>
         </a:buClr>
-        <a:buFont typeface="Calibri" pitchFamily="34" charset="0"/>
-        <a:buChar char="◦"/>
-        <a:defRPr sz="1400" kern="1200">
+        <a:buSzPct val="80000"/>
+        <a:buFont typeface="Corbel" pitchFamily="34" charset="0"/>
+        <a:buChar char="•"/>
+        <a:defRPr sz="1600" kern="1200">
           <a:solidFill>
-            <a:schemeClr val="tx1">
-              <a:lumMod val="75000"/>
-              <a:lumOff val="25000"/>
-            </a:schemeClr>
+            <a:schemeClr val="accent1"/>
           </a:solidFill>
           <a:latin typeface="+mn-lt"/>
           <a:ea typeface="+mn-ea"/>
           <a:cs typeface="+mn-cs"/>
         </a:defRPr>
       </a:lvl4pPr>
-      <a:lvl5pPr marL="932688" indent="-182880" algn="l" defTabSz="914400" rtl="0" eaLnBrk="1" latinLnBrk="0" hangingPunct="1">
+      <a:lvl5pPr marL="1280160" indent="-182880" algn="l" defTabSz="914400" rtl="0" eaLnBrk="1" latinLnBrk="0" hangingPunct="1">
         <a:lnSpc>
           <a:spcPct val="90000"/>
         </a:lnSpc>
@@ -3616,21 +3184,19 @@
         <a:buClr>
           <a:schemeClr val="accent1"/>
         </a:buClr>
-        <a:buFont typeface="Calibri" pitchFamily="34" charset="0"/>
-        <a:buChar char="◦"/>
-        <a:defRPr sz="1400" kern="1200">
+        <a:buSzPct val="80000"/>
+        <a:buFont typeface="Corbel" pitchFamily="34" charset="0"/>
+        <a:buChar char="•"/>
+        <a:defRPr sz="1600" kern="1200">
           <a:solidFill>
-            <a:schemeClr val="tx1">
-              <a:lumMod val="75000"/>
-              <a:lumOff val="25000"/>
-            </a:schemeClr>
+            <a:schemeClr val="accent1"/>
           </a:solidFill>
           <a:latin typeface="+mn-lt"/>
           <a:ea typeface="+mn-ea"/>
           <a:cs typeface="+mn-cs"/>
         </a:defRPr>
       </a:lvl5pPr>
-      <a:lvl6pPr marL="1100000" indent="-228600" algn="l" defTabSz="914400" rtl="0" eaLnBrk="1" latinLnBrk="0" hangingPunct="1">
+      <a:lvl6pPr marL="1600000" indent="-228600" algn="l" defTabSz="914400" rtl="0" eaLnBrk="1" latinLnBrk="0" hangingPunct="1">
         <a:lnSpc>
           <a:spcPct val="90000"/>
         </a:lnSpc>
@@ -3643,21 +3209,19 @@
         <a:buClr>
           <a:schemeClr val="accent1"/>
         </a:buClr>
-        <a:buFont typeface="Calibri" pitchFamily="34" charset="0"/>
-        <a:buChar char="◦"/>
-        <a:defRPr sz="1400" kern="1200">
+        <a:buSzPct val="80000"/>
+        <a:buFont typeface="Corbel" pitchFamily="34" charset="0"/>
+        <a:buChar char="•"/>
+        <a:defRPr sz="1600" kern="1200">
           <a:solidFill>
-            <a:schemeClr val="tx1">
-              <a:lumMod val="75000"/>
-              <a:lumOff val="25000"/>
-            </a:schemeClr>
+            <a:schemeClr val="accent1"/>
           </a:solidFill>
           <a:latin typeface="+mn-lt"/>
           <a:ea typeface="+mn-ea"/>
           <a:cs typeface="+mn-cs"/>
         </a:defRPr>
       </a:lvl6pPr>
-      <a:lvl7pPr marL="1300000" indent="-228600" algn="l" defTabSz="914400" rtl="0" eaLnBrk="1" latinLnBrk="0" hangingPunct="1">
+      <a:lvl7pPr marL="1900000" indent="-228600" algn="l" defTabSz="914400" rtl="0" eaLnBrk="1" latinLnBrk="0" hangingPunct="1">
         <a:lnSpc>
           <a:spcPct val="90000"/>
         </a:lnSpc>
@@ -3670,21 +3234,19 @@
         <a:buClr>
           <a:schemeClr val="accent1"/>
         </a:buClr>
-        <a:buFont typeface="Calibri" pitchFamily="34" charset="0"/>
-        <a:buChar char="◦"/>
-        <a:defRPr sz="1400" kern="1200">
+        <a:buSzPct val="80000"/>
+        <a:buFont typeface="Corbel" pitchFamily="34" charset="0"/>
+        <a:buChar char="•"/>
+        <a:defRPr sz="1600" kern="1200">
           <a:solidFill>
-            <a:schemeClr val="tx1">
-              <a:lumMod val="75000"/>
-              <a:lumOff val="25000"/>
-            </a:schemeClr>
+            <a:schemeClr val="accent1"/>
           </a:solidFill>
           <a:latin typeface="+mn-lt"/>
           <a:ea typeface="+mn-ea"/>
           <a:cs typeface="+mn-cs"/>
         </a:defRPr>
       </a:lvl7pPr>
-      <a:lvl8pPr marL="1500000" indent="-228600" algn="l" defTabSz="914400" rtl="0" eaLnBrk="1" latinLnBrk="0" hangingPunct="1">
+      <a:lvl8pPr marL="2200000" indent="-228600" algn="l" defTabSz="914400" rtl="0" eaLnBrk="1" latinLnBrk="0" hangingPunct="1">
         <a:lnSpc>
           <a:spcPct val="90000"/>
         </a:lnSpc>
@@ -3697,21 +3259,19 @@
         <a:buClr>
           <a:schemeClr val="accent1"/>
         </a:buClr>
-        <a:buFont typeface="Calibri" pitchFamily="34" charset="0"/>
-        <a:buChar char="◦"/>
-        <a:defRPr sz="1400" kern="1200">
+        <a:buSzPct val="80000"/>
+        <a:buFont typeface="Corbel" pitchFamily="34" charset="0"/>
+        <a:buChar char="•"/>
+        <a:defRPr sz="1600" kern="1200">
           <a:solidFill>
-            <a:schemeClr val="tx1">
-              <a:lumMod val="75000"/>
-              <a:lumOff val="25000"/>
-            </a:schemeClr>
+            <a:schemeClr val="accent1"/>
           </a:solidFill>
           <a:latin typeface="+mn-lt"/>
           <a:ea typeface="+mn-ea"/>
           <a:cs typeface="+mn-cs"/>
         </a:defRPr>
       </a:lvl8pPr>
-      <a:lvl9pPr marL="1700000" indent="-228600" algn="l" defTabSz="914400" rtl="0" eaLnBrk="1" latinLnBrk="0" hangingPunct="1">
+      <a:lvl9pPr marL="2500000" indent="-228600" algn="l" defTabSz="914400" rtl="0" eaLnBrk="1" latinLnBrk="0" hangingPunct="1">
         <a:lnSpc>
           <a:spcPct val="90000"/>
         </a:lnSpc>
@@ -3724,14 +3284,12 @@
         <a:buClr>
           <a:schemeClr val="accent1"/>
         </a:buClr>
-        <a:buFont typeface="Calibri" pitchFamily="34" charset="0"/>
-        <a:buChar char="◦"/>
-        <a:defRPr sz="1400" kern="1200">
+        <a:buSzPct val="80000"/>
+        <a:buFont typeface="Corbel" pitchFamily="34" charset="0"/>
+        <a:buChar char="•"/>
+        <a:defRPr sz="1600" kern="1200">
           <a:solidFill>
-            <a:schemeClr val="tx1">
-              <a:lumMod val="75000"/>
-              <a:lumOff val="25000"/>
-            </a:schemeClr>
+            <a:schemeClr val="accent1"/>
           </a:solidFill>
           <a:latin typeface="+mn-lt"/>
           <a:ea typeface="+mn-ea"/>
@@ -3867,12 +3425,14 @@
         </p:nvSpPr>
         <p:spPr>
           <a:xfrm>
-            <a:off x="2669046" y="2278662"/>
-            <a:ext cx="7626421" cy="1161874"/>
+            <a:off x="1712891" y="2697873"/>
+            <a:ext cx="8865912" cy="1161874"/>
           </a:xfrm>
         </p:spPr>
         <p:txBody>
-          <a:bodyPr/>
+          <a:bodyPr>
+            <a:normAutofit fontScale="90000"/>
+          </a:bodyPr>
           <a:lstStyle/>
           <a:p>
             <a:r>
@@ -3891,7 +3451,7 @@
         </p:nvSpPr>
         <p:spPr>
           <a:xfrm>
-            <a:off x="4262675" y="4271871"/>
+            <a:off x="4157642" y="3713718"/>
             <a:ext cx="3976410" cy="369332"/>
           </a:xfrm>
           <a:prstGeom prst="rect">
@@ -7752,7 +7312,7 @@
         <p:spPr/>
         <p:txBody>
           <a:bodyPr>
-            <a:normAutofit fontScale="92500" lnSpcReduction="10000"/>
+            <a:normAutofit fontScale="92500" lnSpcReduction="20000"/>
           </a:bodyPr>
           <a:lstStyle/>
           <a:p>
@@ -8138,93 +7698,58 @@
 </file>
 
 <file path=ppt/theme/theme1.xml><?xml version="1.0" encoding="utf-8"?>
-<a:theme xmlns:a="http://schemas.openxmlformats.org/drawingml/2006/main" name="Retrospect">
+<a:theme xmlns:a="http://schemas.openxmlformats.org/drawingml/2006/main" name="Basis">
   <a:themeElements>
-    <a:clrScheme name="Retrospect">
+    <a:clrScheme name="Basis">
       <a:dk1>
         <a:srgbClr val="000000"/>
       </a:dk1>
       <a:lt1>
-        <a:sysClr val="window" lastClr="FFFFFF"/>
+        <a:srgbClr val="FFFFFF"/>
       </a:lt1>
       <a:dk2>
-        <a:srgbClr val="637052"/>
+        <a:srgbClr val="565349"/>
       </a:dk2>
       <a:lt2>
-        <a:srgbClr val="CCDDEA"/>
+        <a:srgbClr val="DDDDDD"/>
       </a:lt2>
       <a:accent1>
-        <a:srgbClr val="E48312"/>
+        <a:srgbClr val="A6B727"/>
       </a:accent1>
       <a:accent2>
-        <a:srgbClr val="BD582C"/>
+        <a:srgbClr val="DF5327"/>
       </a:accent2>
       <a:accent3>
-        <a:srgbClr val="865640"/>
+        <a:srgbClr val="FE9E00"/>
       </a:accent3>
       <a:accent4>
-        <a:srgbClr val="9B8357"/>
+        <a:srgbClr val="418AB3"/>
       </a:accent4>
       <a:accent5>
-        <a:srgbClr val="C2BC80"/>
+        <a:srgbClr val="D7D447"/>
       </a:accent5>
       <a:accent6>
-        <a:srgbClr val="94A088"/>
+        <a:srgbClr val="818183"/>
       </a:accent6>
       <a:hlink>
-        <a:srgbClr val="2998E3"/>
+        <a:srgbClr val="F59E00"/>
       </a:hlink>
       <a:folHlink>
-        <a:srgbClr val="8C8C8C"/>
+        <a:srgbClr val="B2B2B2"/>
       </a:folHlink>
     </a:clrScheme>
-    <a:fontScheme name="Retrospect">
+    <a:fontScheme name="Basis">
       <a:majorFont>
-        <a:latin typeface="Calibri Light" panose="020F0302020204030204"/>
+        <a:latin typeface="Corbel" panose="020B0503020204020204"/>
         <a:ea typeface=""/>
         <a:cs typeface=""/>
-        <a:font script="Jpan" typeface="ＭＳ Ｐゴシック"/>
+        <a:font script="Jpan" typeface="ＭＳ ゴシック"/>
         <a:font script="Hang" typeface="맑은 고딕"/>
         <a:font script="Hans" typeface="宋体"/>
         <a:font script="Hant" typeface="新細明體"/>
-        <a:font script="Arab" typeface="Times New Roman"/>
-        <a:font script="Hebr" typeface="Times New Roman"/>
-        <a:font script="Thai" typeface="Angsana New"/>
-        <a:font script="Ethi" typeface="Nyala"/>
-        <a:font script="Beng" typeface="Vrinda"/>
-        <a:font script="Gujr" typeface="Shruti"/>
-        <a:font script="Khmr" typeface="MoolBoran"/>
-        <a:font script="Knda" typeface="Tunga"/>
-        <a:font script="Guru" typeface="Raavi"/>
-        <a:font script="Cans" typeface="Euphemia"/>
-        <a:font script="Cher" typeface="Plantagenet Cherokee"/>
-        <a:font script="Yiii" typeface="Microsoft Yi Baiti"/>
-        <a:font script="Tibt" typeface="Microsoft Himalaya"/>
-        <a:font script="Thaa" typeface="MV Boli"/>
-        <a:font script="Deva" typeface="Mangal"/>
-        <a:font script="Telu" typeface="Gautami"/>
-        <a:font script="Taml" typeface="Latha"/>
-        <a:font script="Syrc" typeface="Estrangelo Edessa"/>
-        <a:font script="Orya" typeface="Kalinga"/>
-        <a:font script="Mlym" typeface="Kartika"/>
-        <a:font script="Laoo" typeface="DokChampa"/>
-        <a:font script="Sinh" typeface="Iskoola Pota"/>
-        <a:font script="Mong" typeface="Mongolian Baiti"/>
-        <a:font script="Viet" typeface="Times New Roman"/>
-        <a:font script="Uigh" typeface="Microsoft Uighur"/>
-        <a:font script="Geor" typeface="Sylfaen"/>
-      </a:majorFont>
-      <a:minorFont>
-        <a:latin typeface="Calibri" panose="020F0502020204030204"/>
-        <a:ea typeface=""/>
-        <a:cs typeface=""/>
-        <a:font script="Jpan" typeface="ＭＳ Ｐゴシック"/>
-        <a:font script="Hang" typeface="맑은 고딕"/>
-        <a:font script="Hans" typeface="宋体"/>
-        <a:font script="Hant" typeface="新細明體"/>
-        <a:font script="Arab" typeface="Arial"/>
-        <a:font script="Hebr" typeface="Arial"/>
-        <a:font script="Thai" typeface="Cordia New"/>
+        <a:font script="Arab" typeface="Tahoma"/>
+        <a:font script="Hebr" typeface="Gisha"/>
+        <a:font script="Thai" typeface="DilleniaUPC"/>
         <a:font script="Ethi" typeface="Nyala"/>
         <a:font script="Beng" typeface="Vrinda"/>
         <a:font script="Gujr" typeface="Shruti"/>
@@ -8245,69 +7770,72 @@
         <a:font script="Laoo" typeface="DokChampa"/>
         <a:font script="Sinh" typeface="Iskoola Pota"/>
         <a:font script="Mong" typeface="Mongolian Baiti"/>
-        <a:font script="Viet" typeface="Arial"/>
+        <a:font script="Viet" typeface="Tahoma"/>
+        <a:font script="Uigh" typeface="Microsoft Uighur"/>
+        <a:font script="Geor" typeface="Sylfaen"/>
+      </a:majorFont>
+      <a:minorFont>
+        <a:latin typeface="Corbel" panose="020B0503020204020204"/>
+        <a:ea typeface=""/>
+        <a:cs typeface=""/>
+        <a:font script="Jpan" typeface="ＭＳ ゴシック"/>
+        <a:font script="Hang" typeface="맑은 고딕"/>
+        <a:font script="Hans" typeface="宋体"/>
+        <a:font script="Hant" typeface="新細明體"/>
+        <a:font script="Arab" typeface="Tahoma"/>
+        <a:font script="Hebr" typeface="Gisha"/>
+        <a:font script="Thai" typeface="DilleniaUPC"/>
+        <a:font script="Ethi" typeface="Nyala"/>
+        <a:font script="Beng" typeface="Vrinda"/>
+        <a:font script="Gujr" typeface="Shruti"/>
+        <a:font script="Khmr" typeface="DaunPenh"/>
+        <a:font script="Knda" typeface="Tunga"/>
+        <a:font script="Guru" typeface="Raavi"/>
+        <a:font script="Cans" typeface="Euphemia"/>
+        <a:font script="Cher" typeface="Plantagenet Cherokee"/>
+        <a:font script="Yiii" typeface="Microsoft Yi Baiti"/>
+        <a:font script="Tibt" typeface="Microsoft Himalaya"/>
+        <a:font script="Thaa" typeface="MV Boli"/>
+        <a:font script="Deva" typeface="Mangal"/>
+        <a:font script="Telu" typeface="Gautami"/>
+        <a:font script="Taml" typeface="Latha"/>
+        <a:font script="Syrc" typeface="Estrangelo Edessa"/>
+        <a:font script="Orya" typeface="Kalinga"/>
+        <a:font script="Mlym" typeface="Kartika"/>
+        <a:font script="Laoo" typeface="DokChampa"/>
+        <a:font script="Sinh" typeface="Iskoola Pota"/>
+        <a:font script="Mong" typeface="Mongolian Baiti"/>
+        <a:font script="Viet" typeface="Verdana"/>
         <a:font script="Uigh" typeface="Microsoft Uighur"/>
         <a:font script="Geor" typeface="Sylfaen"/>
       </a:minorFont>
     </a:fontScheme>
-    <a:fmtScheme name="Retrospect">
+    <a:fmtScheme name="Basis">
       <a:fillStyleLst>
         <a:solidFill>
           <a:schemeClr val="phClr"/>
         </a:solidFill>
+        <a:solidFill>
+          <a:schemeClr val="phClr">
+            <a:tint val="55000"/>
+            <a:satMod val="130000"/>
+          </a:schemeClr>
+        </a:solidFill>
         <a:gradFill rotWithShape="1">
           <a:gsLst>
             <a:gs pos="0">
+              <a:schemeClr val="phClr"/>
+            </a:gs>
+            <a:gs pos="90000">
               <a:schemeClr val="phClr">
-                <a:tint val="65000"/>
-                <a:shade val="92000"/>
-                <a:satMod val="130000"/>
-              </a:schemeClr>
-            </a:gs>
-            <a:gs pos="45000">
-              <a:schemeClr val="phClr">
-                <a:tint val="60000"/>
-                <a:shade val="99000"/>
-                <a:satMod val="120000"/>
+                <a:shade val="100000"/>
+                <a:satMod val="105000"/>
               </a:schemeClr>
             </a:gs>
             <a:gs pos="100000">
               <a:schemeClr val="phClr">
-                <a:tint val="55000"/>
-                <a:satMod val="140000"/>
-              </a:schemeClr>
-            </a:gs>
-          </a:gsLst>
-          <a:path path="circle">
-            <a:fillToRect l="100000" t="100000" r="100000" b="100000"/>
-          </a:path>
-        </a:gradFill>
-        <a:gradFill rotWithShape="1">
-          <a:gsLst>
-            <a:gs pos="0">
-              <a:schemeClr val="phClr">
-                <a:shade val="85000"/>
-                <a:satMod val="130000"/>
-              </a:schemeClr>
-            </a:gs>
-            <a:gs pos="34000">
-              <a:schemeClr val="phClr">
-                <a:shade val="87000"/>
-                <a:satMod val="125000"/>
-              </a:schemeClr>
-            </a:gs>
-            <a:gs pos="70000">
-              <a:schemeClr val="phClr">
-                <a:tint val="100000"/>
-                <a:shade val="90000"/>
-                <a:satMod val="130000"/>
-              </a:schemeClr>
-            </a:gs>
-            <a:gs pos="100000">
-              <a:schemeClr val="phClr">
-                <a:tint val="100000"/>
-                <a:shade val="100000"/>
-                <a:satMod val="110000"/>
+                <a:shade val="80000"/>
+                <a:satMod val="120000"/>
               </a:schemeClr>
             </a:gs>
           </a:gsLst>
@@ -8317,19 +7845,19 @@
         </a:gradFill>
       </a:fillStyleLst>
       <a:lnStyleLst>
-        <a:ln w="12700" cap="flat" cmpd="sng" algn="ctr">
+        <a:ln w="10000" cap="flat" cmpd="sng" algn="ctr">
           <a:solidFill>
             <a:schemeClr val="phClr"/>
           </a:solidFill>
           <a:prstDash val="solid"/>
         </a:ln>
-        <a:ln w="15875" cap="flat" cmpd="sng" algn="ctr">
+        <a:ln w="19050" cap="flat" cmpd="sng" algn="ctr">
           <a:solidFill>
             <a:schemeClr val="phClr"/>
           </a:solidFill>
           <a:prstDash val="solid"/>
         </a:ln>
-        <a:ln w="25400" cap="flat" cmpd="sng" algn="ctr">
+        <a:ln w="53975" cap="flat" cmpd="dbl" algn="ctr">
           <a:solidFill>
             <a:schemeClr val="phClr"/>
           </a:solidFill>
@@ -8342,18 +7870,18 @@
         </a:effectStyle>
         <a:effectStyle>
           <a:effectLst>
-            <a:outerShdw blurRad="38100" dist="25400" dir="2700000" algn="br" rotWithShape="0">
+            <a:outerShdw blurRad="38100" dist="25400" dir="5400000" rotWithShape="0">
               <a:srgbClr val="000000">
-                <a:alpha val="60000"/>
+                <a:alpha val="45000"/>
               </a:srgbClr>
             </a:outerShdw>
           </a:effectLst>
         </a:effectStyle>
         <a:effectStyle>
           <a:effectLst>
-            <a:outerShdw blurRad="44450" dist="25400" dir="2700000" algn="br" rotWithShape="0">
+            <a:outerShdw blurRad="38100" dist="25400" dir="5400000" rotWithShape="0">
               <a:srgbClr val="000000">
-                <a:alpha val="60000"/>
+                <a:alpha val="45000"/>
               </a:srgbClr>
             </a:outerShdw>
           </a:effectLst>
@@ -8361,12 +7889,16 @@
             <a:camera prst="orthographicFront">
               <a:rot lat="0" lon="0" rev="0"/>
             </a:camera>
-            <a:lightRig rig="threePt" dir="t">
-              <a:rot lat="0" lon="0" rev="19800000"/>
-            </a:lightRig>
+            <a:lightRig rig="brightRoom" dir="t"/>
           </a:scene3d>
-          <a:sp3d prstMaterial="flat">
-            <a:bevelT w="25400" h="31750"/>
+          <a:sp3d extrusionH="12700" contourW="25400" prstMaterial="flat">
+            <a:bevelT w="63500" h="152400" prst="angle"/>
+            <a:contourClr>
+              <a:schemeClr val="phClr">
+                <a:shade val="27000"/>
+                <a:satMod val="120000"/>
+              </a:schemeClr>
+            </a:contourClr>
           </a:sp3d>
         </a:effectStyle>
       </a:effectStyleLst>
@@ -8376,37 +7908,19 @@
         </a:solidFill>
         <a:solidFill>
           <a:schemeClr val="phClr">
-            <a:tint val="90000"/>
-            <a:shade val="97000"/>
-            <a:satMod val="130000"/>
+            <a:tint val="95000"/>
+            <a:shade val="95000"/>
+            <a:satMod val="140000"/>
           </a:schemeClr>
         </a:solidFill>
-        <a:gradFill rotWithShape="1">
-          <a:gsLst>
-            <a:gs pos="0">
-              <a:schemeClr val="phClr">
-                <a:tint val="96000"/>
-                <a:shade val="99000"/>
-                <a:satMod val="140000"/>
-              </a:schemeClr>
-            </a:gs>
-            <a:gs pos="65000">
-              <a:schemeClr val="phClr">
-                <a:tint val="100000"/>
-                <a:shade val="80000"/>
-                <a:satMod val="130000"/>
-              </a:schemeClr>
-            </a:gs>
-            <a:gs pos="100000">
-              <a:schemeClr val="phClr">
-                <a:tint val="100000"/>
-                <a:shade val="48000"/>
-                <a:satMod val="120000"/>
-              </a:schemeClr>
-            </a:gs>
-          </a:gsLst>
-          <a:lin ang="16200000" scaled="0"/>
-        </a:gradFill>
+        <a:solidFill>
+          <a:schemeClr val="phClr">
+            <a:tint val="90000"/>
+            <a:shade val="85000"/>
+            <a:satMod val="160000"/>
+            <a:lumMod val="110000"/>
+          </a:schemeClr>
+        </a:solidFill>
       </a:bgFillStyleLst>
     </a:fmtScheme>
   </a:themeElements>
@@ -8414,7 +7928,7 @@
   <a:extraClrSchemeLst/>
   <a:extLst>
     <a:ext uri="{05A4C25C-085E-4340-85A3-A5531E510DB2}">
-      <thm15:themeFamily xmlns:thm15="http://schemas.microsoft.com/office/thememl/2012/main" name="Retrospect" id="{5F128B03-DCCA-4EEB-AB3B-CF2899314A46}" vid="{3F1AAB62-24C6-49D2-8E01-B56FAC9A3DCD}"/>
+      <thm15:themeFamily xmlns:thm15="http://schemas.microsoft.com/office/thememl/2012/main" name="Basis" id="{5665723A-49BA-4B57-8411-A56F8F207965}" vid="{90E45F77-AEFC-46EF-A7C1-5B338C297B02}"/>
     </a:ext>
   </a:extLst>
 </a:theme>

--- a/course/Spring-Day9.pptx
+++ b/course/Spring-Day9.pptx
@@ -51,7 +51,40 @@
     <p:sldId id="299" r:id="rId45"/>
     <p:sldId id="300" r:id="rId46"/>
     <p:sldId id="301" r:id="rId47"/>
-    <p:sldId id="302" r:id="rId48"/>
+    <p:sldId id="303" r:id="rId48"/>
+    <p:sldId id="304" r:id="rId49"/>
+    <p:sldId id="305" r:id="rId50"/>
+    <p:sldId id="306" r:id="rId51"/>
+    <p:sldId id="307" r:id="rId52"/>
+    <p:sldId id="308" r:id="rId53"/>
+    <p:sldId id="309" r:id="rId54"/>
+    <p:sldId id="302" r:id="rId55"/>
+    <p:sldId id="310" r:id="rId56"/>
+    <p:sldId id="311" r:id="rId57"/>
+    <p:sldId id="312" r:id="rId58"/>
+    <p:sldId id="313" r:id="rId59"/>
+    <p:sldId id="314" r:id="rId60"/>
+    <p:sldId id="315" r:id="rId61"/>
+    <p:sldId id="316" r:id="rId62"/>
+    <p:sldId id="317" r:id="rId63"/>
+    <p:sldId id="318" r:id="rId64"/>
+    <p:sldId id="319" r:id="rId65"/>
+    <p:sldId id="320" r:id="rId66"/>
+    <p:sldId id="321" r:id="rId67"/>
+    <p:sldId id="322" r:id="rId68"/>
+    <p:sldId id="323" r:id="rId69"/>
+    <p:sldId id="324" r:id="rId70"/>
+    <p:sldId id="325" r:id="rId71"/>
+    <p:sldId id="326" r:id="rId72"/>
+    <p:sldId id="327" r:id="rId73"/>
+    <p:sldId id="328" r:id="rId74"/>
+    <p:sldId id="329" r:id="rId75"/>
+    <p:sldId id="330" r:id="rId76"/>
+    <p:sldId id="331" r:id="rId77"/>
+    <p:sldId id="332" r:id="rId78"/>
+    <p:sldId id="333" r:id="rId79"/>
+    <p:sldId id="335" r:id="rId80"/>
+    <p:sldId id="336" r:id="rId81"/>
   </p:sldIdLst>
   <p:sldSz cx="12192000" cy="6858000"/>
   <p:notesSz cx="6858000" cy="9144000"/>
@@ -3451,7 +3484,7 @@
         </p:nvSpPr>
         <p:spPr>
           <a:xfrm>
-            <a:off x="4157642" y="3713718"/>
+            <a:off x="4157642" y="3679851"/>
             <a:ext cx="3976410" cy="369332"/>
           </a:xfrm>
           <a:prstGeom prst="rect">
@@ -3639,6 +3672,13 @@
   <p:clrMapOvr>
     <a:masterClrMapping/>
   </p:clrMapOvr>
+  <p:timing>
+    <p:tnLst>
+      <p:par>
+        <p:cTn id="1" dur="indefinite" restart="never" nodeType="tmRoot"/>
+      </p:par>
+    </p:tnLst>
+  </p:timing>
 </p:sld>
 </file>
 
@@ -3716,6 +3756,13 @@
   <p:clrMapOvr>
     <a:masterClrMapping/>
   </p:clrMapOvr>
+  <p:timing>
+    <p:tnLst>
+      <p:par>
+        <p:cTn id="1" dur="indefinite" restart="never" nodeType="tmRoot"/>
+      </p:par>
+    </p:tnLst>
+  </p:timing>
 </p:sld>
 </file>
 
@@ -3775,6 +3822,13 @@
   <p:clrMapOvr>
     <a:masterClrMapping/>
   </p:clrMapOvr>
+  <p:timing>
+    <p:tnLst>
+      <p:par>
+        <p:cTn id="1" dur="indefinite" restart="never" nodeType="tmRoot"/>
+      </p:par>
+    </p:tnLst>
+  </p:timing>
 </p:sld>
 </file>
 
@@ -3885,6 +3939,13 @@
   <p:clrMapOvr>
     <a:masterClrMapping/>
   </p:clrMapOvr>
+  <p:timing>
+    <p:tnLst>
+      <p:par>
+        <p:cTn id="1" dur="indefinite" restart="never" nodeType="tmRoot"/>
+      </p:par>
+    </p:tnLst>
+  </p:timing>
 </p:sld>
 </file>
 
@@ -3962,6 +4023,13 @@
   <p:clrMapOvr>
     <a:masterClrMapping/>
   </p:clrMapOvr>
+  <p:timing>
+    <p:tnLst>
+      <p:par>
+        <p:cTn id="1" dur="indefinite" restart="never" nodeType="tmRoot"/>
+      </p:par>
+    </p:tnLst>
+  </p:timing>
 </p:sld>
 </file>
 
@@ -4146,6 +4214,13 @@
   <p:clrMapOvr>
     <a:masterClrMapping/>
   </p:clrMapOvr>
+  <p:timing>
+    <p:tnLst>
+      <p:par>
+        <p:cTn id="1" dur="indefinite" restart="never" nodeType="tmRoot"/>
+      </p:par>
+    </p:tnLst>
+  </p:timing>
 </p:sld>
 </file>
 
@@ -4223,6 +4298,13 @@
   <p:clrMapOvr>
     <a:masterClrMapping/>
   </p:clrMapOvr>
+  <p:timing>
+    <p:tnLst>
+      <p:par>
+        <p:cTn id="1" dur="indefinite" restart="never" nodeType="tmRoot"/>
+      </p:par>
+    </p:tnLst>
+  </p:timing>
 </p:sld>
 </file>
 
@@ -4300,6 +4382,13 @@
   <p:clrMapOvr>
     <a:masterClrMapping/>
   </p:clrMapOvr>
+  <p:timing>
+    <p:tnLst>
+      <p:par>
+        <p:cTn id="1" dur="indefinite" restart="never" nodeType="tmRoot"/>
+      </p:par>
+    </p:tnLst>
+  </p:timing>
 </p:sld>
 </file>
 
@@ -4377,6 +4466,13 @@
   <p:clrMapOvr>
     <a:masterClrMapping/>
   </p:clrMapOvr>
+  <p:timing>
+    <p:tnLst>
+      <p:par>
+        <p:cTn id="1" dur="indefinite" restart="never" nodeType="tmRoot"/>
+      </p:par>
+    </p:tnLst>
+  </p:timing>
 </p:sld>
 </file>
 
@@ -4454,6 +4550,13 @@
   <p:clrMapOvr>
     <a:masterClrMapping/>
   </p:clrMapOvr>
+  <p:timing>
+    <p:tnLst>
+      <p:par>
+        <p:cTn id="1" dur="indefinite" restart="never" nodeType="tmRoot"/>
+      </p:par>
+    </p:tnLst>
+  </p:timing>
 </p:sld>
 </file>
 
@@ -4676,6 +4779,13 @@
   <p:clrMapOvr>
     <a:masterClrMapping/>
   </p:clrMapOvr>
+  <p:timing>
+    <p:tnLst>
+      <p:par>
+        <p:cTn id="1" dur="indefinite" restart="never" nodeType="tmRoot"/>
+      </p:par>
+    </p:tnLst>
+  </p:timing>
 </p:sld>
 </file>
 
@@ -4753,6 +4863,13 @@
   <p:clrMapOvr>
     <a:masterClrMapping/>
   </p:clrMapOvr>
+  <p:timing>
+    <p:tnLst>
+      <p:par>
+        <p:cTn id="1" dur="indefinite" restart="never" nodeType="tmRoot"/>
+      </p:par>
+    </p:tnLst>
+  </p:timing>
 </p:sld>
 </file>
 
@@ -4830,6 +4947,13 @@
   <p:clrMapOvr>
     <a:masterClrMapping/>
   </p:clrMapOvr>
+  <p:timing>
+    <p:tnLst>
+      <p:par>
+        <p:cTn id="1" dur="indefinite" restart="never" nodeType="tmRoot"/>
+      </p:par>
+    </p:tnLst>
+  </p:timing>
 </p:sld>
 </file>
 
@@ -4907,6 +5031,13 @@
   <p:clrMapOvr>
     <a:masterClrMapping/>
   </p:clrMapOvr>
+  <p:timing>
+    <p:tnLst>
+      <p:par>
+        <p:cTn id="1" dur="indefinite" restart="never" nodeType="tmRoot"/>
+      </p:par>
+    </p:tnLst>
+  </p:timing>
 </p:sld>
 </file>
 
@@ -4984,6 +5115,13 @@
   <p:clrMapOvr>
     <a:masterClrMapping/>
   </p:clrMapOvr>
+  <p:timing>
+    <p:tnLst>
+      <p:par>
+        <p:cTn id="1" dur="indefinite" restart="never" nodeType="tmRoot"/>
+      </p:par>
+    </p:tnLst>
+  </p:timing>
 </p:sld>
 </file>
 
@@ -5061,6 +5199,13 @@
   <p:clrMapOvr>
     <a:masterClrMapping/>
   </p:clrMapOvr>
+  <p:timing>
+    <p:tnLst>
+      <p:par>
+        <p:cTn id="1" dur="indefinite" restart="never" nodeType="tmRoot"/>
+      </p:par>
+    </p:tnLst>
+  </p:timing>
 </p:sld>
 </file>
 
@@ -5138,6 +5283,13 @@
   <p:clrMapOvr>
     <a:masterClrMapping/>
   </p:clrMapOvr>
+  <p:timing>
+    <p:tnLst>
+      <p:par>
+        <p:cTn id="1" dur="indefinite" restart="never" nodeType="tmRoot"/>
+      </p:par>
+    </p:tnLst>
+  </p:timing>
 </p:sld>
 </file>
 
@@ -5236,6 +5388,13 @@
   <p:clrMapOvr>
     <a:masterClrMapping/>
   </p:clrMapOvr>
+  <p:timing>
+    <p:tnLst>
+      <p:par>
+        <p:cTn id="1" dur="indefinite" restart="never" nodeType="tmRoot"/>
+      </p:par>
+    </p:tnLst>
+  </p:timing>
 </p:sld>
 </file>
 
@@ -5295,6 +5454,13 @@
   <p:clrMapOvr>
     <a:masterClrMapping/>
   </p:clrMapOvr>
+  <p:timing>
+    <p:tnLst>
+      <p:par>
+        <p:cTn id="1" dur="indefinite" restart="never" nodeType="tmRoot"/>
+      </p:par>
+    </p:tnLst>
+  </p:timing>
 </p:sld>
 </file>
 
@@ -5446,6 +5612,13 @@
   <p:clrMapOvr>
     <a:masterClrMapping/>
   </p:clrMapOvr>
+  <p:timing>
+    <p:tnLst>
+      <p:par>
+        <p:cTn id="1" dur="indefinite" restart="never" nodeType="tmRoot"/>
+      </p:par>
+    </p:tnLst>
+  </p:timing>
 </p:sld>
 </file>
 
@@ -5505,6 +5678,13 @@
   <p:clrMapOvr>
     <a:masterClrMapping/>
   </p:clrMapOvr>
+  <p:timing>
+    <p:tnLst>
+      <p:par>
+        <p:cTn id="1" dur="indefinite" restart="never" nodeType="tmRoot"/>
+      </p:par>
+    </p:tnLst>
+  </p:timing>
 </p:sld>
 </file>
 
@@ -5582,6 +5762,13 @@
   <p:clrMapOvr>
     <a:masterClrMapping/>
   </p:clrMapOvr>
+  <p:timing>
+    <p:tnLst>
+      <p:par>
+        <p:cTn id="1" dur="indefinite" restart="never" nodeType="tmRoot"/>
+      </p:par>
+    </p:tnLst>
+  </p:timing>
 </p:sld>
 </file>
 
@@ -5689,6 +5876,13 @@
   <p:clrMapOvr>
     <a:masterClrMapping/>
   </p:clrMapOvr>
+  <p:timing>
+    <p:tnLst>
+      <p:par>
+        <p:cTn id="1" dur="indefinite" restart="never" nodeType="tmRoot"/>
+      </p:par>
+    </p:tnLst>
+  </p:timing>
 </p:sld>
 </file>
 
@@ -5797,6 +5991,13 @@
   <p:clrMapOvr>
     <a:masterClrMapping/>
   </p:clrMapOvr>
+  <p:timing>
+    <p:tnLst>
+      <p:par>
+        <p:cTn id="1" dur="indefinite" restart="never" nodeType="tmRoot"/>
+      </p:par>
+    </p:tnLst>
+  </p:timing>
 </p:sld>
 </file>
 
@@ -5874,6 +6075,13 @@
   <p:clrMapOvr>
     <a:masterClrMapping/>
   </p:clrMapOvr>
+  <p:timing>
+    <p:tnLst>
+      <p:par>
+        <p:cTn id="1" dur="indefinite" restart="never" nodeType="tmRoot"/>
+      </p:par>
+    </p:tnLst>
+  </p:timing>
 </p:sld>
 </file>
 
@@ -5951,6 +6159,13 @@
   <p:clrMapOvr>
     <a:masterClrMapping/>
   </p:clrMapOvr>
+  <p:timing>
+    <p:tnLst>
+      <p:par>
+        <p:cTn id="1" dur="indefinite" restart="never" nodeType="tmRoot"/>
+      </p:par>
+    </p:tnLst>
+  </p:timing>
 </p:sld>
 </file>
 
@@ -5996,7 +6211,7 @@
       </p:sp>
       <p:pic>
         <p:nvPicPr>
-          <p:cNvPr id="4" name="Picture 3"/>
+          <p:cNvPr id="3" name="Picture 2"/>
           <p:cNvPicPr>
             <a:picLocks noChangeAspect="1"/>
           </p:cNvPicPr>
@@ -6010,8 +6225,8 @@
         </p:blipFill>
         <p:spPr>
           <a:xfrm>
-            <a:off x="2734206" y="1910100"/>
-            <a:ext cx="7042855" cy="4376267"/>
+            <a:off x="1289579" y="1830034"/>
+            <a:ext cx="7038975" cy="4371975"/>
           </a:xfrm>
           <a:prstGeom prst="rect">
             <a:avLst/>
@@ -6028,6 +6243,13 @@
   <p:clrMapOvr>
     <a:masterClrMapping/>
   </p:clrMapOvr>
+  <p:timing>
+    <p:tnLst>
+      <p:par>
+        <p:cTn id="1" dur="indefinite" restart="never" nodeType="tmRoot"/>
+      </p:par>
+    </p:tnLst>
+  </p:timing>
 </p:sld>
 </file>
 
@@ -6105,6 +6327,13 @@
   <p:clrMapOvr>
     <a:masterClrMapping/>
   </p:clrMapOvr>
+  <p:timing>
+    <p:tnLst>
+      <p:par>
+        <p:cTn id="1" dur="indefinite" restart="never" nodeType="tmRoot"/>
+      </p:par>
+    </p:tnLst>
+  </p:timing>
 </p:sld>
 </file>
 
@@ -6182,6 +6411,13 @@
   <p:clrMapOvr>
     <a:masterClrMapping/>
   </p:clrMapOvr>
+  <p:timing>
+    <p:tnLst>
+      <p:par>
+        <p:cTn id="1" dur="indefinite" restart="never" nodeType="tmRoot"/>
+      </p:par>
+    </p:tnLst>
+  </p:timing>
 </p:sld>
 </file>
 
@@ -6241,6 +6477,13 @@
   <p:clrMapOvr>
     <a:masterClrMapping/>
   </p:clrMapOvr>
+  <p:timing>
+    <p:tnLst>
+      <p:par>
+        <p:cTn id="1" dur="indefinite" restart="never" nodeType="tmRoot"/>
+      </p:par>
+    </p:tnLst>
+  </p:timing>
 </p:sld>
 </file>
 
@@ -6318,6 +6561,13 @@
   <p:clrMapOvr>
     <a:masterClrMapping/>
   </p:clrMapOvr>
+  <p:timing>
+    <p:tnLst>
+      <p:par>
+        <p:cTn id="1" dur="indefinite" restart="never" nodeType="tmRoot"/>
+      </p:par>
+    </p:tnLst>
+  </p:timing>
 </p:sld>
 </file>
 
@@ -6437,6 +6687,13 @@
   <p:clrMapOvr>
     <a:masterClrMapping/>
   </p:clrMapOvr>
+  <p:timing>
+    <p:tnLst>
+      <p:par>
+        <p:cTn id="1" dur="indefinite" restart="never" nodeType="tmRoot"/>
+      </p:par>
+    </p:tnLst>
+  </p:timing>
 </p:sld>
 </file>
 
@@ -6514,6 +6771,13 @@
   <p:clrMapOvr>
     <a:masterClrMapping/>
   </p:clrMapOvr>
+  <p:timing>
+    <p:tnLst>
+      <p:par>
+        <p:cTn id="1" dur="indefinite" restart="never" nodeType="tmRoot"/>
+      </p:par>
+    </p:tnLst>
+  </p:timing>
 </p:sld>
 </file>
 
@@ -6591,6 +6855,13 @@
   <p:clrMapOvr>
     <a:masterClrMapping/>
   </p:clrMapOvr>
+  <p:timing>
+    <p:tnLst>
+      <p:par>
+        <p:cTn id="1" dur="indefinite" restart="never" nodeType="tmRoot"/>
+      </p:par>
+    </p:tnLst>
+  </p:timing>
 </p:sld>
 </file>
 
@@ -6636,7 +6907,7 @@
       </p:sp>
       <p:pic>
         <p:nvPicPr>
-          <p:cNvPr id="4" name="Picture 3"/>
+          <p:cNvPr id="3" name="Picture 2"/>
           <p:cNvPicPr>
             <a:picLocks noChangeAspect="1"/>
           </p:cNvPicPr>
@@ -6650,8 +6921,8 @@
         </p:blipFill>
         <p:spPr>
           <a:xfrm>
-            <a:off x="3112109" y="1841677"/>
-            <a:ext cx="6456106" cy="4380025"/>
+            <a:off x="1309159" y="1768828"/>
+            <a:ext cx="6457950" cy="4381500"/>
           </a:xfrm>
           <a:prstGeom prst="rect">
             <a:avLst/>
@@ -6668,6 +6939,13 @@
   <p:clrMapOvr>
     <a:masterClrMapping/>
   </p:clrMapOvr>
+  <p:timing>
+    <p:tnLst>
+      <p:par>
+        <p:cTn id="1" dur="indefinite" restart="never" nodeType="tmRoot"/>
+      </p:par>
+    </p:tnLst>
+  </p:timing>
 </p:sld>
 </file>
 
@@ -6745,6 +7023,13 @@
   <p:clrMapOvr>
     <a:masterClrMapping/>
   </p:clrMapOvr>
+  <p:timing>
+    <p:tnLst>
+      <p:par>
+        <p:cTn id="1" dur="indefinite" restart="never" nodeType="tmRoot"/>
+      </p:par>
+    </p:tnLst>
+  </p:timing>
 </p:sld>
 </file>
 
@@ -6822,6 +7107,13 @@
   <p:clrMapOvr>
     <a:masterClrMapping/>
   </p:clrMapOvr>
+  <p:timing>
+    <p:tnLst>
+      <p:par>
+        <p:cTn id="1" dur="indefinite" restart="never" nodeType="tmRoot"/>
+      </p:par>
+    </p:tnLst>
+  </p:timing>
 </p:sld>
 </file>
 
@@ -6857,29 +7149,38 @@
           <a:bodyPr/>
           <a:lstStyle/>
           <a:p>
-            <a:endParaRPr lang="en-GB"/>
-          </a:p>
-        </p:txBody>
-      </p:sp>
-      <p:sp>
-        <p:nvSpPr>
-          <p:cNvPr id="3" name="Content Placeholder 2"/>
-          <p:cNvSpPr>
-            <a:spLocks noGrp="1"/>
-          </p:cNvSpPr>
-          <p:nvPr>
-            <p:ph idx="1"/>
-          </p:nvPr>
-        </p:nvSpPr>
-        <p:spPr/>
-        <p:txBody>
-          <a:bodyPr/>
-          <a:lstStyle/>
-          <a:p>
-            <a:endParaRPr lang="en-GB"/>
-          </a:p>
-        </p:txBody>
-      </p:sp>
+            <a:r>
+              <a:rPr lang="en-US" dirty="0" smtClean="0"/>
+              <a:t>Build artifacts</a:t>
+            </a:r>
+            <a:endParaRPr lang="en-GB" dirty="0"/>
+          </a:p>
+        </p:txBody>
+      </p:sp>
+      <p:pic>
+        <p:nvPicPr>
+          <p:cNvPr id="4" name="Picture 3"/>
+          <p:cNvPicPr>
+            <a:picLocks noChangeAspect="1"/>
+          </p:cNvPicPr>
+          <p:nvPr/>
+        </p:nvPicPr>
+        <p:blipFill>
+          <a:blip r:embed="rId2"/>
+          <a:stretch>
+            <a:fillRect/>
+          </a:stretch>
+        </p:blipFill>
+        <p:spPr>
+          <a:xfrm>
+            <a:off x="1824742" y="2087916"/>
+            <a:ext cx="5991225" cy="3133725"/>
+          </a:xfrm>
+          <a:prstGeom prst="rect">
+            <a:avLst/>
+          </a:prstGeom>
+        </p:spPr>
+      </p:pic>
     </p:spTree>
     <p:extLst>
       <p:ext uri="{BB962C8B-B14F-4D97-AF65-F5344CB8AC3E}">
@@ -6890,6 +7191,13 @@
   <p:clrMapOvr>
     <a:masterClrMapping/>
   </p:clrMapOvr>
+  <p:timing>
+    <p:tnLst>
+      <p:par>
+        <p:cTn id="1" dur="indefinite" restart="never" nodeType="tmRoot"/>
+      </p:par>
+    </p:tnLst>
+  </p:timing>
 </p:sld>
 </file>
 
@@ -6920,31 +7228,22 @@
             <p:ph type="title"/>
           </p:nvPr>
         </p:nvSpPr>
-        <p:spPr/>
-        <p:txBody>
-          <a:bodyPr/>
-          <a:lstStyle/>
-          <a:p>
-            <a:endParaRPr lang="en-GB"/>
-          </a:p>
-        </p:txBody>
-      </p:sp>
-      <p:sp>
-        <p:nvSpPr>
-          <p:cNvPr id="3" name="Content Placeholder 2"/>
-          <p:cNvSpPr>
-            <a:spLocks noGrp="1"/>
-          </p:cNvSpPr>
-          <p:nvPr>
-            <p:ph idx="1"/>
-          </p:nvPr>
-        </p:nvSpPr>
-        <p:spPr/>
-        <p:txBody>
-          <a:bodyPr/>
-          <a:lstStyle/>
-          <a:p>
-            <a:endParaRPr lang="en-GB"/>
+        <p:spPr>
+          <a:xfrm>
+            <a:off x="1086556" y="2698045"/>
+            <a:ext cx="9875520" cy="1356360"/>
+          </a:xfrm>
+        </p:spPr>
+        <p:txBody>
+          <a:bodyPr/>
+          <a:lstStyle/>
+          <a:p>
+            <a:pPr algn="ctr"/>
+            <a:r>
+              <a:rPr lang="en-US" dirty="0" smtClean="0"/>
+              <a:t>Deployment</a:t>
+            </a:r>
+            <a:endParaRPr lang="en-GB" dirty="0"/>
           </a:p>
         </p:txBody>
       </p:sp>
@@ -6958,6 +7257,13 @@
   <p:clrMapOvr>
     <a:masterClrMapping/>
   </p:clrMapOvr>
+  <p:timing>
+    <p:tnLst>
+      <p:par>
+        <p:cTn id="1" dur="indefinite" restart="never" nodeType="tmRoot"/>
+      </p:par>
+    </p:tnLst>
+  </p:timing>
 </p:sld>
 </file>
 
@@ -6993,39 +7299,223 @@
           <a:bodyPr/>
           <a:lstStyle/>
           <a:p>
-            <a:endParaRPr lang="en-GB"/>
-          </a:p>
-        </p:txBody>
-      </p:sp>
-      <p:sp>
-        <p:nvSpPr>
-          <p:cNvPr id="3" name="Content Placeholder 2"/>
-          <p:cNvSpPr>
-            <a:spLocks noGrp="1"/>
-          </p:cNvSpPr>
-          <p:nvPr>
-            <p:ph idx="1"/>
-          </p:nvPr>
-        </p:nvSpPr>
-        <p:spPr/>
-        <p:txBody>
-          <a:bodyPr/>
-          <a:lstStyle/>
-          <a:p>
-            <a:endParaRPr lang="en-GB"/>
-          </a:p>
-        </p:txBody>
-      </p:sp>
+            <a:r>
+              <a:rPr lang="en-US" dirty="0" smtClean="0"/>
+              <a:t>Deployment project</a:t>
+            </a:r>
+            <a:endParaRPr lang="en-GB" dirty="0"/>
+          </a:p>
+        </p:txBody>
+      </p:sp>
+      <p:pic>
+        <p:nvPicPr>
+          <p:cNvPr id="4" name="Picture 3"/>
+          <p:cNvPicPr>
+            <a:picLocks noChangeAspect="1"/>
+          </p:cNvPicPr>
+          <p:nvPr/>
+        </p:nvPicPr>
+        <p:blipFill>
+          <a:blip r:embed="rId2"/>
+          <a:stretch>
+            <a:fillRect/>
+          </a:stretch>
+        </p:blipFill>
+        <p:spPr>
+          <a:xfrm>
+            <a:off x="1494895" y="2266068"/>
+            <a:ext cx="4867275" cy="2009775"/>
+          </a:xfrm>
+          <a:prstGeom prst="rect">
+            <a:avLst/>
+          </a:prstGeom>
+        </p:spPr>
+      </p:pic>
     </p:spTree>
     <p:extLst>
       <p:ext uri="{BB962C8B-B14F-4D97-AF65-F5344CB8AC3E}">
-        <p14:creationId xmlns:p14="http://schemas.microsoft.com/office/powerpoint/2010/main" val="23819449"/>
+        <p14:creationId xmlns:p14="http://schemas.microsoft.com/office/powerpoint/2010/main" val="780033485"/>
       </p:ext>
     </p:extLst>
   </p:cSld>
   <p:clrMapOvr>
     <a:masterClrMapping/>
   </p:clrMapOvr>
+  <p:timing>
+    <p:tnLst>
+      <p:par>
+        <p:cTn id="1" dur="indefinite" restart="never" nodeType="tmRoot"/>
+      </p:par>
+    </p:tnLst>
+  </p:timing>
+</p:sld>
+</file>
+
+<file path=ppt/slides/slide48.xml><?xml version="1.0" encoding="utf-8"?>
+<p:sld xmlns:a="http://schemas.openxmlformats.org/drawingml/2006/main" xmlns:r="http://schemas.openxmlformats.org/officeDocument/2006/relationships" xmlns:p="http://schemas.openxmlformats.org/presentationml/2006/main">
+  <p:cSld>
+    <p:spTree>
+      <p:nvGrpSpPr>
+        <p:cNvPr id="1" name=""/>
+        <p:cNvGrpSpPr/>
+        <p:nvPr/>
+      </p:nvGrpSpPr>
+      <p:grpSpPr>
+        <a:xfrm>
+          <a:off x="0" y="0"/>
+          <a:ext cx="0" cy="0"/>
+          <a:chOff x="0" y="0"/>
+          <a:chExt cx="0" cy="0"/>
+        </a:xfrm>
+      </p:grpSpPr>
+      <p:sp>
+        <p:nvSpPr>
+          <p:cNvPr id="2" name="Title 1"/>
+          <p:cNvSpPr>
+            <a:spLocks noGrp="1"/>
+          </p:cNvSpPr>
+          <p:nvPr>
+            <p:ph type="title"/>
+          </p:nvPr>
+        </p:nvSpPr>
+        <p:spPr/>
+        <p:txBody>
+          <a:bodyPr/>
+          <a:lstStyle/>
+          <a:p>
+            <a:r>
+              <a:rPr lang="en-US" dirty="0" smtClean="0"/>
+              <a:t>Process</a:t>
+            </a:r>
+            <a:endParaRPr lang="en-GB" dirty="0"/>
+          </a:p>
+        </p:txBody>
+      </p:sp>
+      <p:pic>
+        <p:nvPicPr>
+          <p:cNvPr id="5" name="Picture 4"/>
+          <p:cNvPicPr>
+            <a:picLocks noChangeAspect="1"/>
+          </p:cNvPicPr>
+          <p:nvPr/>
+        </p:nvPicPr>
+        <p:blipFill>
+          <a:blip r:embed="rId2"/>
+          <a:stretch>
+            <a:fillRect/>
+          </a:stretch>
+        </p:blipFill>
+        <p:spPr>
+          <a:xfrm>
+            <a:off x="1354137" y="1770062"/>
+            <a:ext cx="6029325" cy="4333875"/>
+          </a:xfrm>
+          <a:prstGeom prst="rect">
+            <a:avLst/>
+          </a:prstGeom>
+        </p:spPr>
+      </p:pic>
+    </p:spTree>
+    <p:extLst>
+      <p:ext uri="{BB962C8B-B14F-4D97-AF65-F5344CB8AC3E}">
+        <p14:creationId xmlns:p14="http://schemas.microsoft.com/office/powerpoint/2010/main" val="3431907440"/>
+      </p:ext>
+    </p:extLst>
+  </p:cSld>
+  <p:clrMapOvr>
+    <a:masterClrMapping/>
+  </p:clrMapOvr>
+  <p:timing>
+    <p:tnLst>
+      <p:par>
+        <p:cTn id="1" dur="indefinite" restart="never" nodeType="tmRoot"/>
+      </p:par>
+    </p:tnLst>
+  </p:timing>
+</p:sld>
+</file>
+
+<file path=ppt/slides/slide49.xml><?xml version="1.0" encoding="utf-8"?>
+<p:sld xmlns:a="http://schemas.openxmlformats.org/drawingml/2006/main" xmlns:r="http://schemas.openxmlformats.org/officeDocument/2006/relationships" xmlns:p="http://schemas.openxmlformats.org/presentationml/2006/main">
+  <p:cSld>
+    <p:spTree>
+      <p:nvGrpSpPr>
+        <p:cNvPr id="1" name=""/>
+        <p:cNvGrpSpPr/>
+        <p:nvPr/>
+      </p:nvGrpSpPr>
+      <p:grpSpPr>
+        <a:xfrm>
+          <a:off x="0" y="0"/>
+          <a:ext cx="0" cy="0"/>
+          <a:chOff x="0" y="0"/>
+          <a:chExt cx="0" cy="0"/>
+        </a:xfrm>
+      </p:grpSpPr>
+      <p:sp>
+        <p:nvSpPr>
+          <p:cNvPr id="2" name="Title 1"/>
+          <p:cNvSpPr>
+            <a:spLocks noGrp="1"/>
+          </p:cNvSpPr>
+          <p:nvPr>
+            <p:ph type="title"/>
+          </p:nvPr>
+        </p:nvSpPr>
+        <p:spPr/>
+        <p:txBody>
+          <a:bodyPr/>
+          <a:lstStyle/>
+          <a:p>
+            <a:r>
+              <a:rPr lang="en-US" dirty="0" smtClean="0"/>
+              <a:t>Process continued</a:t>
+            </a:r>
+            <a:endParaRPr lang="en-GB" dirty="0"/>
+          </a:p>
+        </p:txBody>
+      </p:sp>
+      <p:pic>
+        <p:nvPicPr>
+          <p:cNvPr id="4" name="Picture 3"/>
+          <p:cNvPicPr>
+            <a:picLocks noChangeAspect="1"/>
+          </p:cNvPicPr>
+          <p:nvPr/>
+        </p:nvPicPr>
+        <p:blipFill>
+          <a:blip r:embed="rId2"/>
+          <a:stretch>
+            <a:fillRect/>
+          </a:stretch>
+        </p:blipFill>
+        <p:spPr>
+          <a:xfrm>
+            <a:off x="1310393" y="1863901"/>
+            <a:ext cx="5800725" cy="3152775"/>
+          </a:xfrm>
+          <a:prstGeom prst="rect">
+            <a:avLst/>
+          </a:prstGeom>
+        </p:spPr>
+      </p:pic>
+    </p:spTree>
+    <p:extLst>
+      <p:ext uri="{BB962C8B-B14F-4D97-AF65-F5344CB8AC3E}">
+        <p14:creationId xmlns:p14="http://schemas.microsoft.com/office/powerpoint/2010/main" val="450645125"/>
+      </p:ext>
+    </p:extLst>
+  </p:cSld>
+  <p:clrMapOvr>
+    <a:masterClrMapping/>
+  </p:clrMapOvr>
+  <p:timing>
+    <p:tnLst>
+      <p:par>
+        <p:cTn id="1" dur="indefinite" restart="never" nodeType="tmRoot"/>
+      </p:par>
+    </p:tnLst>
+  </p:timing>
 </p:sld>
 </file>
 
@@ -7120,6 +7610,839 @@
   <p:clrMapOvr>
     <a:masterClrMapping/>
   </p:clrMapOvr>
+  <p:timing>
+    <p:tnLst>
+      <p:par>
+        <p:cTn id="1" dur="indefinite" restart="never" nodeType="tmRoot"/>
+      </p:par>
+    </p:tnLst>
+  </p:timing>
+</p:sld>
+</file>
+
+<file path=ppt/slides/slide50.xml><?xml version="1.0" encoding="utf-8"?>
+<p:sld xmlns:a="http://schemas.openxmlformats.org/drawingml/2006/main" xmlns:r="http://schemas.openxmlformats.org/officeDocument/2006/relationships" xmlns:p="http://schemas.openxmlformats.org/presentationml/2006/main">
+  <p:cSld>
+    <p:spTree>
+      <p:nvGrpSpPr>
+        <p:cNvPr id="1" name=""/>
+        <p:cNvGrpSpPr/>
+        <p:nvPr/>
+      </p:nvGrpSpPr>
+      <p:grpSpPr>
+        <a:xfrm>
+          <a:off x="0" y="0"/>
+          <a:ext cx="0" cy="0"/>
+          <a:chOff x="0" y="0"/>
+          <a:chExt cx="0" cy="0"/>
+        </a:xfrm>
+      </p:grpSpPr>
+      <p:sp>
+        <p:nvSpPr>
+          <p:cNvPr id="2" name="Title 1"/>
+          <p:cNvSpPr>
+            <a:spLocks noGrp="1"/>
+          </p:cNvSpPr>
+          <p:nvPr>
+            <p:ph type="title"/>
+          </p:nvPr>
+        </p:nvSpPr>
+        <p:spPr/>
+        <p:txBody>
+          <a:bodyPr/>
+          <a:lstStyle/>
+          <a:p>
+            <a:r>
+              <a:rPr lang="en-US" dirty="0" smtClean="0"/>
+              <a:t>Create pom.xml</a:t>
+            </a:r>
+            <a:endParaRPr lang="en-GB" dirty="0"/>
+          </a:p>
+        </p:txBody>
+      </p:sp>
+      <p:pic>
+        <p:nvPicPr>
+          <p:cNvPr id="4" name="Picture 3"/>
+          <p:cNvPicPr>
+            <a:picLocks noChangeAspect="1"/>
+          </p:cNvPicPr>
+          <p:nvPr/>
+        </p:nvPicPr>
+        <p:blipFill>
+          <a:blip r:embed="rId2"/>
+          <a:stretch>
+            <a:fillRect/>
+          </a:stretch>
+        </p:blipFill>
+        <p:spPr>
+          <a:xfrm>
+            <a:off x="1332617" y="1811866"/>
+            <a:ext cx="6162675" cy="4114800"/>
+          </a:xfrm>
+          <a:prstGeom prst="rect">
+            <a:avLst/>
+          </a:prstGeom>
+        </p:spPr>
+      </p:pic>
+    </p:spTree>
+    <p:extLst>
+      <p:ext uri="{BB962C8B-B14F-4D97-AF65-F5344CB8AC3E}">
+        <p14:creationId xmlns:p14="http://schemas.microsoft.com/office/powerpoint/2010/main" val="1219837540"/>
+      </p:ext>
+    </p:extLst>
+  </p:cSld>
+  <p:clrMapOvr>
+    <a:masterClrMapping/>
+  </p:clrMapOvr>
+  <p:timing>
+    <p:tnLst>
+      <p:par>
+        <p:cTn id="1" dur="indefinite" restart="never" nodeType="tmRoot"/>
+      </p:par>
+    </p:tnLst>
+  </p:timing>
+</p:sld>
+</file>
+
+<file path=ppt/slides/slide51.xml><?xml version="1.0" encoding="utf-8"?>
+<p:sld xmlns:a="http://schemas.openxmlformats.org/drawingml/2006/main" xmlns:r="http://schemas.openxmlformats.org/officeDocument/2006/relationships" xmlns:p="http://schemas.openxmlformats.org/presentationml/2006/main">
+  <p:cSld>
+    <p:spTree>
+      <p:nvGrpSpPr>
+        <p:cNvPr id="1" name=""/>
+        <p:cNvGrpSpPr/>
+        <p:nvPr/>
+      </p:nvGrpSpPr>
+      <p:grpSpPr>
+        <a:xfrm>
+          <a:off x="0" y="0"/>
+          <a:ext cx="0" cy="0"/>
+          <a:chOff x="0" y="0"/>
+          <a:chExt cx="0" cy="0"/>
+        </a:xfrm>
+      </p:grpSpPr>
+      <p:sp>
+        <p:nvSpPr>
+          <p:cNvPr id="2" name="Title 1"/>
+          <p:cNvSpPr>
+            <a:spLocks noGrp="1"/>
+          </p:cNvSpPr>
+          <p:nvPr>
+            <p:ph type="title"/>
+          </p:nvPr>
+        </p:nvSpPr>
+        <p:spPr/>
+        <p:txBody>
+          <a:bodyPr/>
+          <a:lstStyle/>
+          <a:p>
+            <a:r>
+              <a:rPr lang="en-US" dirty="0" smtClean="0"/>
+              <a:t>Create pom.xml</a:t>
+            </a:r>
+            <a:endParaRPr lang="en-GB" dirty="0"/>
+          </a:p>
+        </p:txBody>
+      </p:sp>
+      <p:pic>
+        <p:nvPicPr>
+          <p:cNvPr id="5" name="Picture 4"/>
+          <p:cNvPicPr>
+            <a:picLocks noChangeAspect="1"/>
+          </p:cNvPicPr>
+          <p:nvPr/>
+        </p:nvPicPr>
+        <p:blipFill>
+          <a:blip r:embed="rId2"/>
+          <a:stretch>
+            <a:fillRect/>
+          </a:stretch>
+        </p:blipFill>
+        <p:spPr>
+          <a:xfrm>
+            <a:off x="1321329" y="1773237"/>
+            <a:ext cx="6162675" cy="4124325"/>
+          </a:xfrm>
+          <a:prstGeom prst="rect">
+            <a:avLst/>
+          </a:prstGeom>
+        </p:spPr>
+      </p:pic>
+    </p:spTree>
+    <p:extLst>
+      <p:ext uri="{BB962C8B-B14F-4D97-AF65-F5344CB8AC3E}">
+        <p14:creationId xmlns:p14="http://schemas.microsoft.com/office/powerpoint/2010/main" val="3220160596"/>
+      </p:ext>
+    </p:extLst>
+  </p:cSld>
+  <p:clrMapOvr>
+    <a:masterClrMapping/>
+  </p:clrMapOvr>
+  <p:timing>
+    <p:tnLst>
+      <p:par>
+        <p:cTn id="1" dur="indefinite" restart="never" nodeType="tmRoot"/>
+      </p:par>
+    </p:tnLst>
+  </p:timing>
+</p:sld>
+</file>
+
+<file path=ppt/slides/slide52.xml><?xml version="1.0" encoding="utf-8"?>
+<p:sld xmlns:a="http://schemas.openxmlformats.org/drawingml/2006/main" xmlns:r="http://schemas.openxmlformats.org/officeDocument/2006/relationships" xmlns:p="http://schemas.openxmlformats.org/presentationml/2006/main">
+  <p:cSld>
+    <p:spTree>
+      <p:nvGrpSpPr>
+        <p:cNvPr id="1" name=""/>
+        <p:cNvGrpSpPr/>
+        <p:nvPr/>
+      </p:nvGrpSpPr>
+      <p:grpSpPr>
+        <a:xfrm>
+          <a:off x="0" y="0"/>
+          <a:ext cx="0" cy="0"/>
+          <a:chOff x="0" y="0"/>
+          <a:chExt cx="0" cy="0"/>
+        </a:xfrm>
+      </p:grpSpPr>
+      <p:sp>
+        <p:nvSpPr>
+          <p:cNvPr id="2" name="Title 1"/>
+          <p:cNvSpPr>
+            <a:spLocks noGrp="1"/>
+          </p:cNvSpPr>
+          <p:nvPr>
+            <p:ph type="title"/>
+          </p:nvPr>
+        </p:nvSpPr>
+        <p:spPr/>
+        <p:txBody>
+          <a:bodyPr/>
+          <a:lstStyle/>
+          <a:p>
+            <a:r>
+              <a:rPr lang="en-US" dirty="0" smtClean="0"/>
+              <a:t>Create pom.xml</a:t>
+            </a:r>
+            <a:endParaRPr lang="en-GB" dirty="0"/>
+          </a:p>
+        </p:txBody>
+      </p:sp>
+      <p:pic>
+        <p:nvPicPr>
+          <p:cNvPr id="4" name="Picture 3"/>
+          <p:cNvPicPr>
+            <a:picLocks noChangeAspect="1"/>
+          </p:cNvPicPr>
+          <p:nvPr/>
+        </p:nvPicPr>
+        <p:blipFill>
+          <a:blip r:embed="rId2"/>
+          <a:stretch>
+            <a:fillRect/>
+          </a:stretch>
+        </p:blipFill>
+        <p:spPr>
+          <a:xfrm>
+            <a:off x="1336851" y="1803400"/>
+            <a:ext cx="6086475" cy="3657600"/>
+          </a:xfrm>
+          <a:prstGeom prst="rect">
+            <a:avLst/>
+          </a:prstGeom>
+        </p:spPr>
+      </p:pic>
+    </p:spTree>
+    <p:extLst>
+      <p:ext uri="{BB962C8B-B14F-4D97-AF65-F5344CB8AC3E}">
+        <p14:creationId xmlns:p14="http://schemas.microsoft.com/office/powerpoint/2010/main" val="3612671900"/>
+      </p:ext>
+    </p:extLst>
+  </p:cSld>
+  <p:clrMapOvr>
+    <a:masterClrMapping/>
+  </p:clrMapOvr>
+  <p:timing>
+    <p:tnLst>
+      <p:par>
+        <p:cTn id="1" dur="indefinite" restart="never" nodeType="tmRoot"/>
+      </p:par>
+    </p:tnLst>
+  </p:timing>
+</p:sld>
+</file>
+
+<file path=ppt/slides/slide53.xml><?xml version="1.0" encoding="utf-8"?>
+<p:sld xmlns:a="http://schemas.openxmlformats.org/drawingml/2006/main" xmlns:r="http://schemas.openxmlformats.org/officeDocument/2006/relationships" xmlns:p="http://schemas.openxmlformats.org/presentationml/2006/main">
+  <p:cSld>
+    <p:spTree>
+      <p:nvGrpSpPr>
+        <p:cNvPr id="1" name=""/>
+        <p:cNvGrpSpPr/>
+        <p:nvPr/>
+      </p:nvGrpSpPr>
+      <p:grpSpPr>
+        <a:xfrm>
+          <a:off x="0" y="0"/>
+          <a:ext cx="0" cy="0"/>
+          <a:chOff x="0" y="0"/>
+          <a:chExt cx="0" cy="0"/>
+        </a:xfrm>
+      </p:grpSpPr>
+      <p:sp>
+        <p:nvSpPr>
+          <p:cNvPr id="2" name="Title 1"/>
+          <p:cNvSpPr>
+            <a:spLocks noGrp="1"/>
+          </p:cNvSpPr>
+          <p:nvPr>
+            <p:ph type="title"/>
+          </p:nvPr>
+        </p:nvSpPr>
+        <p:spPr/>
+        <p:txBody>
+          <a:bodyPr/>
+          <a:lstStyle/>
+          <a:p>
+            <a:r>
+              <a:rPr lang="en-US" dirty="0" smtClean="0"/>
+              <a:t>Create pom.xml</a:t>
+            </a:r>
+            <a:endParaRPr lang="en-GB" dirty="0"/>
+          </a:p>
+        </p:txBody>
+      </p:sp>
+      <p:pic>
+        <p:nvPicPr>
+          <p:cNvPr id="4" name="Picture 3"/>
+          <p:cNvPicPr>
+            <a:picLocks noChangeAspect="1"/>
+          </p:cNvPicPr>
+          <p:nvPr/>
+        </p:nvPicPr>
+        <p:blipFill>
+          <a:blip r:embed="rId2"/>
+          <a:stretch>
+            <a:fillRect/>
+          </a:stretch>
+        </p:blipFill>
+        <p:spPr>
+          <a:xfrm>
+            <a:off x="1373011" y="1837972"/>
+            <a:ext cx="5562600" cy="4152900"/>
+          </a:xfrm>
+          <a:prstGeom prst="rect">
+            <a:avLst/>
+          </a:prstGeom>
+        </p:spPr>
+      </p:pic>
+    </p:spTree>
+    <p:extLst>
+      <p:ext uri="{BB962C8B-B14F-4D97-AF65-F5344CB8AC3E}">
+        <p14:creationId xmlns:p14="http://schemas.microsoft.com/office/powerpoint/2010/main" val="4280234100"/>
+      </p:ext>
+    </p:extLst>
+  </p:cSld>
+  <p:clrMapOvr>
+    <a:masterClrMapping/>
+  </p:clrMapOvr>
+  <p:timing>
+    <p:tnLst>
+      <p:par>
+        <p:cTn id="1" dur="indefinite" restart="never" nodeType="tmRoot"/>
+      </p:par>
+    </p:tnLst>
+  </p:timing>
+</p:sld>
+</file>
+
+<file path=ppt/slides/slide54.xml><?xml version="1.0" encoding="utf-8"?>
+<p:sld xmlns:a="http://schemas.openxmlformats.org/drawingml/2006/main" xmlns:r="http://schemas.openxmlformats.org/officeDocument/2006/relationships" xmlns:p="http://schemas.openxmlformats.org/presentationml/2006/main">
+  <p:cSld>
+    <p:spTree>
+      <p:nvGrpSpPr>
+        <p:cNvPr id="1" name=""/>
+        <p:cNvGrpSpPr/>
+        <p:nvPr/>
+      </p:nvGrpSpPr>
+      <p:grpSpPr>
+        <a:xfrm>
+          <a:off x="0" y="0"/>
+          <a:ext cx="0" cy="0"/>
+          <a:chOff x="0" y="0"/>
+          <a:chExt cx="0" cy="0"/>
+        </a:xfrm>
+      </p:grpSpPr>
+      <p:sp>
+        <p:nvSpPr>
+          <p:cNvPr id="2" name="Title 1"/>
+          <p:cNvSpPr>
+            <a:spLocks noGrp="1"/>
+          </p:cNvSpPr>
+          <p:nvPr>
+            <p:ph type="title"/>
+          </p:nvPr>
+        </p:nvSpPr>
+        <p:spPr/>
+        <p:txBody>
+          <a:bodyPr/>
+          <a:lstStyle/>
+          <a:p>
+            <a:r>
+              <a:rPr lang="en-US" dirty="0" smtClean="0"/>
+              <a:t>Create pom.xml</a:t>
+            </a:r>
+            <a:endParaRPr lang="en-GB" dirty="0"/>
+          </a:p>
+        </p:txBody>
+      </p:sp>
+      <p:pic>
+        <p:nvPicPr>
+          <p:cNvPr id="4" name="Picture 3"/>
+          <p:cNvPicPr>
+            <a:picLocks noChangeAspect="1"/>
+          </p:cNvPicPr>
+          <p:nvPr/>
+        </p:nvPicPr>
+        <p:blipFill>
+          <a:blip r:embed="rId2"/>
+          <a:stretch>
+            <a:fillRect/>
+          </a:stretch>
+        </p:blipFill>
+        <p:spPr>
+          <a:xfrm>
+            <a:off x="1336322" y="1965960"/>
+            <a:ext cx="5410200" cy="2038350"/>
+          </a:xfrm>
+          <a:prstGeom prst="rect">
+            <a:avLst/>
+          </a:prstGeom>
+        </p:spPr>
+      </p:pic>
+    </p:spTree>
+    <p:extLst>
+      <p:ext uri="{BB962C8B-B14F-4D97-AF65-F5344CB8AC3E}">
+        <p14:creationId xmlns:p14="http://schemas.microsoft.com/office/powerpoint/2010/main" val="23819449"/>
+      </p:ext>
+    </p:extLst>
+  </p:cSld>
+  <p:clrMapOvr>
+    <a:masterClrMapping/>
+  </p:clrMapOvr>
+  <p:timing>
+    <p:tnLst>
+      <p:par>
+        <p:cTn id="1" dur="indefinite" restart="never" nodeType="tmRoot"/>
+      </p:par>
+    </p:tnLst>
+  </p:timing>
+</p:sld>
+</file>
+
+<file path=ppt/slides/slide55.xml><?xml version="1.0" encoding="utf-8"?>
+<p:sld xmlns:a="http://schemas.openxmlformats.org/drawingml/2006/main" xmlns:r="http://schemas.openxmlformats.org/officeDocument/2006/relationships" xmlns:p="http://schemas.openxmlformats.org/presentationml/2006/main">
+  <p:cSld>
+    <p:spTree>
+      <p:nvGrpSpPr>
+        <p:cNvPr id="1" name=""/>
+        <p:cNvGrpSpPr/>
+        <p:nvPr/>
+      </p:nvGrpSpPr>
+      <p:grpSpPr>
+        <a:xfrm>
+          <a:off x="0" y="0"/>
+          <a:ext cx="0" cy="0"/>
+          <a:chOff x="0" y="0"/>
+          <a:chExt cx="0" cy="0"/>
+        </a:xfrm>
+      </p:grpSpPr>
+      <p:sp>
+        <p:nvSpPr>
+          <p:cNvPr id="2" name="Title 1"/>
+          <p:cNvSpPr>
+            <a:spLocks noGrp="1"/>
+          </p:cNvSpPr>
+          <p:nvPr>
+            <p:ph type="title"/>
+          </p:nvPr>
+        </p:nvSpPr>
+        <p:spPr/>
+        <p:txBody>
+          <a:bodyPr/>
+          <a:lstStyle/>
+          <a:p>
+            <a:r>
+              <a:rPr lang="en-US" dirty="0" smtClean="0"/>
+              <a:t>Complete process</a:t>
+            </a:r>
+            <a:endParaRPr lang="en-GB" dirty="0"/>
+          </a:p>
+        </p:txBody>
+      </p:sp>
+      <p:pic>
+        <p:nvPicPr>
+          <p:cNvPr id="4" name="Picture 3"/>
+          <p:cNvPicPr>
+            <a:picLocks noChangeAspect="1"/>
+          </p:cNvPicPr>
+          <p:nvPr/>
+        </p:nvPicPr>
+        <p:blipFill>
+          <a:blip r:embed="rId2"/>
+          <a:stretch>
+            <a:fillRect/>
+          </a:stretch>
+        </p:blipFill>
+        <p:spPr>
+          <a:xfrm>
+            <a:off x="1371777" y="1965960"/>
+            <a:ext cx="5000625" cy="2581275"/>
+          </a:xfrm>
+          <a:prstGeom prst="rect">
+            <a:avLst/>
+          </a:prstGeom>
+        </p:spPr>
+      </p:pic>
+    </p:spTree>
+    <p:extLst>
+      <p:ext uri="{BB962C8B-B14F-4D97-AF65-F5344CB8AC3E}">
+        <p14:creationId xmlns:p14="http://schemas.microsoft.com/office/powerpoint/2010/main" val="1433620789"/>
+      </p:ext>
+    </p:extLst>
+  </p:cSld>
+  <p:clrMapOvr>
+    <a:masterClrMapping/>
+  </p:clrMapOvr>
+  <p:timing>
+    <p:tnLst>
+      <p:par>
+        <p:cTn id="1" dur="indefinite" restart="never" nodeType="tmRoot"/>
+      </p:par>
+    </p:tnLst>
+  </p:timing>
+</p:sld>
+</file>
+
+<file path=ppt/slides/slide56.xml><?xml version="1.0" encoding="utf-8"?>
+<p:sld xmlns:a="http://schemas.openxmlformats.org/drawingml/2006/main" xmlns:r="http://schemas.openxmlformats.org/officeDocument/2006/relationships" xmlns:p="http://schemas.openxmlformats.org/presentationml/2006/main">
+  <p:cSld>
+    <p:spTree>
+      <p:nvGrpSpPr>
+        <p:cNvPr id="1" name=""/>
+        <p:cNvGrpSpPr/>
+        <p:nvPr/>
+      </p:nvGrpSpPr>
+      <p:grpSpPr>
+        <a:xfrm>
+          <a:off x="0" y="0"/>
+          <a:ext cx="0" cy="0"/>
+          <a:chOff x="0" y="0"/>
+          <a:chExt cx="0" cy="0"/>
+        </a:xfrm>
+      </p:grpSpPr>
+      <p:sp>
+        <p:nvSpPr>
+          <p:cNvPr id="2" name="Title 1"/>
+          <p:cNvSpPr>
+            <a:spLocks noGrp="1"/>
+          </p:cNvSpPr>
+          <p:nvPr>
+            <p:ph type="title"/>
+          </p:nvPr>
+        </p:nvSpPr>
+        <p:spPr>
+          <a:xfrm>
+            <a:off x="1176867" y="2551289"/>
+            <a:ext cx="9875520" cy="1356360"/>
+          </a:xfrm>
+        </p:spPr>
+        <p:txBody>
+          <a:bodyPr/>
+          <a:lstStyle/>
+          <a:p>
+            <a:pPr algn="ctr"/>
+            <a:r>
+              <a:rPr lang="en-US" dirty="0" smtClean="0"/>
+              <a:t>Integrate spring </a:t>
+            </a:r>
+            <a:r>
+              <a:rPr lang="en-US" dirty="0" err="1" smtClean="0"/>
+              <a:t>ioc</a:t>
+            </a:r>
+            <a:endParaRPr lang="en-GB" dirty="0"/>
+          </a:p>
+        </p:txBody>
+      </p:sp>
+    </p:spTree>
+    <p:extLst>
+      <p:ext uri="{BB962C8B-B14F-4D97-AF65-F5344CB8AC3E}">
+        <p14:creationId xmlns:p14="http://schemas.microsoft.com/office/powerpoint/2010/main" val="1570416042"/>
+      </p:ext>
+    </p:extLst>
+  </p:cSld>
+  <p:clrMapOvr>
+    <a:masterClrMapping/>
+  </p:clrMapOvr>
+  <p:timing>
+    <p:tnLst>
+      <p:par>
+        <p:cTn id="1" dur="indefinite" restart="never" nodeType="tmRoot"/>
+      </p:par>
+    </p:tnLst>
+  </p:timing>
+</p:sld>
+</file>
+
+<file path=ppt/slides/slide57.xml><?xml version="1.0" encoding="utf-8"?>
+<p:sld xmlns:a="http://schemas.openxmlformats.org/drawingml/2006/main" xmlns:r="http://schemas.openxmlformats.org/officeDocument/2006/relationships" xmlns:p="http://schemas.openxmlformats.org/presentationml/2006/main">
+  <p:cSld>
+    <p:spTree>
+      <p:nvGrpSpPr>
+        <p:cNvPr id="1" name=""/>
+        <p:cNvGrpSpPr/>
+        <p:nvPr/>
+      </p:nvGrpSpPr>
+      <p:grpSpPr>
+        <a:xfrm>
+          <a:off x="0" y="0"/>
+          <a:ext cx="0" cy="0"/>
+          <a:chOff x="0" y="0"/>
+          <a:chExt cx="0" cy="0"/>
+        </a:xfrm>
+      </p:grpSpPr>
+      <p:sp>
+        <p:nvSpPr>
+          <p:cNvPr id="2" name="Title 1"/>
+          <p:cNvSpPr>
+            <a:spLocks noGrp="1"/>
+          </p:cNvSpPr>
+          <p:nvPr>
+            <p:ph type="title"/>
+          </p:nvPr>
+        </p:nvSpPr>
+        <p:spPr/>
+        <p:txBody>
+          <a:bodyPr/>
+          <a:lstStyle/>
+          <a:p>
+            <a:r>
+              <a:rPr lang="en-US" dirty="0" smtClean="0"/>
+              <a:t>General approach</a:t>
+            </a:r>
+            <a:endParaRPr lang="en-GB" dirty="0"/>
+          </a:p>
+        </p:txBody>
+      </p:sp>
+      <p:pic>
+        <p:nvPicPr>
+          <p:cNvPr id="4" name="Picture 3"/>
+          <p:cNvPicPr>
+            <a:picLocks noChangeAspect="1"/>
+          </p:cNvPicPr>
+          <p:nvPr/>
+        </p:nvPicPr>
+        <p:blipFill>
+          <a:blip r:embed="rId2"/>
+          <a:stretch>
+            <a:fillRect/>
+          </a:stretch>
+        </p:blipFill>
+        <p:spPr>
+          <a:xfrm>
+            <a:off x="1305278" y="1965960"/>
+            <a:ext cx="5562600" cy="3219450"/>
+          </a:xfrm>
+          <a:prstGeom prst="rect">
+            <a:avLst/>
+          </a:prstGeom>
+        </p:spPr>
+      </p:pic>
+    </p:spTree>
+    <p:extLst>
+      <p:ext uri="{BB962C8B-B14F-4D97-AF65-F5344CB8AC3E}">
+        <p14:creationId xmlns:p14="http://schemas.microsoft.com/office/powerpoint/2010/main" val="1959455296"/>
+      </p:ext>
+    </p:extLst>
+  </p:cSld>
+  <p:clrMapOvr>
+    <a:masterClrMapping/>
+  </p:clrMapOvr>
+  <p:timing>
+    <p:tnLst>
+      <p:par>
+        <p:cTn id="1" dur="indefinite" restart="never" nodeType="tmRoot"/>
+      </p:par>
+    </p:tnLst>
+  </p:timing>
+</p:sld>
+</file>
+
+<file path=ppt/slides/slide58.xml><?xml version="1.0" encoding="utf-8"?>
+<p:sld xmlns:a="http://schemas.openxmlformats.org/drawingml/2006/main" xmlns:r="http://schemas.openxmlformats.org/officeDocument/2006/relationships" xmlns:p="http://schemas.openxmlformats.org/presentationml/2006/main">
+  <p:cSld>
+    <p:spTree>
+      <p:nvGrpSpPr>
+        <p:cNvPr id="1" name=""/>
+        <p:cNvGrpSpPr/>
+        <p:nvPr/>
+      </p:nvGrpSpPr>
+      <p:grpSpPr>
+        <a:xfrm>
+          <a:off x="0" y="0"/>
+          <a:ext cx="0" cy="0"/>
+          <a:chOff x="0" y="0"/>
+          <a:chExt cx="0" cy="0"/>
+        </a:xfrm>
+      </p:grpSpPr>
+      <p:sp>
+        <p:nvSpPr>
+          <p:cNvPr id="2" name="Title 1"/>
+          <p:cNvSpPr>
+            <a:spLocks noGrp="1"/>
+          </p:cNvSpPr>
+          <p:nvPr>
+            <p:ph type="title"/>
+          </p:nvPr>
+        </p:nvSpPr>
+        <p:spPr/>
+        <p:txBody>
+          <a:bodyPr/>
+          <a:lstStyle/>
+          <a:p>
+            <a:r>
+              <a:rPr lang="en-US" dirty="0" smtClean="0"/>
+              <a:t>Project structure</a:t>
+            </a:r>
+            <a:endParaRPr lang="en-GB" dirty="0"/>
+          </a:p>
+        </p:txBody>
+      </p:sp>
+      <p:pic>
+        <p:nvPicPr>
+          <p:cNvPr id="4" name="Picture 3"/>
+          <p:cNvPicPr>
+            <a:picLocks noChangeAspect="1"/>
+          </p:cNvPicPr>
+          <p:nvPr/>
+        </p:nvPicPr>
+        <p:blipFill>
+          <a:blip r:embed="rId2"/>
+          <a:stretch>
+            <a:fillRect/>
+          </a:stretch>
+        </p:blipFill>
+        <p:spPr>
+          <a:xfrm>
+            <a:off x="1274939" y="1758068"/>
+            <a:ext cx="4991100" cy="3838575"/>
+          </a:xfrm>
+          <a:prstGeom prst="rect">
+            <a:avLst/>
+          </a:prstGeom>
+        </p:spPr>
+      </p:pic>
+    </p:spTree>
+    <p:extLst>
+      <p:ext uri="{BB962C8B-B14F-4D97-AF65-F5344CB8AC3E}">
+        <p14:creationId xmlns:p14="http://schemas.microsoft.com/office/powerpoint/2010/main" val="1239433798"/>
+      </p:ext>
+    </p:extLst>
+  </p:cSld>
+  <p:clrMapOvr>
+    <a:masterClrMapping/>
+  </p:clrMapOvr>
+  <p:timing>
+    <p:tnLst>
+      <p:par>
+        <p:cTn id="1" dur="indefinite" restart="never" nodeType="tmRoot"/>
+      </p:par>
+    </p:tnLst>
+  </p:timing>
+</p:sld>
+</file>
+
+<file path=ppt/slides/slide59.xml><?xml version="1.0" encoding="utf-8"?>
+<p:sld xmlns:a="http://schemas.openxmlformats.org/drawingml/2006/main" xmlns:r="http://schemas.openxmlformats.org/officeDocument/2006/relationships" xmlns:p="http://schemas.openxmlformats.org/presentationml/2006/main">
+  <p:cSld>
+    <p:spTree>
+      <p:nvGrpSpPr>
+        <p:cNvPr id="1" name=""/>
+        <p:cNvGrpSpPr/>
+        <p:nvPr/>
+      </p:nvGrpSpPr>
+      <p:grpSpPr>
+        <a:xfrm>
+          <a:off x="0" y="0"/>
+          <a:ext cx="0" cy="0"/>
+          <a:chOff x="0" y="0"/>
+          <a:chExt cx="0" cy="0"/>
+        </a:xfrm>
+      </p:grpSpPr>
+      <p:sp>
+        <p:nvSpPr>
+          <p:cNvPr id="2" name="Title 1"/>
+          <p:cNvSpPr>
+            <a:spLocks noGrp="1"/>
+          </p:cNvSpPr>
+          <p:nvPr>
+            <p:ph type="title"/>
+          </p:nvPr>
+        </p:nvSpPr>
+        <p:spPr/>
+        <p:txBody>
+          <a:bodyPr/>
+          <a:lstStyle/>
+          <a:p>
+            <a:r>
+              <a:rPr lang="en-US" dirty="0" smtClean="0"/>
+              <a:t>Project structure continued</a:t>
+            </a:r>
+            <a:endParaRPr lang="en-GB" dirty="0"/>
+          </a:p>
+        </p:txBody>
+      </p:sp>
+      <p:pic>
+        <p:nvPicPr>
+          <p:cNvPr id="4" name="Picture 3"/>
+          <p:cNvPicPr>
+            <a:picLocks noChangeAspect="1"/>
+          </p:cNvPicPr>
+          <p:nvPr/>
+        </p:nvPicPr>
+        <p:blipFill>
+          <a:blip r:embed="rId2"/>
+          <a:stretch>
+            <a:fillRect/>
+          </a:stretch>
+        </p:blipFill>
+        <p:spPr>
+          <a:xfrm>
+            <a:off x="1256064" y="1965960"/>
+            <a:ext cx="5457825" cy="1733550"/>
+          </a:xfrm>
+          <a:prstGeom prst="rect">
+            <a:avLst/>
+          </a:prstGeom>
+        </p:spPr>
+      </p:pic>
+    </p:spTree>
+    <p:extLst>
+      <p:ext uri="{BB962C8B-B14F-4D97-AF65-F5344CB8AC3E}">
+        <p14:creationId xmlns:p14="http://schemas.microsoft.com/office/powerpoint/2010/main" val="1357349087"/>
+      </p:ext>
+    </p:extLst>
+  </p:cSld>
+  <p:clrMapOvr>
+    <a:masterClrMapping/>
+  </p:clrMapOvr>
+  <p:timing>
+    <p:tnLst>
+      <p:par>
+        <p:cTn id="1" dur="indefinite" restart="never" nodeType="tmRoot"/>
+      </p:par>
+    </p:tnLst>
+  </p:timing>
 </p:sld>
 </file>
 
@@ -7256,6 +8579,841 @@
   <p:clrMapOvr>
     <a:masterClrMapping/>
   </p:clrMapOvr>
+  <p:timing>
+    <p:tnLst>
+      <p:par>
+        <p:cTn id="1" dur="indefinite" restart="never" nodeType="tmRoot"/>
+      </p:par>
+    </p:tnLst>
+  </p:timing>
+</p:sld>
+</file>
+
+<file path=ppt/slides/slide60.xml><?xml version="1.0" encoding="utf-8"?>
+<p:sld xmlns:a="http://schemas.openxmlformats.org/drawingml/2006/main" xmlns:r="http://schemas.openxmlformats.org/officeDocument/2006/relationships" xmlns:p="http://schemas.openxmlformats.org/presentationml/2006/main">
+  <p:cSld>
+    <p:spTree>
+      <p:nvGrpSpPr>
+        <p:cNvPr id="1" name=""/>
+        <p:cNvGrpSpPr/>
+        <p:nvPr/>
+      </p:nvGrpSpPr>
+      <p:grpSpPr>
+        <a:xfrm>
+          <a:off x="0" y="0"/>
+          <a:ext cx="0" cy="0"/>
+          <a:chOff x="0" y="0"/>
+          <a:chExt cx="0" cy="0"/>
+        </a:xfrm>
+      </p:grpSpPr>
+      <p:sp>
+        <p:nvSpPr>
+          <p:cNvPr id="2" name="Title 1"/>
+          <p:cNvSpPr>
+            <a:spLocks noGrp="1"/>
+          </p:cNvSpPr>
+          <p:nvPr>
+            <p:ph type="title"/>
+          </p:nvPr>
+        </p:nvSpPr>
+        <p:spPr/>
+        <p:txBody>
+          <a:bodyPr/>
+          <a:lstStyle/>
+          <a:p>
+            <a:r>
+              <a:rPr lang="en-US" dirty="0" smtClean="0"/>
+              <a:t>Project </a:t>
+            </a:r>
+            <a:r>
+              <a:rPr lang="en-US" dirty="0" err="1" smtClean="0"/>
+              <a:t>coreservlets</a:t>
+            </a:r>
+            <a:r>
+              <a:rPr lang="en-US" dirty="0" smtClean="0"/>
+              <a:t>-mock</a:t>
+            </a:r>
+            <a:endParaRPr lang="en-GB" dirty="0"/>
+          </a:p>
+        </p:txBody>
+      </p:sp>
+      <p:pic>
+        <p:nvPicPr>
+          <p:cNvPr id="4" name="Picture 3"/>
+          <p:cNvPicPr>
+            <a:picLocks noChangeAspect="1"/>
+          </p:cNvPicPr>
+          <p:nvPr/>
+        </p:nvPicPr>
+        <p:blipFill>
+          <a:blip r:embed="rId2"/>
+          <a:stretch>
+            <a:fillRect/>
+          </a:stretch>
+        </p:blipFill>
+        <p:spPr>
+          <a:xfrm>
+            <a:off x="1143000" y="2098851"/>
+            <a:ext cx="5791200" cy="4105275"/>
+          </a:xfrm>
+          <a:prstGeom prst="rect">
+            <a:avLst/>
+          </a:prstGeom>
+        </p:spPr>
+      </p:pic>
+    </p:spTree>
+    <p:extLst>
+      <p:ext uri="{BB962C8B-B14F-4D97-AF65-F5344CB8AC3E}">
+        <p14:creationId xmlns:p14="http://schemas.microsoft.com/office/powerpoint/2010/main" val="3205178933"/>
+      </p:ext>
+    </p:extLst>
+  </p:cSld>
+  <p:clrMapOvr>
+    <a:masterClrMapping/>
+  </p:clrMapOvr>
+  <p:timing>
+    <p:tnLst>
+      <p:par>
+        <p:cTn id="1" dur="indefinite" restart="never" nodeType="tmRoot"/>
+      </p:par>
+    </p:tnLst>
+  </p:timing>
+</p:sld>
+</file>
+
+<file path=ppt/slides/slide61.xml><?xml version="1.0" encoding="utf-8"?>
+<p:sld xmlns:a="http://schemas.openxmlformats.org/drawingml/2006/main" xmlns:r="http://schemas.openxmlformats.org/officeDocument/2006/relationships" xmlns:p="http://schemas.openxmlformats.org/presentationml/2006/main">
+  <p:cSld>
+    <p:spTree>
+      <p:nvGrpSpPr>
+        <p:cNvPr id="1" name=""/>
+        <p:cNvGrpSpPr/>
+        <p:nvPr/>
+      </p:nvGrpSpPr>
+      <p:grpSpPr>
+        <a:xfrm>
+          <a:off x="0" y="0"/>
+          <a:ext cx="0" cy="0"/>
+          <a:chOff x="0" y="0"/>
+          <a:chExt cx="0" cy="0"/>
+        </a:xfrm>
+      </p:grpSpPr>
+      <p:sp>
+        <p:nvSpPr>
+          <p:cNvPr id="2" name="Title 1"/>
+          <p:cNvSpPr>
+            <a:spLocks noGrp="1"/>
+          </p:cNvSpPr>
+          <p:nvPr>
+            <p:ph type="title"/>
+          </p:nvPr>
+        </p:nvSpPr>
+        <p:spPr/>
+        <p:txBody>
+          <a:bodyPr/>
+          <a:lstStyle/>
+          <a:p>
+            <a:r>
+              <a:rPr lang="en-US" dirty="0" smtClean="0"/>
+              <a:t>Project </a:t>
+            </a:r>
+            <a:r>
+              <a:rPr lang="en-US" dirty="0" err="1" smtClean="0"/>
+              <a:t>coreservlets</a:t>
+            </a:r>
+            <a:r>
+              <a:rPr lang="en-US" dirty="0" smtClean="0"/>
+              <a:t>-main</a:t>
+            </a:r>
+            <a:endParaRPr lang="en-GB" dirty="0"/>
+          </a:p>
+        </p:txBody>
+      </p:sp>
+      <p:pic>
+        <p:nvPicPr>
+          <p:cNvPr id="4" name="Picture 3"/>
+          <p:cNvPicPr>
+            <a:picLocks noChangeAspect="1"/>
+          </p:cNvPicPr>
+          <p:nvPr/>
+        </p:nvPicPr>
+        <p:blipFill>
+          <a:blip r:embed="rId2"/>
+          <a:stretch>
+            <a:fillRect/>
+          </a:stretch>
+        </p:blipFill>
+        <p:spPr>
+          <a:xfrm>
+            <a:off x="1318153" y="1741840"/>
+            <a:ext cx="5153025" cy="4029075"/>
+          </a:xfrm>
+          <a:prstGeom prst="rect">
+            <a:avLst/>
+          </a:prstGeom>
+        </p:spPr>
+      </p:pic>
+    </p:spTree>
+    <p:extLst>
+      <p:ext uri="{BB962C8B-B14F-4D97-AF65-F5344CB8AC3E}">
+        <p14:creationId xmlns:p14="http://schemas.microsoft.com/office/powerpoint/2010/main" val="174765546"/>
+      </p:ext>
+    </p:extLst>
+  </p:cSld>
+  <p:clrMapOvr>
+    <a:masterClrMapping/>
+  </p:clrMapOvr>
+  <p:timing>
+    <p:tnLst>
+      <p:par>
+        <p:cTn id="1" dur="indefinite" restart="never" nodeType="tmRoot"/>
+      </p:par>
+    </p:tnLst>
+  </p:timing>
+</p:sld>
+</file>
+
+<file path=ppt/slides/slide62.xml><?xml version="1.0" encoding="utf-8"?>
+<p:sld xmlns:a="http://schemas.openxmlformats.org/drawingml/2006/main" xmlns:r="http://schemas.openxmlformats.org/officeDocument/2006/relationships" xmlns:p="http://schemas.openxmlformats.org/presentationml/2006/main">
+  <p:cSld>
+    <p:spTree>
+      <p:nvGrpSpPr>
+        <p:cNvPr id="1" name=""/>
+        <p:cNvGrpSpPr/>
+        <p:nvPr/>
+      </p:nvGrpSpPr>
+      <p:grpSpPr>
+        <a:xfrm>
+          <a:off x="0" y="0"/>
+          <a:ext cx="0" cy="0"/>
+          <a:chOff x="0" y="0"/>
+          <a:chExt cx="0" cy="0"/>
+        </a:xfrm>
+      </p:grpSpPr>
+      <p:sp>
+        <p:nvSpPr>
+          <p:cNvPr id="2" name="Title 1"/>
+          <p:cNvSpPr>
+            <a:spLocks noGrp="1"/>
+          </p:cNvSpPr>
+          <p:nvPr>
+            <p:ph type="title"/>
+          </p:nvPr>
+        </p:nvSpPr>
+        <p:spPr/>
+        <p:txBody>
+          <a:bodyPr/>
+          <a:lstStyle/>
+          <a:p>
+            <a:r>
+              <a:rPr lang="en-US" dirty="0" smtClean="0"/>
+              <a:t>Project </a:t>
+            </a:r>
+            <a:r>
+              <a:rPr lang="en-US" dirty="0" err="1" smtClean="0"/>
+              <a:t>coreservlets</a:t>
+            </a:r>
+            <a:r>
+              <a:rPr lang="en-US" dirty="0" smtClean="0"/>
+              <a:t>-main</a:t>
+            </a:r>
+            <a:endParaRPr lang="en-GB" dirty="0"/>
+          </a:p>
+        </p:txBody>
+      </p:sp>
+      <p:pic>
+        <p:nvPicPr>
+          <p:cNvPr id="4" name="Picture 3"/>
+          <p:cNvPicPr>
+            <a:picLocks noChangeAspect="1"/>
+          </p:cNvPicPr>
+          <p:nvPr/>
+        </p:nvPicPr>
+        <p:blipFill>
+          <a:blip r:embed="rId2"/>
+          <a:stretch>
+            <a:fillRect/>
+          </a:stretch>
+        </p:blipFill>
+        <p:spPr>
+          <a:xfrm>
+            <a:off x="1362428" y="1681692"/>
+            <a:ext cx="6667500" cy="4171950"/>
+          </a:xfrm>
+          <a:prstGeom prst="rect">
+            <a:avLst/>
+          </a:prstGeom>
+        </p:spPr>
+      </p:pic>
+    </p:spTree>
+    <p:extLst>
+      <p:ext uri="{BB962C8B-B14F-4D97-AF65-F5344CB8AC3E}">
+        <p14:creationId xmlns:p14="http://schemas.microsoft.com/office/powerpoint/2010/main" val="3008587300"/>
+      </p:ext>
+    </p:extLst>
+  </p:cSld>
+  <p:clrMapOvr>
+    <a:masterClrMapping/>
+  </p:clrMapOvr>
+  <p:timing>
+    <p:tnLst>
+      <p:par>
+        <p:cTn id="1" dur="indefinite" restart="never" nodeType="tmRoot"/>
+      </p:par>
+    </p:tnLst>
+  </p:timing>
+</p:sld>
+</file>
+
+<file path=ppt/slides/slide63.xml><?xml version="1.0" encoding="utf-8"?>
+<p:sld xmlns:a="http://schemas.openxmlformats.org/drawingml/2006/main" xmlns:r="http://schemas.openxmlformats.org/officeDocument/2006/relationships" xmlns:p="http://schemas.openxmlformats.org/presentationml/2006/main">
+  <p:cSld>
+    <p:spTree>
+      <p:nvGrpSpPr>
+        <p:cNvPr id="1" name=""/>
+        <p:cNvGrpSpPr/>
+        <p:nvPr/>
+      </p:nvGrpSpPr>
+      <p:grpSpPr>
+        <a:xfrm>
+          <a:off x="0" y="0"/>
+          <a:ext cx="0" cy="0"/>
+          <a:chOff x="0" y="0"/>
+          <a:chExt cx="0" cy="0"/>
+        </a:xfrm>
+      </p:grpSpPr>
+      <p:sp>
+        <p:nvSpPr>
+          <p:cNvPr id="2" name="Title 1"/>
+          <p:cNvSpPr>
+            <a:spLocks noGrp="1"/>
+          </p:cNvSpPr>
+          <p:nvPr>
+            <p:ph type="title"/>
+          </p:nvPr>
+        </p:nvSpPr>
+        <p:spPr>
+          <a:xfrm>
+            <a:off x="1244600" y="2460978"/>
+            <a:ext cx="9875520" cy="1356360"/>
+          </a:xfrm>
+        </p:spPr>
+        <p:txBody>
+          <a:bodyPr/>
+          <a:lstStyle/>
+          <a:p>
+            <a:pPr algn="ctr"/>
+            <a:r>
+              <a:rPr lang="en-US" dirty="0" smtClean="0"/>
+              <a:t>Spring library integration</a:t>
+            </a:r>
+            <a:endParaRPr lang="en-GB" dirty="0"/>
+          </a:p>
+        </p:txBody>
+      </p:sp>
+    </p:spTree>
+    <p:extLst>
+      <p:ext uri="{BB962C8B-B14F-4D97-AF65-F5344CB8AC3E}">
+        <p14:creationId xmlns:p14="http://schemas.microsoft.com/office/powerpoint/2010/main" val="3524105568"/>
+      </p:ext>
+    </p:extLst>
+  </p:cSld>
+  <p:clrMapOvr>
+    <a:masterClrMapping/>
+  </p:clrMapOvr>
+  <p:timing>
+    <p:tnLst>
+      <p:par>
+        <p:cTn id="1" dur="indefinite" restart="never" nodeType="tmRoot"/>
+      </p:par>
+    </p:tnLst>
+  </p:timing>
+</p:sld>
+</file>
+
+<file path=ppt/slides/slide64.xml><?xml version="1.0" encoding="utf-8"?>
+<p:sld xmlns:a="http://schemas.openxmlformats.org/drawingml/2006/main" xmlns:r="http://schemas.openxmlformats.org/officeDocument/2006/relationships" xmlns:p="http://schemas.openxmlformats.org/presentationml/2006/main">
+  <p:cSld>
+    <p:spTree>
+      <p:nvGrpSpPr>
+        <p:cNvPr id="1" name=""/>
+        <p:cNvGrpSpPr/>
+        <p:nvPr/>
+      </p:nvGrpSpPr>
+      <p:grpSpPr>
+        <a:xfrm>
+          <a:off x="0" y="0"/>
+          <a:ext cx="0" cy="0"/>
+          <a:chOff x="0" y="0"/>
+          <a:chExt cx="0" cy="0"/>
+        </a:xfrm>
+      </p:grpSpPr>
+      <p:sp>
+        <p:nvSpPr>
+          <p:cNvPr id="2" name="Title 1"/>
+          <p:cNvSpPr>
+            <a:spLocks noGrp="1"/>
+          </p:cNvSpPr>
+          <p:nvPr>
+            <p:ph type="title"/>
+          </p:nvPr>
+        </p:nvSpPr>
+        <p:spPr/>
+        <p:txBody>
+          <a:bodyPr/>
+          <a:lstStyle/>
+          <a:p>
+            <a:r>
+              <a:rPr lang="en-US" dirty="0" smtClean="0"/>
+              <a:t>General approach</a:t>
+            </a:r>
+            <a:endParaRPr lang="en-GB" dirty="0"/>
+          </a:p>
+        </p:txBody>
+      </p:sp>
+      <p:pic>
+        <p:nvPicPr>
+          <p:cNvPr id="4" name="Picture 3"/>
+          <p:cNvPicPr>
+            <a:picLocks noChangeAspect="1"/>
+          </p:cNvPicPr>
+          <p:nvPr/>
+        </p:nvPicPr>
+        <p:blipFill>
+          <a:blip r:embed="rId2"/>
+          <a:stretch>
+            <a:fillRect/>
+          </a:stretch>
+        </p:blipFill>
+        <p:spPr>
+          <a:xfrm>
+            <a:off x="1297340" y="1965960"/>
+            <a:ext cx="5781675" cy="3371850"/>
+          </a:xfrm>
+          <a:prstGeom prst="rect">
+            <a:avLst/>
+          </a:prstGeom>
+        </p:spPr>
+      </p:pic>
+    </p:spTree>
+    <p:extLst>
+      <p:ext uri="{BB962C8B-B14F-4D97-AF65-F5344CB8AC3E}">
+        <p14:creationId xmlns:p14="http://schemas.microsoft.com/office/powerpoint/2010/main" val="305220541"/>
+      </p:ext>
+    </p:extLst>
+  </p:cSld>
+  <p:clrMapOvr>
+    <a:masterClrMapping/>
+  </p:clrMapOvr>
+  <p:timing>
+    <p:tnLst>
+      <p:par>
+        <p:cTn id="1" dur="indefinite" restart="never" nodeType="tmRoot"/>
+      </p:par>
+    </p:tnLst>
+  </p:timing>
+</p:sld>
+</file>
+
+<file path=ppt/slides/slide65.xml><?xml version="1.0" encoding="utf-8"?>
+<p:sld xmlns:a="http://schemas.openxmlformats.org/drawingml/2006/main" xmlns:r="http://schemas.openxmlformats.org/officeDocument/2006/relationships" xmlns:p="http://schemas.openxmlformats.org/presentationml/2006/main">
+  <p:cSld>
+    <p:spTree>
+      <p:nvGrpSpPr>
+        <p:cNvPr id="1" name=""/>
+        <p:cNvGrpSpPr/>
+        <p:nvPr/>
+      </p:nvGrpSpPr>
+      <p:grpSpPr>
+        <a:xfrm>
+          <a:off x="0" y="0"/>
+          <a:ext cx="0" cy="0"/>
+          <a:chOff x="0" y="0"/>
+          <a:chExt cx="0" cy="0"/>
+        </a:xfrm>
+      </p:grpSpPr>
+      <p:sp>
+        <p:nvSpPr>
+          <p:cNvPr id="2" name="Title 1"/>
+          <p:cNvSpPr>
+            <a:spLocks noGrp="1"/>
+          </p:cNvSpPr>
+          <p:nvPr>
+            <p:ph type="title"/>
+          </p:nvPr>
+        </p:nvSpPr>
+        <p:spPr>
+          <a:xfrm>
+            <a:off x="1210734" y="2528711"/>
+            <a:ext cx="9875520" cy="1356360"/>
+          </a:xfrm>
+        </p:spPr>
+        <p:txBody>
+          <a:bodyPr/>
+          <a:lstStyle/>
+          <a:p>
+            <a:pPr algn="ctr"/>
+            <a:r>
+              <a:rPr lang="en-US" dirty="0" smtClean="0"/>
+              <a:t>Test with maven2 and spring</a:t>
+            </a:r>
+            <a:endParaRPr lang="en-GB" dirty="0"/>
+          </a:p>
+        </p:txBody>
+      </p:sp>
+    </p:spTree>
+    <p:extLst>
+      <p:ext uri="{BB962C8B-B14F-4D97-AF65-F5344CB8AC3E}">
+        <p14:creationId xmlns:p14="http://schemas.microsoft.com/office/powerpoint/2010/main" val="3722747540"/>
+      </p:ext>
+    </p:extLst>
+  </p:cSld>
+  <p:clrMapOvr>
+    <a:masterClrMapping/>
+  </p:clrMapOvr>
+  <p:timing>
+    <p:tnLst>
+      <p:par>
+        <p:cTn id="1" dur="indefinite" restart="never" nodeType="tmRoot"/>
+      </p:par>
+    </p:tnLst>
+  </p:timing>
+</p:sld>
+</file>
+
+<file path=ppt/slides/slide66.xml><?xml version="1.0" encoding="utf-8"?>
+<p:sld xmlns:a="http://schemas.openxmlformats.org/drawingml/2006/main" xmlns:r="http://schemas.openxmlformats.org/officeDocument/2006/relationships" xmlns:p="http://schemas.openxmlformats.org/presentationml/2006/main">
+  <p:cSld>
+    <p:spTree>
+      <p:nvGrpSpPr>
+        <p:cNvPr id="1" name=""/>
+        <p:cNvGrpSpPr/>
+        <p:nvPr/>
+      </p:nvGrpSpPr>
+      <p:grpSpPr>
+        <a:xfrm>
+          <a:off x="0" y="0"/>
+          <a:ext cx="0" cy="0"/>
+          <a:chOff x="0" y="0"/>
+          <a:chExt cx="0" cy="0"/>
+        </a:xfrm>
+      </p:grpSpPr>
+      <p:sp>
+        <p:nvSpPr>
+          <p:cNvPr id="2" name="Title 1"/>
+          <p:cNvSpPr>
+            <a:spLocks noGrp="1"/>
+          </p:cNvSpPr>
+          <p:nvPr>
+            <p:ph type="title"/>
+          </p:nvPr>
+        </p:nvSpPr>
+        <p:spPr/>
+        <p:txBody>
+          <a:bodyPr/>
+          <a:lstStyle/>
+          <a:p>
+            <a:r>
+              <a:rPr lang="en-US" dirty="0" smtClean="0"/>
+              <a:t>Project structure</a:t>
+            </a:r>
+            <a:endParaRPr lang="en-GB" dirty="0"/>
+          </a:p>
+        </p:txBody>
+      </p:sp>
+      <p:pic>
+        <p:nvPicPr>
+          <p:cNvPr id="4" name="Picture 3"/>
+          <p:cNvPicPr>
+            <a:picLocks noChangeAspect="1"/>
+          </p:cNvPicPr>
+          <p:nvPr/>
+        </p:nvPicPr>
+        <p:blipFill>
+          <a:blip r:embed="rId2"/>
+          <a:stretch>
+            <a:fillRect/>
+          </a:stretch>
+        </p:blipFill>
+        <p:spPr>
+          <a:xfrm>
+            <a:off x="1491367" y="1965960"/>
+            <a:ext cx="5438775" cy="3933825"/>
+          </a:xfrm>
+          <a:prstGeom prst="rect">
+            <a:avLst/>
+          </a:prstGeom>
+        </p:spPr>
+      </p:pic>
+    </p:spTree>
+    <p:extLst>
+      <p:ext uri="{BB962C8B-B14F-4D97-AF65-F5344CB8AC3E}">
+        <p14:creationId xmlns:p14="http://schemas.microsoft.com/office/powerpoint/2010/main" val="2302358860"/>
+      </p:ext>
+    </p:extLst>
+  </p:cSld>
+  <p:clrMapOvr>
+    <a:masterClrMapping/>
+  </p:clrMapOvr>
+  <p:timing>
+    <p:tnLst>
+      <p:par>
+        <p:cTn id="1" dur="indefinite" restart="never" nodeType="tmRoot"/>
+      </p:par>
+    </p:tnLst>
+  </p:timing>
+</p:sld>
+</file>
+
+<file path=ppt/slides/slide67.xml><?xml version="1.0" encoding="utf-8"?>
+<p:sld xmlns:a="http://schemas.openxmlformats.org/drawingml/2006/main" xmlns:r="http://schemas.openxmlformats.org/officeDocument/2006/relationships" xmlns:p="http://schemas.openxmlformats.org/presentationml/2006/main">
+  <p:cSld>
+    <p:spTree>
+      <p:nvGrpSpPr>
+        <p:cNvPr id="1" name=""/>
+        <p:cNvGrpSpPr/>
+        <p:nvPr/>
+      </p:nvGrpSpPr>
+      <p:grpSpPr>
+        <a:xfrm>
+          <a:off x="0" y="0"/>
+          <a:ext cx="0" cy="0"/>
+          <a:chOff x="0" y="0"/>
+          <a:chExt cx="0" cy="0"/>
+        </a:xfrm>
+      </p:grpSpPr>
+      <p:sp>
+        <p:nvSpPr>
+          <p:cNvPr id="2" name="Title 1"/>
+          <p:cNvSpPr>
+            <a:spLocks noGrp="1"/>
+          </p:cNvSpPr>
+          <p:nvPr>
+            <p:ph type="title"/>
+          </p:nvPr>
+        </p:nvSpPr>
+        <p:spPr/>
+        <p:txBody>
+          <a:bodyPr/>
+          <a:lstStyle/>
+          <a:p>
+            <a:r>
+              <a:rPr lang="en-US" dirty="0" smtClean="0"/>
+              <a:t>General approach</a:t>
+            </a:r>
+            <a:endParaRPr lang="en-GB" dirty="0"/>
+          </a:p>
+        </p:txBody>
+      </p:sp>
+      <p:pic>
+        <p:nvPicPr>
+          <p:cNvPr id="4" name="Picture 3"/>
+          <p:cNvPicPr>
+            <a:picLocks noChangeAspect="1"/>
+          </p:cNvPicPr>
+          <p:nvPr/>
+        </p:nvPicPr>
+        <p:blipFill>
+          <a:blip r:embed="rId2"/>
+          <a:stretch>
+            <a:fillRect/>
+          </a:stretch>
+        </p:blipFill>
+        <p:spPr>
+          <a:xfrm>
+            <a:off x="1372658" y="1965960"/>
+            <a:ext cx="5314950" cy="1819275"/>
+          </a:xfrm>
+          <a:prstGeom prst="rect">
+            <a:avLst/>
+          </a:prstGeom>
+        </p:spPr>
+      </p:pic>
+    </p:spTree>
+    <p:extLst>
+      <p:ext uri="{BB962C8B-B14F-4D97-AF65-F5344CB8AC3E}">
+        <p14:creationId xmlns:p14="http://schemas.microsoft.com/office/powerpoint/2010/main" val="3948092996"/>
+      </p:ext>
+    </p:extLst>
+  </p:cSld>
+  <p:clrMapOvr>
+    <a:masterClrMapping/>
+  </p:clrMapOvr>
+  <p:timing>
+    <p:tnLst>
+      <p:par>
+        <p:cTn id="1" dur="indefinite" restart="never" nodeType="tmRoot"/>
+      </p:par>
+    </p:tnLst>
+  </p:timing>
+</p:sld>
+</file>
+
+<file path=ppt/slides/slide68.xml><?xml version="1.0" encoding="utf-8"?>
+<p:sld xmlns:a="http://schemas.openxmlformats.org/drawingml/2006/main" xmlns:r="http://schemas.openxmlformats.org/officeDocument/2006/relationships" xmlns:p="http://schemas.openxmlformats.org/presentationml/2006/main">
+  <p:cSld>
+    <p:spTree>
+      <p:nvGrpSpPr>
+        <p:cNvPr id="1" name=""/>
+        <p:cNvGrpSpPr/>
+        <p:nvPr/>
+      </p:nvGrpSpPr>
+      <p:grpSpPr>
+        <a:xfrm>
+          <a:off x="0" y="0"/>
+          <a:ext cx="0" cy="0"/>
+          <a:chOff x="0" y="0"/>
+          <a:chExt cx="0" cy="0"/>
+        </a:xfrm>
+      </p:grpSpPr>
+      <p:sp>
+        <p:nvSpPr>
+          <p:cNvPr id="2" name="Title 1"/>
+          <p:cNvSpPr>
+            <a:spLocks noGrp="1"/>
+          </p:cNvSpPr>
+          <p:nvPr>
+            <p:ph type="title"/>
+          </p:nvPr>
+        </p:nvSpPr>
+        <p:spPr/>
+        <p:txBody>
+          <a:bodyPr/>
+          <a:lstStyle/>
+          <a:p>
+            <a:r>
+              <a:rPr lang="en-US" dirty="0" smtClean="0"/>
+              <a:t>Process </a:t>
+            </a:r>
+            <a:endParaRPr lang="en-GB" dirty="0"/>
+          </a:p>
+        </p:txBody>
+      </p:sp>
+      <p:pic>
+        <p:nvPicPr>
+          <p:cNvPr id="4" name="Picture 3"/>
+          <p:cNvPicPr>
+            <a:picLocks noChangeAspect="1"/>
+          </p:cNvPicPr>
+          <p:nvPr/>
+        </p:nvPicPr>
+        <p:blipFill>
+          <a:blip r:embed="rId2"/>
+          <a:stretch>
+            <a:fillRect/>
+          </a:stretch>
+        </p:blipFill>
+        <p:spPr>
+          <a:xfrm>
+            <a:off x="1297164" y="1747837"/>
+            <a:ext cx="6572250" cy="3971925"/>
+          </a:xfrm>
+          <a:prstGeom prst="rect">
+            <a:avLst/>
+          </a:prstGeom>
+        </p:spPr>
+      </p:pic>
+    </p:spTree>
+    <p:extLst>
+      <p:ext uri="{BB962C8B-B14F-4D97-AF65-F5344CB8AC3E}">
+        <p14:creationId xmlns:p14="http://schemas.microsoft.com/office/powerpoint/2010/main" val="247427923"/>
+      </p:ext>
+    </p:extLst>
+  </p:cSld>
+  <p:clrMapOvr>
+    <a:masterClrMapping/>
+  </p:clrMapOvr>
+  <p:timing>
+    <p:tnLst>
+      <p:par>
+        <p:cTn id="1" dur="indefinite" restart="never" nodeType="tmRoot"/>
+      </p:par>
+    </p:tnLst>
+  </p:timing>
+</p:sld>
+</file>
+
+<file path=ppt/slides/slide69.xml><?xml version="1.0" encoding="utf-8"?>
+<p:sld xmlns:a="http://schemas.openxmlformats.org/drawingml/2006/main" xmlns:r="http://schemas.openxmlformats.org/officeDocument/2006/relationships" xmlns:p="http://schemas.openxmlformats.org/presentationml/2006/main">
+  <p:cSld>
+    <p:spTree>
+      <p:nvGrpSpPr>
+        <p:cNvPr id="1" name=""/>
+        <p:cNvGrpSpPr/>
+        <p:nvPr/>
+      </p:nvGrpSpPr>
+      <p:grpSpPr>
+        <a:xfrm>
+          <a:off x="0" y="0"/>
+          <a:ext cx="0" cy="0"/>
+          <a:chOff x="0" y="0"/>
+          <a:chExt cx="0" cy="0"/>
+        </a:xfrm>
+      </p:grpSpPr>
+      <p:sp>
+        <p:nvSpPr>
+          <p:cNvPr id="2" name="Title 1"/>
+          <p:cNvSpPr>
+            <a:spLocks noGrp="1"/>
+          </p:cNvSpPr>
+          <p:nvPr>
+            <p:ph type="title"/>
+          </p:nvPr>
+        </p:nvSpPr>
+        <p:spPr/>
+        <p:txBody>
+          <a:bodyPr/>
+          <a:lstStyle/>
+          <a:p>
+            <a:r>
+              <a:rPr lang="en-US" dirty="0" smtClean="0"/>
+              <a:t>Process continued</a:t>
+            </a:r>
+            <a:endParaRPr lang="en-GB" dirty="0"/>
+          </a:p>
+        </p:txBody>
+      </p:sp>
+      <p:pic>
+        <p:nvPicPr>
+          <p:cNvPr id="4" name="Picture 3"/>
+          <p:cNvPicPr>
+            <a:picLocks noChangeAspect="1"/>
+          </p:cNvPicPr>
+          <p:nvPr/>
+        </p:nvPicPr>
+        <p:blipFill>
+          <a:blip r:embed="rId2"/>
+          <a:stretch>
+            <a:fillRect/>
+          </a:stretch>
+        </p:blipFill>
+        <p:spPr>
+          <a:xfrm>
+            <a:off x="1292577" y="1873250"/>
+            <a:ext cx="6400800" cy="3924300"/>
+          </a:xfrm>
+          <a:prstGeom prst="rect">
+            <a:avLst/>
+          </a:prstGeom>
+        </p:spPr>
+      </p:pic>
+    </p:spTree>
+    <p:extLst>
+      <p:ext uri="{BB962C8B-B14F-4D97-AF65-F5344CB8AC3E}">
+        <p14:creationId xmlns:p14="http://schemas.microsoft.com/office/powerpoint/2010/main" val="2835498366"/>
+      </p:ext>
+    </p:extLst>
+  </p:cSld>
+  <p:clrMapOvr>
+    <a:masterClrMapping/>
+  </p:clrMapOvr>
+  <p:timing>
+    <p:tnLst>
+      <p:par>
+        <p:cTn id="1" dur="indefinite" restart="never" nodeType="tmRoot"/>
+      </p:par>
+    </p:tnLst>
+  </p:timing>
 </p:sld>
 </file>
 
@@ -7422,6 +9580,861 @@
   <p:clrMapOvr>
     <a:masterClrMapping/>
   </p:clrMapOvr>
+  <p:timing>
+    <p:tnLst>
+      <p:par>
+        <p:cTn id="1" dur="indefinite" restart="never" nodeType="tmRoot"/>
+      </p:par>
+    </p:tnLst>
+  </p:timing>
+</p:sld>
+</file>
+
+<file path=ppt/slides/slide70.xml><?xml version="1.0" encoding="utf-8"?>
+<p:sld xmlns:a="http://schemas.openxmlformats.org/drawingml/2006/main" xmlns:r="http://schemas.openxmlformats.org/officeDocument/2006/relationships" xmlns:p="http://schemas.openxmlformats.org/presentationml/2006/main">
+  <p:cSld>
+    <p:spTree>
+      <p:nvGrpSpPr>
+        <p:cNvPr id="1" name=""/>
+        <p:cNvGrpSpPr/>
+        <p:nvPr/>
+      </p:nvGrpSpPr>
+      <p:grpSpPr>
+        <a:xfrm>
+          <a:off x="0" y="0"/>
+          <a:ext cx="0" cy="0"/>
+          <a:chOff x="0" y="0"/>
+          <a:chExt cx="0" cy="0"/>
+        </a:xfrm>
+      </p:grpSpPr>
+      <p:sp>
+        <p:nvSpPr>
+          <p:cNvPr id="2" name="Title 1"/>
+          <p:cNvSpPr>
+            <a:spLocks noGrp="1"/>
+          </p:cNvSpPr>
+          <p:nvPr>
+            <p:ph type="title"/>
+          </p:nvPr>
+        </p:nvSpPr>
+        <p:spPr/>
+        <p:txBody>
+          <a:bodyPr/>
+          <a:lstStyle/>
+          <a:p>
+            <a:r>
+              <a:rPr lang="en-US" dirty="0" smtClean="0"/>
+              <a:t>Create test resources</a:t>
+            </a:r>
+            <a:endParaRPr lang="en-GB" dirty="0"/>
+          </a:p>
+        </p:txBody>
+      </p:sp>
+      <p:pic>
+        <p:nvPicPr>
+          <p:cNvPr id="4" name="Picture 3"/>
+          <p:cNvPicPr>
+            <a:picLocks noChangeAspect="1"/>
+          </p:cNvPicPr>
+          <p:nvPr/>
+        </p:nvPicPr>
+        <p:blipFill>
+          <a:blip r:embed="rId2"/>
+          <a:stretch>
+            <a:fillRect/>
+          </a:stretch>
+        </p:blipFill>
+        <p:spPr>
+          <a:xfrm>
+            <a:off x="1345671" y="1965960"/>
+            <a:ext cx="6181725" cy="3629025"/>
+          </a:xfrm>
+          <a:prstGeom prst="rect">
+            <a:avLst/>
+          </a:prstGeom>
+        </p:spPr>
+      </p:pic>
+    </p:spTree>
+    <p:extLst>
+      <p:ext uri="{BB962C8B-B14F-4D97-AF65-F5344CB8AC3E}">
+        <p14:creationId xmlns:p14="http://schemas.microsoft.com/office/powerpoint/2010/main" val="3740956094"/>
+      </p:ext>
+    </p:extLst>
+  </p:cSld>
+  <p:clrMapOvr>
+    <a:masterClrMapping/>
+  </p:clrMapOvr>
+  <p:timing>
+    <p:tnLst>
+      <p:par>
+        <p:cTn id="1" dur="indefinite" restart="never" nodeType="tmRoot"/>
+      </p:par>
+    </p:tnLst>
+  </p:timing>
+</p:sld>
+</file>
+
+<file path=ppt/slides/slide71.xml><?xml version="1.0" encoding="utf-8"?>
+<p:sld xmlns:a="http://schemas.openxmlformats.org/drawingml/2006/main" xmlns:r="http://schemas.openxmlformats.org/officeDocument/2006/relationships" xmlns:p="http://schemas.openxmlformats.org/presentationml/2006/main">
+  <p:cSld>
+    <p:spTree>
+      <p:nvGrpSpPr>
+        <p:cNvPr id="1" name=""/>
+        <p:cNvGrpSpPr/>
+        <p:nvPr/>
+      </p:nvGrpSpPr>
+      <p:grpSpPr>
+        <a:xfrm>
+          <a:off x="0" y="0"/>
+          <a:ext cx="0" cy="0"/>
+          <a:chOff x="0" y="0"/>
+          <a:chExt cx="0" cy="0"/>
+        </a:xfrm>
+      </p:grpSpPr>
+      <p:sp>
+        <p:nvSpPr>
+          <p:cNvPr id="2" name="Title 1"/>
+          <p:cNvSpPr>
+            <a:spLocks noGrp="1"/>
+          </p:cNvSpPr>
+          <p:nvPr>
+            <p:ph type="title"/>
+          </p:nvPr>
+        </p:nvSpPr>
+        <p:spPr/>
+        <p:txBody>
+          <a:bodyPr/>
+          <a:lstStyle/>
+          <a:p>
+            <a:r>
+              <a:rPr lang="en-US" dirty="0" smtClean="0"/>
+              <a:t>Create test resources</a:t>
+            </a:r>
+            <a:endParaRPr lang="en-GB" dirty="0"/>
+          </a:p>
+        </p:txBody>
+      </p:sp>
+      <p:pic>
+        <p:nvPicPr>
+          <p:cNvPr id="4" name="Picture 3"/>
+          <p:cNvPicPr>
+            <a:picLocks noChangeAspect="1"/>
+          </p:cNvPicPr>
+          <p:nvPr/>
+        </p:nvPicPr>
+        <p:blipFill>
+          <a:blip r:embed="rId2"/>
+          <a:stretch>
+            <a:fillRect/>
+          </a:stretch>
+        </p:blipFill>
+        <p:spPr>
+          <a:xfrm>
+            <a:off x="1143000" y="2292350"/>
+            <a:ext cx="6372225" cy="3695700"/>
+          </a:xfrm>
+          <a:prstGeom prst="rect">
+            <a:avLst/>
+          </a:prstGeom>
+        </p:spPr>
+      </p:pic>
+    </p:spTree>
+    <p:extLst>
+      <p:ext uri="{BB962C8B-B14F-4D97-AF65-F5344CB8AC3E}">
+        <p14:creationId xmlns:p14="http://schemas.microsoft.com/office/powerpoint/2010/main" val="2470384991"/>
+      </p:ext>
+    </p:extLst>
+  </p:cSld>
+  <p:clrMapOvr>
+    <a:masterClrMapping/>
+  </p:clrMapOvr>
+  <p:timing>
+    <p:tnLst>
+      <p:par>
+        <p:cTn id="1" dur="indefinite" restart="never" nodeType="tmRoot"/>
+      </p:par>
+    </p:tnLst>
+  </p:timing>
+</p:sld>
+</file>
+
+<file path=ppt/slides/slide72.xml><?xml version="1.0" encoding="utf-8"?>
+<p:sld xmlns:a="http://schemas.openxmlformats.org/drawingml/2006/main" xmlns:r="http://schemas.openxmlformats.org/officeDocument/2006/relationships" xmlns:p="http://schemas.openxmlformats.org/presentationml/2006/main">
+  <p:cSld>
+    <p:spTree>
+      <p:nvGrpSpPr>
+        <p:cNvPr id="1" name=""/>
+        <p:cNvGrpSpPr/>
+        <p:nvPr/>
+      </p:nvGrpSpPr>
+      <p:grpSpPr>
+        <a:xfrm>
+          <a:off x="0" y="0"/>
+          <a:ext cx="0" cy="0"/>
+          <a:chOff x="0" y="0"/>
+          <a:chExt cx="0" cy="0"/>
+        </a:xfrm>
+      </p:grpSpPr>
+      <p:sp>
+        <p:nvSpPr>
+          <p:cNvPr id="2" name="Title 1"/>
+          <p:cNvSpPr>
+            <a:spLocks noGrp="1"/>
+          </p:cNvSpPr>
+          <p:nvPr>
+            <p:ph type="title"/>
+          </p:nvPr>
+        </p:nvSpPr>
+        <p:spPr/>
+        <p:txBody>
+          <a:bodyPr/>
+          <a:lstStyle/>
+          <a:p>
+            <a:r>
+              <a:rPr lang="en-US" dirty="0" smtClean="0"/>
+              <a:t>Create test class</a:t>
+            </a:r>
+            <a:endParaRPr lang="en-GB" dirty="0"/>
+          </a:p>
+        </p:txBody>
+      </p:sp>
+      <p:pic>
+        <p:nvPicPr>
+          <p:cNvPr id="4" name="Picture 3"/>
+          <p:cNvPicPr>
+            <a:picLocks noChangeAspect="1"/>
+          </p:cNvPicPr>
+          <p:nvPr/>
+        </p:nvPicPr>
+        <p:blipFill>
+          <a:blip r:embed="rId2"/>
+          <a:stretch>
+            <a:fillRect/>
+          </a:stretch>
+        </p:blipFill>
+        <p:spPr>
+          <a:xfrm>
+            <a:off x="1437922" y="2076803"/>
+            <a:ext cx="6629400" cy="2343150"/>
+          </a:xfrm>
+          <a:prstGeom prst="rect">
+            <a:avLst/>
+          </a:prstGeom>
+        </p:spPr>
+      </p:pic>
+    </p:spTree>
+    <p:extLst>
+      <p:ext uri="{BB962C8B-B14F-4D97-AF65-F5344CB8AC3E}">
+        <p14:creationId xmlns:p14="http://schemas.microsoft.com/office/powerpoint/2010/main" val="196618339"/>
+      </p:ext>
+    </p:extLst>
+  </p:cSld>
+  <p:clrMapOvr>
+    <a:masterClrMapping/>
+  </p:clrMapOvr>
+  <p:timing>
+    <p:tnLst>
+      <p:par>
+        <p:cTn id="1" dur="indefinite" restart="never" nodeType="tmRoot"/>
+      </p:par>
+    </p:tnLst>
+  </p:timing>
+</p:sld>
+</file>
+
+<file path=ppt/slides/slide73.xml><?xml version="1.0" encoding="utf-8"?>
+<p:sld xmlns:a="http://schemas.openxmlformats.org/drawingml/2006/main" xmlns:r="http://schemas.openxmlformats.org/officeDocument/2006/relationships" xmlns:p="http://schemas.openxmlformats.org/presentationml/2006/main">
+  <p:cSld>
+    <p:spTree>
+      <p:nvGrpSpPr>
+        <p:cNvPr id="1" name=""/>
+        <p:cNvGrpSpPr/>
+        <p:nvPr/>
+      </p:nvGrpSpPr>
+      <p:grpSpPr>
+        <a:xfrm>
+          <a:off x="0" y="0"/>
+          <a:ext cx="0" cy="0"/>
+          <a:chOff x="0" y="0"/>
+          <a:chExt cx="0" cy="0"/>
+        </a:xfrm>
+      </p:grpSpPr>
+      <p:sp>
+        <p:nvSpPr>
+          <p:cNvPr id="2" name="Title 1"/>
+          <p:cNvSpPr>
+            <a:spLocks noGrp="1"/>
+          </p:cNvSpPr>
+          <p:nvPr>
+            <p:ph type="title"/>
+          </p:nvPr>
+        </p:nvSpPr>
+        <p:spPr/>
+        <p:txBody>
+          <a:bodyPr/>
+          <a:lstStyle/>
+          <a:p>
+            <a:r>
+              <a:rPr lang="en-US" dirty="0" smtClean="0"/>
+              <a:t>Create test class</a:t>
+            </a:r>
+            <a:endParaRPr lang="en-GB" dirty="0"/>
+          </a:p>
+        </p:txBody>
+      </p:sp>
+      <p:pic>
+        <p:nvPicPr>
+          <p:cNvPr id="4" name="Picture 3"/>
+          <p:cNvPicPr>
+            <a:picLocks noChangeAspect="1"/>
+          </p:cNvPicPr>
+          <p:nvPr/>
+        </p:nvPicPr>
+        <p:blipFill>
+          <a:blip r:embed="rId2"/>
+          <a:stretch>
+            <a:fillRect/>
+          </a:stretch>
+        </p:blipFill>
+        <p:spPr>
+          <a:xfrm>
+            <a:off x="1500717" y="1965960"/>
+            <a:ext cx="5600700" cy="3086100"/>
+          </a:xfrm>
+          <a:prstGeom prst="rect">
+            <a:avLst/>
+          </a:prstGeom>
+        </p:spPr>
+      </p:pic>
+    </p:spTree>
+    <p:extLst>
+      <p:ext uri="{BB962C8B-B14F-4D97-AF65-F5344CB8AC3E}">
+        <p14:creationId xmlns:p14="http://schemas.microsoft.com/office/powerpoint/2010/main" val="3258070398"/>
+      </p:ext>
+    </p:extLst>
+  </p:cSld>
+  <p:clrMapOvr>
+    <a:masterClrMapping/>
+  </p:clrMapOvr>
+  <p:timing>
+    <p:tnLst>
+      <p:par>
+        <p:cTn id="1" dur="indefinite" restart="never" nodeType="tmRoot"/>
+      </p:par>
+    </p:tnLst>
+  </p:timing>
+</p:sld>
+</file>
+
+<file path=ppt/slides/slide74.xml><?xml version="1.0" encoding="utf-8"?>
+<p:sld xmlns:a="http://schemas.openxmlformats.org/drawingml/2006/main" xmlns:r="http://schemas.openxmlformats.org/officeDocument/2006/relationships" xmlns:p="http://schemas.openxmlformats.org/presentationml/2006/main">
+  <p:cSld>
+    <p:spTree>
+      <p:nvGrpSpPr>
+        <p:cNvPr id="1" name=""/>
+        <p:cNvGrpSpPr/>
+        <p:nvPr/>
+      </p:nvGrpSpPr>
+      <p:grpSpPr>
+        <a:xfrm>
+          <a:off x="0" y="0"/>
+          <a:ext cx="0" cy="0"/>
+          <a:chOff x="0" y="0"/>
+          <a:chExt cx="0" cy="0"/>
+        </a:xfrm>
+      </p:grpSpPr>
+      <p:sp>
+        <p:nvSpPr>
+          <p:cNvPr id="2" name="Title 1"/>
+          <p:cNvSpPr>
+            <a:spLocks noGrp="1"/>
+          </p:cNvSpPr>
+          <p:nvPr>
+            <p:ph type="title"/>
+          </p:nvPr>
+        </p:nvSpPr>
+        <p:spPr/>
+        <p:txBody>
+          <a:bodyPr/>
+          <a:lstStyle/>
+          <a:p>
+            <a:r>
+              <a:rPr lang="en-US" dirty="0" smtClean="0"/>
+              <a:t>Integrate </a:t>
+            </a:r>
+            <a:r>
+              <a:rPr lang="en-US" dirty="0" err="1" smtClean="0"/>
+              <a:t>ioc</a:t>
+            </a:r>
+            <a:r>
+              <a:rPr lang="en-US" dirty="0" smtClean="0"/>
+              <a:t> container</a:t>
+            </a:r>
+            <a:endParaRPr lang="en-GB" dirty="0"/>
+          </a:p>
+        </p:txBody>
+      </p:sp>
+      <p:pic>
+        <p:nvPicPr>
+          <p:cNvPr id="4" name="Picture 3"/>
+          <p:cNvPicPr>
+            <a:picLocks noChangeAspect="1"/>
+          </p:cNvPicPr>
+          <p:nvPr/>
+        </p:nvPicPr>
+        <p:blipFill>
+          <a:blip r:embed="rId2"/>
+          <a:stretch>
+            <a:fillRect/>
+          </a:stretch>
+        </p:blipFill>
+        <p:spPr>
+          <a:xfrm>
+            <a:off x="1261181" y="1818040"/>
+            <a:ext cx="6305550" cy="3876675"/>
+          </a:xfrm>
+          <a:prstGeom prst="rect">
+            <a:avLst/>
+          </a:prstGeom>
+        </p:spPr>
+      </p:pic>
+    </p:spTree>
+    <p:extLst>
+      <p:ext uri="{BB962C8B-B14F-4D97-AF65-F5344CB8AC3E}">
+        <p14:creationId xmlns:p14="http://schemas.microsoft.com/office/powerpoint/2010/main" val="2501695145"/>
+      </p:ext>
+    </p:extLst>
+  </p:cSld>
+  <p:clrMapOvr>
+    <a:masterClrMapping/>
+  </p:clrMapOvr>
+  <p:timing>
+    <p:tnLst>
+      <p:par>
+        <p:cTn id="1" dur="indefinite" restart="never" nodeType="tmRoot"/>
+      </p:par>
+    </p:tnLst>
+  </p:timing>
+</p:sld>
+</file>
+
+<file path=ppt/slides/slide75.xml><?xml version="1.0" encoding="utf-8"?>
+<p:sld xmlns:a="http://schemas.openxmlformats.org/drawingml/2006/main" xmlns:r="http://schemas.openxmlformats.org/officeDocument/2006/relationships" xmlns:p="http://schemas.openxmlformats.org/presentationml/2006/main">
+  <p:cSld>
+    <p:spTree>
+      <p:nvGrpSpPr>
+        <p:cNvPr id="1" name=""/>
+        <p:cNvGrpSpPr/>
+        <p:nvPr/>
+      </p:nvGrpSpPr>
+      <p:grpSpPr>
+        <a:xfrm>
+          <a:off x="0" y="0"/>
+          <a:ext cx="0" cy="0"/>
+          <a:chOff x="0" y="0"/>
+          <a:chExt cx="0" cy="0"/>
+        </a:xfrm>
+      </p:grpSpPr>
+      <p:sp>
+        <p:nvSpPr>
+          <p:cNvPr id="2" name="Title 1"/>
+          <p:cNvSpPr>
+            <a:spLocks noGrp="1"/>
+          </p:cNvSpPr>
+          <p:nvPr>
+            <p:ph type="title"/>
+          </p:nvPr>
+        </p:nvSpPr>
+        <p:spPr/>
+        <p:txBody>
+          <a:bodyPr/>
+          <a:lstStyle/>
+          <a:p>
+            <a:r>
+              <a:rPr lang="en-US" dirty="0" smtClean="0"/>
+              <a:t>Inject test fixture</a:t>
+            </a:r>
+            <a:endParaRPr lang="en-GB" dirty="0"/>
+          </a:p>
+        </p:txBody>
+      </p:sp>
+      <p:pic>
+        <p:nvPicPr>
+          <p:cNvPr id="4" name="Picture 3"/>
+          <p:cNvPicPr>
+            <a:picLocks noChangeAspect="1"/>
+          </p:cNvPicPr>
+          <p:nvPr/>
+        </p:nvPicPr>
+        <p:blipFill>
+          <a:blip r:embed="rId2"/>
+          <a:stretch>
+            <a:fillRect/>
+          </a:stretch>
+        </p:blipFill>
+        <p:spPr>
+          <a:xfrm>
+            <a:off x="1337204" y="1839384"/>
+            <a:ext cx="6334125" cy="3924300"/>
+          </a:xfrm>
+          <a:prstGeom prst="rect">
+            <a:avLst/>
+          </a:prstGeom>
+        </p:spPr>
+      </p:pic>
+    </p:spTree>
+    <p:extLst>
+      <p:ext uri="{BB962C8B-B14F-4D97-AF65-F5344CB8AC3E}">
+        <p14:creationId xmlns:p14="http://schemas.microsoft.com/office/powerpoint/2010/main" val="2394769269"/>
+      </p:ext>
+    </p:extLst>
+  </p:cSld>
+  <p:clrMapOvr>
+    <a:masterClrMapping/>
+  </p:clrMapOvr>
+  <p:timing>
+    <p:tnLst>
+      <p:par>
+        <p:cTn id="1" dur="indefinite" restart="never" nodeType="tmRoot"/>
+      </p:par>
+    </p:tnLst>
+  </p:timing>
+</p:sld>
+</file>
+
+<file path=ppt/slides/slide76.xml><?xml version="1.0" encoding="utf-8"?>
+<p:sld xmlns:a="http://schemas.openxmlformats.org/drawingml/2006/main" xmlns:r="http://schemas.openxmlformats.org/officeDocument/2006/relationships" xmlns:p="http://schemas.openxmlformats.org/presentationml/2006/main">
+  <p:cSld>
+    <p:spTree>
+      <p:nvGrpSpPr>
+        <p:cNvPr id="1" name=""/>
+        <p:cNvGrpSpPr/>
+        <p:nvPr/>
+      </p:nvGrpSpPr>
+      <p:grpSpPr>
+        <a:xfrm>
+          <a:off x="0" y="0"/>
+          <a:ext cx="0" cy="0"/>
+          <a:chOff x="0" y="0"/>
+          <a:chExt cx="0" cy="0"/>
+        </a:xfrm>
+      </p:grpSpPr>
+      <p:sp>
+        <p:nvSpPr>
+          <p:cNvPr id="2" name="Title 1"/>
+          <p:cNvSpPr>
+            <a:spLocks noGrp="1"/>
+          </p:cNvSpPr>
+          <p:nvPr>
+            <p:ph type="title"/>
+          </p:nvPr>
+        </p:nvSpPr>
+        <p:spPr/>
+        <p:txBody>
+          <a:bodyPr/>
+          <a:lstStyle/>
+          <a:p>
+            <a:r>
+              <a:rPr lang="en-US" dirty="0" smtClean="0"/>
+              <a:t>Inject test fixture with @resource</a:t>
+            </a:r>
+            <a:endParaRPr lang="en-GB" dirty="0"/>
+          </a:p>
+        </p:txBody>
+      </p:sp>
+      <p:pic>
+        <p:nvPicPr>
+          <p:cNvPr id="4" name="Picture 3"/>
+          <p:cNvPicPr>
+            <a:picLocks noChangeAspect="1"/>
+          </p:cNvPicPr>
+          <p:nvPr/>
+        </p:nvPicPr>
+        <p:blipFill>
+          <a:blip r:embed="rId2"/>
+          <a:stretch>
+            <a:fillRect/>
+          </a:stretch>
+        </p:blipFill>
+        <p:spPr>
+          <a:xfrm>
+            <a:off x="1315331" y="1760361"/>
+            <a:ext cx="5610225" cy="3924300"/>
+          </a:xfrm>
+          <a:prstGeom prst="rect">
+            <a:avLst/>
+          </a:prstGeom>
+        </p:spPr>
+      </p:pic>
+    </p:spTree>
+    <p:extLst>
+      <p:ext uri="{BB962C8B-B14F-4D97-AF65-F5344CB8AC3E}">
+        <p14:creationId xmlns:p14="http://schemas.microsoft.com/office/powerpoint/2010/main" val="4001699488"/>
+      </p:ext>
+    </p:extLst>
+  </p:cSld>
+  <p:clrMapOvr>
+    <a:masterClrMapping/>
+  </p:clrMapOvr>
+  <p:timing>
+    <p:tnLst>
+      <p:par>
+        <p:cTn id="1" dur="indefinite" restart="never" nodeType="tmRoot"/>
+      </p:par>
+    </p:tnLst>
+  </p:timing>
+</p:sld>
+</file>
+
+<file path=ppt/slides/slide77.xml><?xml version="1.0" encoding="utf-8"?>
+<p:sld xmlns:a="http://schemas.openxmlformats.org/drawingml/2006/main" xmlns:r="http://schemas.openxmlformats.org/officeDocument/2006/relationships" xmlns:p="http://schemas.openxmlformats.org/presentationml/2006/main">
+  <p:cSld>
+    <p:spTree>
+      <p:nvGrpSpPr>
+        <p:cNvPr id="1" name=""/>
+        <p:cNvGrpSpPr/>
+        <p:nvPr/>
+      </p:nvGrpSpPr>
+      <p:grpSpPr>
+        <a:xfrm>
+          <a:off x="0" y="0"/>
+          <a:ext cx="0" cy="0"/>
+          <a:chOff x="0" y="0"/>
+          <a:chExt cx="0" cy="0"/>
+        </a:xfrm>
+      </p:grpSpPr>
+      <p:sp>
+        <p:nvSpPr>
+          <p:cNvPr id="2" name="Title 1"/>
+          <p:cNvSpPr>
+            <a:spLocks noGrp="1"/>
+          </p:cNvSpPr>
+          <p:nvPr>
+            <p:ph type="title"/>
+          </p:nvPr>
+        </p:nvSpPr>
+        <p:spPr/>
+        <p:txBody>
+          <a:bodyPr/>
+          <a:lstStyle/>
+          <a:p>
+            <a:r>
+              <a:rPr lang="en-US" dirty="0" smtClean="0"/>
+              <a:t>Create lifecycle methods</a:t>
+            </a:r>
+            <a:endParaRPr lang="en-GB" dirty="0"/>
+          </a:p>
+        </p:txBody>
+      </p:sp>
+      <p:pic>
+        <p:nvPicPr>
+          <p:cNvPr id="4" name="Picture 3"/>
+          <p:cNvPicPr>
+            <a:picLocks noChangeAspect="1"/>
+          </p:cNvPicPr>
+          <p:nvPr/>
+        </p:nvPicPr>
+        <p:blipFill>
+          <a:blip r:embed="rId2"/>
+          <a:stretch>
+            <a:fillRect/>
+          </a:stretch>
+        </p:blipFill>
+        <p:spPr>
+          <a:xfrm>
+            <a:off x="1317625" y="1965960"/>
+            <a:ext cx="5695950" cy="3848100"/>
+          </a:xfrm>
+          <a:prstGeom prst="rect">
+            <a:avLst/>
+          </a:prstGeom>
+        </p:spPr>
+      </p:pic>
+    </p:spTree>
+    <p:extLst>
+      <p:ext uri="{BB962C8B-B14F-4D97-AF65-F5344CB8AC3E}">
+        <p14:creationId xmlns:p14="http://schemas.microsoft.com/office/powerpoint/2010/main" val="1335297314"/>
+      </p:ext>
+    </p:extLst>
+  </p:cSld>
+  <p:clrMapOvr>
+    <a:masterClrMapping/>
+  </p:clrMapOvr>
+  <p:timing>
+    <p:tnLst>
+      <p:par>
+        <p:cTn id="1" dur="indefinite" restart="never" nodeType="tmRoot"/>
+      </p:par>
+    </p:tnLst>
+  </p:timing>
+</p:sld>
+</file>
+
+<file path=ppt/slides/slide78.xml><?xml version="1.0" encoding="utf-8"?>
+<p:sld xmlns:a="http://schemas.openxmlformats.org/drawingml/2006/main" xmlns:r="http://schemas.openxmlformats.org/officeDocument/2006/relationships" xmlns:p="http://schemas.openxmlformats.org/presentationml/2006/main">
+  <p:cSld>
+    <p:spTree>
+      <p:nvGrpSpPr>
+        <p:cNvPr id="1" name=""/>
+        <p:cNvGrpSpPr/>
+        <p:nvPr/>
+      </p:nvGrpSpPr>
+      <p:grpSpPr>
+        <a:xfrm>
+          <a:off x="0" y="0"/>
+          <a:ext cx="0" cy="0"/>
+          <a:chOff x="0" y="0"/>
+          <a:chExt cx="0" cy="0"/>
+        </a:xfrm>
+      </p:grpSpPr>
+      <p:sp>
+        <p:nvSpPr>
+          <p:cNvPr id="2" name="Title 1"/>
+          <p:cNvSpPr>
+            <a:spLocks noGrp="1"/>
+          </p:cNvSpPr>
+          <p:nvPr>
+            <p:ph type="title"/>
+          </p:nvPr>
+        </p:nvSpPr>
+        <p:spPr/>
+        <p:txBody>
+          <a:bodyPr/>
+          <a:lstStyle/>
+          <a:p>
+            <a:r>
+              <a:rPr lang="en-US" dirty="0" smtClean="0"/>
+              <a:t>Create test case</a:t>
+            </a:r>
+            <a:endParaRPr lang="en-GB" dirty="0"/>
+          </a:p>
+        </p:txBody>
+      </p:sp>
+      <p:pic>
+        <p:nvPicPr>
+          <p:cNvPr id="4" name="Picture 3"/>
+          <p:cNvPicPr>
+            <a:picLocks noChangeAspect="1"/>
+          </p:cNvPicPr>
+          <p:nvPr/>
+        </p:nvPicPr>
+        <p:blipFill>
+          <a:blip r:embed="rId2"/>
+          <a:stretch>
+            <a:fillRect/>
+          </a:stretch>
+        </p:blipFill>
+        <p:spPr>
+          <a:xfrm>
+            <a:off x="1431572" y="1965960"/>
+            <a:ext cx="6438900" cy="2466975"/>
+          </a:xfrm>
+          <a:prstGeom prst="rect">
+            <a:avLst/>
+          </a:prstGeom>
+        </p:spPr>
+      </p:pic>
+    </p:spTree>
+    <p:extLst>
+      <p:ext uri="{BB962C8B-B14F-4D97-AF65-F5344CB8AC3E}">
+        <p14:creationId xmlns:p14="http://schemas.microsoft.com/office/powerpoint/2010/main" val="1016656612"/>
+      </p:ext>
+    </p:extLst>
+  </p:cSld>
+  <p:clrMapOvr>
+    <a:masterClrMapping/>
+  </p:clrMapOvr>
+  <p:timing>
+    <p:tnLst>
+      <p:par>
+        <p:cTn id="1" dur="indefinite" restart="never" nodeType="tmRoot"/>
+      </p:par>
+    </p:tnLst>
+  </p:timing>
+</p:sld>
+</file>
+
+<file path=ppt/slides/slide79.xml><?xml version="1.0" encoding="utf-8"?>
+<p:sld xmlns:a="http://schemas.openxmlformats.org/drawingml/2006/main" xmlns:r="http://schemas.openxmlformats.org/officeDocument/2006/relationships" xmlns:p="http://schemas.openxmlformats.org/presentationml/2006/main">
+  <p:cSld>
+    <p:spTree>
+      <p:nvGrpSpPr>
+        <p:cNvPr id="1" name=""/>
+        <p:cNvGrpSpPr/>
+        <p:nvPr/>
+      </p:nvGrpSpPr>
+      <p:grpSpPr>
+        <a:xfrm>
+          <a:off x="0" y="0"/>
+          <a:ext cx="0" cy="0"/>
+          <a:chOff x="0" y="0"/>
+          <a:chExt cx="0" cy="0"/>
+        </a:xfrm>
+      </p:grpSpPr>
+      <p:sp>
+        <p:nvSpPr>
+          <p:cNvPr id="2" name="Title 1"/>
+          <p:cNvSpPr>
+            <a:spLocks noGrp="1"/>
+          </p:cNvSpPr>
+          <p:nvPr>
+            <p:ph type="title"/>
+          </p:nvPr>
+        </p:nvSpPr>
+        <p:spPr/>
+        <p:txBody>
+          <a:bodyPr/>
+          <a:lstStyle/>
+          <a:p>
+            <a:r>
+              <a:rPr lang="en-US" dirty="0" smtClean="0"/>
+              <a:t>Summary </a:t>
+            </a:r>
+            <a:endParaRPr lang="en-GB" dirty="0"/>
+          </a:p>
+        </p:txBody>
+      </p:sp>
+      <p:pic>
+        <p:nvPicPr>
+          <p:cNvPr id="4" name="Picture 3"/>
+          <p:cNvPicPr>
+            <a:picLocks noChangeAspect="1"/>
+          </p:cNvPicPr>
+          <p:nvPr/>
+        </p:nvPicPr>
+        <p:blipFill>
+          <a:blip r:embed="rId2"/>
+          <a:stretch>
+            <a:fillRect/>
+          </a:stretch>
+        </p:blipFill>
+        <p:spPr>
+          <a:xfrm>
+            <a:off x="1264179" y="1965960"/>
+            <a:ext cx="6276975" cy="3419475"/>
+          </a:xfrm>
+          <a:prstGeom prst="rect">
+            <a:avLst/>
+          </a:prstGeom>
+        </p:spPr>
+      </p:pic>
+    </p:spTree>
+    <p:extLst>
+      <p:ext uri="{BB962C8B-B14F-4D97-AF65-F5344CB8AC3E}">
+        <p14:creationId xmlns:p14="http://schemas.microsoft.com/office/powerpoint/2010/main" val="1969148475"/>
+      </p:ext>
+    </p:extLst>
+  </p:cSld>
+  <p:clrMapOvr>
+    <a:masterClrMapping/>
+  </p:clrMapOvr>
+  <p:timing>
+    <p:tnLst>
+      <p:par>
+        <p:cTn id="1" dur="indefinite" restart="never" nodeType="tmRoot"/>
+      </p:par>
+    </p:tnLst>
+  </p:timing>
 </p:sld>
 </file>
 
@@ -7535,6 +10548,97 @@
   <p:clrMapOvr>
     <a:masterClrMapping/>
   </p:clrMapOvr>
+  <p:timing>
+    <p:tnLst>
+      <p:par>
+        <p:cTn id="1" dur="indefinite" restart="never" nodeType="tmRoot"/>
+      </p:par>
+    </p:tnLst>
+  </p:timing>
+</p:sld>
+</file>
+
+<file path=ppt/slides/slide80.xml><?xml version="1.0" encoding="utf-8"?>
+<p:sld xmlns:a="http://schemas.openxmlformats.org/drawingml/2006/main" xmlns:r="http://schemas.openxmlformats.org/officeDocument/2006/relationships" xmlns:p="http://schemas.openxmlformats.org/presentationml/2006/main">
+  <p:cSld>
+    <p:spTree>
+      <p:nvGrpSpPr>
+        <p:cNvPr id="1" name=""/>
+        <p:cNvGrpSpPr/>
+        <p:nvPr/>
+      </p:nvGrpSpPr>
+      <p:grpSpPr>
+        <a:xfrm>
+          <a:off x="0" y="0"/>
+          <a:ext cx="0" cy="0"/>
+          <a:chOff x="0" y="0"/>
+          <a:chExt cx="0" cy="0"/>
+        </a:xfrm>
+      </p:grpSpPr>
+      <p:sp>
+        <p:nvSpPr>
+          <p:cNvPr id="2" name="Title 1"/>
+          <p:cNvSpPr>
+            <a:spLocks noGrp="1"/>
+          </p:cNvSpPr>
+          <p:nvPr>
+            <p:ph type="title"/>
+          </p:nvPr>
+        </p:nvSpPr>
+        <p:spPr/>
+        <p:txBody>
+          <a:bodyPr/>
+          <a:lstStyle/>
+          <a:p>
+            <a:r>
+              <a:rPr lang="en-US" dirty="0" smtClean="0"/>
+              <a:t>Summary </a:t>
+            </a:r>
+            <a:endParaRPr lang="en-GB" dirty="0"/>
+          </a:p>
+        </p:txBody>
+      </p:sp>
+      <p:pic>
+        <p:nvPicPr>
+          <p:cNvPr id="4" name="Picture 3"/>
+          <p:cNvPicPr>
+            <a:picLocks noChangeAspect="1"/>
+          </p:cNvPicPr>
+          <p:nvPr/>
+        </p:nvPicPr>
+        <p:blipFill>
+          <a:blip r:embed="rId2"/>
+          <a:stretch>
+            <a:fillRect/>
+          </a:stretch>
+        </p:blipFill>
+        <p:spPr>
+          <a:xfrm>
+            <a:off x="1249891" y="1965960"/>
+            <a:ext cx="6305550" cy="3248025"/>
+          </a:xfrm>
+          <a:prstGeom prst="rect">
+            <a:avLst/>
+          </a:prstGeom>
+        </p:spPr>
+      </p:pic>
+    </p:spTree>
+    <p:extLst>
+      <p:ext uri="{BB962C8B-B14F-4D97-AF65-F5344CB8AC3E}">
+        <p14:creationId xmlns:p14="http://schemas.microsoft.com/office/powerpoint/2010/main" val="3170436909"/>
+      </p:ext>
+    </p:extLst>
+  </p:cSld>
+  <p:clrMapOvr>
+    <a:masterClrMapping/>
+  </p:clrMapOvr>
+  <p:timing>
+    <p:tnLst>
+      <p:par>
+        <p:cTn id="1" dur="indefinite" restart="never" nodeType="tmRoot"/>
+      </p:par>
+    </p:tnLst>
+  </p:timing>
 </p:sld>
 </file>
 
@@ -7694,6 +10798,13 @@
   <p:clrMapOvr>
     <a:masterClrMapping/>
   </p:clrMapOvr>
+  <p:timing>
+    <p:tnLst>
+      <p:par>
+        <p:cTn id="1" dur="indefinite" restart="never" nodeType="tmRoot"/>
+      </p:par>
+    </p:tnLst>
+  </p:timing>
 </p:sld>
 </file>
 
